--- a/ADE_copilot/CIC-2025_PPT_ADECopilot.pptx
+++ b/ADE_copilot/CIC-2025_PPT_ADECopilot.pptx
@@ -5,21 +5,22 @@
     <p:sldMasterId id="2147483666" r:id="rId4"/>
   </p:sldMasterIdLst>
   <p:notesMasterIdLst>
-    <p:notesMasterId r:id="rId14"/>
+    <p:notesMasterId r:id="rId15"/>
   </p:notesMasterIdLst>
   <p:handoutMasterIdLst>
-    <p:handoutMasterId r:id="rId15"/>
+    <p:handoutMasterId r:id="rId16"/>
   </p:handoutMasterIdLst>
   <p:sldIdLst>
     <p:sldId id="2147309208" r:id="rId5"/>
     <p:sldId id="2147309214" r:id="rId6"/>
     <p:sldId id="2147309217" r:id="rId7"/>
-    <p:sldId id="2147309216" r:id="rId8"/>
-    <p:sldId id="2147309215" r:id="rId9"/>
-    <p:sldId id="2147309212" r:id="rId10"/>
-    <p:sldId id="2147309213" r:id="rId11"/>
-    <p:sldId id="2147309209" r:id="rId12"/>
-    <p:sldId id="2147309207" r:id="rId13"/>
+    <p:sldId id="2147309218" r:id="rId8"/>
+    <p:sldId id="2147309216" r:id="rId9"/>
+    <p:sldId id="2147309215" r:id="rId10"/>
+    <p:sldId id="2147309212" r:id="rId11"/>
+    <p:sldId id="2147309213" r:id="rId12"/>
+    <p:sldId id="2147309209" r:id="rId13"/>
+    <p:sldId id="2147309207" r:id="rId14"/>
   </p:sldIdLst>
   <p:sldSz cx="12192000" cy="6858000"/>
   <p:notesSz cx="6858000" cy="9144000"/>
@@ -4564,6 +4565,36 @@
 </p:sld>
 </file>
 
+<file path=ppt/slides/slide10.xml><?xml version="1.0" encoding="utf-8"?>
+<p:sld xmlns:a="http://schemas.openxmlformats.org/drawingml/2006/main" xmlns:r="http://schemas.openxmlformats.org/officeDocument/2006/relationships" xmlns:p="http://schemas.openxmlformats.org/presentationml/2006/main">
+  <p:cSld>
+    <p:spTree>
+      <p:nvGrpSpPr>
+        <p:cNvPr id="1" name=""/>
+        <p:cNvGrpSpPr/>
+        <p:nvPr/>
+      </p:nvGrpSpPr>
+      <p:grpSpPr>
+        <a:xfrm>
+          <a:off x="0" y="0"/>
+          <a:ext cx="0" cy="0"/>
+          <a:chOff x="0" y="0"/>
+          <a:chExt cx="0" cy="0"/>
+        </a:xfrm>
+      </p:grpSpPr>
+    </p:spTree>
+    <p:extLst>
+      <p:ext uri="{BB962C8B-B14F-4D97-AF65-F5344CB8AC3E}">
+        <p14:creationId xmlns:p14="http://schemas.microsoft.com/office/powerpoint/2010/main" val="1605182155"/>
+      </p:ext>
+    </p:extLst>
+  </p:cSld>
+  <p:clrMapOvr>
+    <a:masterClrMapping/>
+  </p:clrMapOvr>
+</p:sld>
+</file>
+
 <file path=ppt/slides/slide2.xml><?xml version="1.0" encoding="utf-8"?>
 <p:sld xmlns:a="http://schemas.openxmlformats.org/drawingml/2006/main" xmlns:r="http://schemas.openxmlformats.org/officeDocument/2006/relationships" xmlns:p="http://schemas.openxmlformats.org/presentationml/2006/main">
   <p:cSld>
@@ -4609,6 +4640,42 @@
           </a:p>
         </p:txBody>
       </p:sp>
+      <p:pic>
+        <p:nvPicPr>
+          <p:cNvPr id="2" name="Picture 1">
+            <a:extLst>
+              <a:ext uri="{FF2B5EF4-FFF2-40B4-BE49-F238E27FC236}">
+                <a16:creationId xmlns:a16="http://schemas.microsoft.com/office/drawing/2014/main" id="{8E604AE0-51E6-748E-86B8-DB514394D313}"/>
+              </a:ext>
+            </a:extLst>
+          </p:cNvPr>
+          <p:cNvPicPr>
+            <a:picLocks noChangeAspect="1"/>
+          </p:cNvPicPr>
+          <p:nvPr/>
+        </p:nvPicPr>
+        <p:blipFill>
+          <a:blip r:embed="rId2" cstate="print">
+            <a:extLst>
+              <a:ext uri="{28A0092B-C50C-407E-A947-70E740481C1C}">
+                <a14:useLocalDpi xmlns:a14="http://schemas.microsoft.com/office/drawing/2010/main" val="0"/>
+              </a:ext>
+            </a:extLst>
+          </a:blip>
+          <a:stretch>
+            <a:fillRect/>
+          </a:stretch>
+        </p:blipFill>
+        <p:spPr>
+          <a:xfrm>
+            <a:off x="1266726" y="930275"/>
+            <a:ext cx="9658547" cy="5569143"/>
+          </a:xfrm>
+          <a:prstGeom prst="rect">
+            <a:avLst/>
+          </a:prstGeom>
+        </p:spPr>
+      </p:pic>
     </p:spTree>
     <p:extLst>
       <p:ext uri="{BB962C8B-B14F-4D97-AF65-F5344CB8AC3E}">
@@ -4688,7 +4755,12 @@
             <p:ph idx="1"/>
           </p:nvPr>
         </p:nvSpPr>
-        <p:spPr/>
+        <p:spPr>
+          <a:xfrm>
+            <a:off x="435431" y="1188720"/>
+            <a:ext cx="9462714" cy="5146766"/>
+          </a:xfrm>
+        </p:spPr>
         <p:txBody>
           <a:bodyPr/>
           <a:lstStyle/>
@@ -4702,7 +4774,173 @@
             <a:pPr lvl="1"/>
             <a:r>
               <a:rPr lang="en-US" dirty="0"/>
-              <a:t>Improper setting of job policy leads to waste of resources</a:t>
+              <a:t>ADE has too many features </a:t>
+            </a:r>
+          </a:p>
+          <a:p>
+            <a:pPr lvl="1"/>
+            <a:r>
+              <a:rPr lang="en-US" dirty="0"/>
+              <a:t>Traditional learning methods can no longer meet the needs</a:t>
+            </a:r>
+          </a:p>
+          <a:p>
+            <a:pPr lvl="1"/>
+            <a:r>
+              <a:rPr lang="en-US" dirty="0"/>
+              <a:t>An interactive engineering assistant based on LLM is a better choice</a:t>
+            </a:r>
+          </a:p>
+          <a:p>
+            <a:pPr lvl="1"/>
+            <a:endParaRPr lang="en-US" dirty="0"/>
+          </a:p>
+        </p:txBody>
+      </p:sp>
+      <p:pic>
+        <p:nvPicPr>
+          <p:cNvPr id="11" name="Picture 10">
+            <a:extLst>
+              <a:ext uri="{FF2B5EF4-FFF2-40B4-BE49-F238E27FC236}">
+                <a16:creationId xmlns:a16="http://schemas.microsoft.com/office/drawing/2014/main" id="{7572B7C6-BFF1-FA29-C3FC-EDDFEFF3C5EC}"/>
+              </a:ext>
+            </a:extLst>
+          </p:cNvPr>
+          <p:cNvPicPr>
+            <a:picLocks noChangeAspect="1"/>
+          </p:cNvPicPr>
+          <p:nvPr/>
+        </p:nvPicPr>
+        <p:blipFill>
+          <a:blip r:embed="rId2" cstate="print">
+            <a:extLst>
+              <a:ext uri="{28A0092B-C50C-407E-A947-70E740481C1C}">
+                <a14:useLocalDpi xmlns:a14="http://schemas.microsoft.com/office/drawing/2010/main" val="0"/>
+              </a:ext>
+            </a:extLst>
+          </a:blip>
+          <a:stretch>
+            <a:fillRect/>
+          </a:stretch>
+        </p:blipFill>
+        <p:spPr>
+          <a:xfrm>
+            <a:off x="1316371" y="2952043"/>
+            <a:ext cx="2728066" cy="2785798"/>
+          </a:xfrm>
+          <a:prstGeom prst="rect">
+            <a:avLst/>
+          </a:prstGeom>
+        </p:spPr>
+      </p:pic>
+      <p:sp>
+        <p:nvSpPr>
+          <p:cNvPr id="12" name="TextBox 11">
+            <a:extLst>
+              <a:ext uri="{FF2B5EF4-FFF2-40B4-BE49-F238E27FC236}">
+                <a16:creationId xmlns:a16="http://schemas.microsoft.com/office/drawing/2014/main" id="{E4E4F58C-CAE6-13A5-88E0-EFA121F7B33E}"/>
+              </a:ext>
+            </a:extLst>
+          </p:cNvPr>
+          <p:cNvSpPr txBox="1"/>
+          <p:nvPr/>
+        </p:nvSpPr>
+        <p:spPr>
+          <a:xfrm>
+            <a:off x="1334885" y="5815390"/>
+            <a:ext cx="2514919" cy="307777"/>
+          </a:xfrm>
+          <a:prstGeom prst="rect">
+            <a:avLst/>
+          </a:prstGeom>
+          <a:noFill/>
+        </p:spPr>
+        <p:txBody>
+          <a:bodyPr wrap="none" rtlCol="0">
+            <a:spAutoFit/>
+          </a:bodyPr>
+          <a:lstStyle/>
+          <a:p>
+            <a:r>
+              <a:rPr lang="en-US" sz="1400" b="1" dirty="0">
+                <a:latin typeface="Times New Roman" panose="02020603050405020304" pitchFamily="18" charset="0"/>
+                <a:cs typeface="Times New Roman" panose="02020603050405020304" pitchFamily="18" charset="0"/>
+              </a:rPr>
+              <a:t>Traditional Learning Methods</a:t>
+            </a:r>
+          </a:p>
+        </p:txBody>
+      </p:sp>
+      <p:pic>
+        <p:nvPicPr>
+          <p:cNvPr id="13" name="Picture 12">
+            <a:extLst>
+              <a:ext uri="{FF2B5EF4-FFF2-40B4-BE49-F238E27FC236}">
+                <a16:creationId xmlns:a16="http://schemas.microsoft.com/office/drawing/2014/main" id="{206DA350-73CC-A6EA-6B38-81CB651CE053}"/>
+              </a:ext>
+            </a:extLst>
+          </p:cNvPr>
+          <p:cNvPicPr>
+            <a:picLocks noChangeAspect="1"/>
+          </p:cNvPicPr>
+          <p:nvPr/>
+        </p:nvPicPr>
+        <p:blipFill>
+          <a:blip r:embed="rId3" cstate="print">
+            <a:extLst>
+              <a:ext uri="{28A0092B-C50C-407E-A947-70E740481C1C}">
+                <a14:useLocalDpi xmlns:a14="http://schemas.microsoft.com/office/drawing/2010/main" val="0"/>
+              </a:ext>
+            </a:extLst>
+          </a:blip>
+          <a:stretch>
+            <a:fillRect/>
+          </a:stretch>
+        </p:blipFill>
+        <p:spPr>
+          <a:xfrm>
+            <a:off x="4841452" y="2871361"/>
+            <a:ext cx="7217741" cy="2462206"/>
+          </a:xfrm>
+          <a:prstGeom prst="rect">
+            <a:avLst/>
+          </a:prstGeom>
+        </p:spPr>
+      </p:pic>
+      <p:sp>
+        <p:nvSpPr>
+          <p:cNvPr id="14" name="TextBox 13">
+            <a:extLst>
+              <a:ext uri="{FF2B5EF4-FFF2-40B4-BE49-F238E27FC236}">
+                <a16:creationId xmlns:a16="http://schemas.microsoft.com/office/drawing/2014/main" id="{17A5B4D4-44B6-8B08-29BB-18DCA96E97EB}"/>
+              </a:ext>
+            </a:extLst>
+          </p:cNvPr>
+          <p:cNvSpPr txBox="1"/>
+          <p:nvPr/>
+        </p:nvSpPr>
+        <p:spPr>
+          <a:xfrm>
+            <a:off x="8048341" y="5815390"/>
+            <a:ext cx="2709396" cy="307777"/>
+          </a:xfrm>
+          <a:prstGeom prst="rect">
+            <a:avLst/>
+          </a:prstGeom>
+          <a:noFill/>
+        </p:spPr>
+        <p:txBody>
+          <a:bodyPr wrap="none" rtlCol="0">
+            <a:spAutoFit/>
+          </a:bodyPr>
+          <a:lstStyle/>
+          <a:p>
+            <a:r>
+              <a:rPr lang="en-US" sz="1400" b="1" dirty="0">
+                <a:latin typeface="Times New Roman" panose="02020603050405020304" pitchFamily="18" charset="0"/>
+                <a:cs typeface="Times New Roman" panose="02020603050405020304" pitchFamily="18" charset="0"/>
+              </a:rPr>
+              <a:t>Interactive Engineering assistant</a:t>
             </a:r>
           </a:p>
         </p:txBody>
@@ -4760,6 +4998,148 @@
           <a:p>
             <a:r>
               <a:rPr lang="en-US" dirty="0"/>
+              <a:t>Assistant Chat</a:t>
+            </a:r>
+            <a:r>
+              <a:rPr lang="en-US" altLang="zh-CN" dirty="0"/>
+              <a:t>bot</a:t>
+            </a:r>
+            <a:endParaRPr lang="en-US" dirty="0"/>
+          </a:p>
+        </p:txBody>
+      </p:sp>
+      <p:sp>
+        <p:nvSpPr>
+          <p:cNvPr id="9" name="Content Placeholder 8">
+            <a:extLst>
+              <a:ext uri="{FF2B5EF4-FFF2-40B4-BE49-F238E27FC236}">
+                <a16:creationId xmlns:a16="http://schemas.microsoft.com/office/drawing/2014/main" id="{8ACA9132-46BF-181E-1665-517FD2CC6CC7}"/>
+              </a:ext>
+            </a:extLst>
+          </p:cNvPr>
+          <p:cNvSpPr>
+            <a:spLocks noGrp="1"/>
+          </p:cNvSpPr>
+          <p:nvPr>
+            <p:ph idx="1"/>
+          </p:nvPr>
+        </p:nvSpPr>
+        <p:spPr>
+          <a:xfrm>
+            <a:off x="435431" y="1188720"/>
+            <a:ext cx="9462714" cy="5146766"/>
+          </a:xfrm>
+        </p:spPr>
+        <p:txBody>
+          <a:bodyPr/>
+          <a:lstStyle/>
+          <a:p>
+            <a:r>
+              <a:rPr lang="en-US" dirty="0"/>
+              <a:t>How ADE Copilot solves this problem</a:t>
+            </a:r>
+          </a:p>
+          <a:p>
+            <a:pPr lvl="1"/>
+            <a:r>
+              <a:rPr lang="en-US" dirty="0"/>
+              <a:t>Implement interactive engineering assistant based on pre-trained LLM(Large Language Model) and RAG(Retrieval Enhancement Generation)</a:t>
+            </a:r>
+          </a:p>
+        </p:txBody>
+      </p:sp>
+      <p:pic>
+        <p:nvPicPr>
+          <p:cNvPr id="6" name="Graphic 5">
+            <a:extLst>
+              <a:ext uri="{FF2B5EF4-FFF2-40B4-BE49-F238E27FC236}">
+                <a16:creationId xmlns:a16="http://schemas.microsoft.com/office/drawing/2014/main" id="{B435E3ED-F2D8-A01A-884A-43EAE46218D6}"/>
+              </a:ext>
+            </a:extLst>
+          </p:cNvPr>
+          <p:cNvPicPr>
+            <a:picLocks noChangeAspect="1"/>
+          </p:cNvPicPr>
+          <p:nvPr/>
+        </p:nvPicPr>
+        <p:blipFill>
+          <a:blip r:embed="rId2">
+            <a:extLst>
+              <a:ext uri="{28A0092B-C50C-407E-A947-70E740481C1C}">
+                <a14:useLocalDpi xmlns:a14="http://schemas.microsoft.com/office/drawing/2010/main" val="0"/>
+              </a:ext>
+              <a:ext uri="{96DAC541-7B7A-43D3-8B79-37D633B846F1}">
+                <asvg:svgBlip xmlns:asvg="http://schemas.microsoft.com/office/drawing/2016/SVG/main" r:embed="rId3"/>
+              </a:ext>
+            </a:extLst>
+          </a:blip>
+          <a:stretch>
+            <a:fillRect/>
+          </a:stretch>
+        </p:blipFill>
+        <p:spPr>
+          <a:xfrm>
+            <a:off x="1570030" y="2235448"/>
+            <a:ext cx="8901112" cy="4257427"/>
+          </a:xfrm>
+          <a:prstGeom prst="rect">
+            <a:avLst/>
+          </a:prstGeom>
+        </p:spPr>
+      </p:pic>
+    </p:spTree>
+    <p:extLst>
+      <p:ext uri="{BB962C8B-B14F-4D97-AF65-F5344CB8AC3E}">
+        <p14:creationId xmlns:p14="http://schemas.microsoft.com/office/powerpoint/2010/main" val="2274113233"/>
+      </p:ext>
+    </p:extLst>
+  </p:cSld>
+  <p:clrMapOvr>
+    <a:masterClrMapping/>
+  </p:clrMapOvr>
+</p:sld>
+</file>
+
+<file path=ppt/slides/slide5.xml><?xml version="1.0" encoding="utf-8"?>
+<p:sld xmlns:a="http://schemas.openxmlformats.org/drawingml/2006/main" xmlns:r="http://schemas.openxmlformats.org/officeDocument/2006/relationships" xmlns:p="http://schemas.openxmlformats.org/presentationml/2006/main">
+  <p:cSld>
+    <p:spTree>
+      <p:nvGrpSpPr>
+        <p:cNvPr id="1" name=""/>
+        <p:cNvGrpSpPr/>
+        <p:nvPr/>
+      </p:nvGrpSpPr>
+      <p:grpSpPr>
+        <a:xfrm>
+          <a:off x="0" y="0"/>
+          <a:ext cx="0" cy="0"/>
+          <a:chOff x="0" y="0"/>
+          <a:chExt cx="0" cy="0"/>
+        </a:xfrm>
+      </p:grpSpPr>
+      <p:sp>
+        <p:nvSpPr>
+          <p:cNvPr id="3" name="Title 2">
+            <a:extLst>
+              <a:ext uri="{FF2B5EF4-FFF2-40B4-BE49-F238E27FC236}">
+                <a16:creationId xmlns:a16="http://schemas.microsoft.com/office/drawing/2014/main" id="{154D3AFC-DD18-8348-0D8D-D1A81365CA40}"/>
+              </a:ext>
+            </a:extLst>
+          </p:cNvPr>
+          <p:cNvSpPr>
+            <a:spLocks noGrp="1"/>
+          </p:cNvSpPr>
+          <p:nvPr>
+            <p:ph type="title"/>
+          </p:nvPr>
+        </p:nvSpPr>
+        <p:spPr/>
+        <p:txBody>
+          <a:bodyPr/>
+          <a:lstStyle/>
+          <a:p>
+            <a:r>
+              <a:rPr lang="en-US" dirty="0"/>
               <a:t>Verifier Requirements Automation</a:t>
             </a:r>
           </a:p>
@@ -4813,7 +5193,7 @@
 </p:sld>
 </file>
 
-<file path=ppt/slides/slide5.xml><?xml version="1.0" encoding="utf-8"?>
+<file path=ppt/slides/slide6.xml><?xml version="1.0" encoding="utf-8"?>
 <p:sld xmlns:a="http://schemas.openxmlformats.org/drawingml/2006/main" xmlns:r="http://schemas.openxmlformats.org/officeDocument/2006/relationships" xmlns:p="http://schemas.openxmlformats.org/presentationml/2006/main">
   <p:cSld>
     <p:spTree>
@@ -5160,7 +5540,7 @@
 </p:sld>
 </file>
 
-<file path=ppt/slides/slide6.xml><?xml version="1.0" encoding="utf-8"?>
+<file path=ppt/slides/slide7.xml><?xml version="1.0" encoding="utf-8"?>
 <p:sld xmlns:a="http://schemas.openxmlformats.org/drawingml/2006/main" xmlns:r="http://schemas.openxmlformats.org/officeDocument/2006/relationships" xmlns:p="http://schemas.openxmlformats.org/presentationml/2006/main">
   <p:cSld>
     <p:spTree>
@@ -6240,7 +6620,7 @@
 </p:sld>
 </file>
 
-<file path=ppt/slides/slide7.xml><?xml version="1.0" encoding="utf-8"?>
+<file path=ppt/slides/slide8.xml><?xml version="1.0" encoding="utf-8"?>
 <p:sld xmlns:a="http://schemas.openxmlformats.org/drawingml/2006/main" xmlns:r="http://schemas.openxmlformats.org/officeDocument/2006/relationships" xmlns:p="http://schemas.openxmlformats.org/presentationml/2006/main">
   <p:cSld>
     <p:spTree>
@@ -6969,7 +7349,7 @@
 </p:sld>
 </file>
 
-<file path=ppt/slides/slide8.xml><?xml version="1.0" encoding="utf-8"?>
+<file path=ppt/slides/slide9.xml><?xml version="1.0" encoding="utf-8"?>
 <p:sld xmlns:a="http://schemas.openxmlformats.org/drawingml/2006/main" xmlns:r="http://schemas.openxmlformats.org/officeDocument/2006/relationships" xmlns:p="http://schemas.openxmlformats.org/presentationml/2006/main">
   <p:cSld>
     <p:spTree>
@@ -7040,36 +7420,6 @@
     <p:extLst>
       <p:ext uri="{BB962C8B-B14F-4D97-AF65-F5344CB8AC3E}">
         <p14:creationId xmlns:p14="http://schemas.microsoft.com/office/powerpoint/2010/main" val="1957047950"/>
-      </p:ext>
-    </p:extLst>
-  </p:cSld>
-  <p:clrMapOvr>
-    <a:masterClrMapping/>
-  </p:clrMapOvr>
-</p:sld>
-</file>
-
-<file path=ppt/slides/slide9.xml><?xml version="1.0" encoding="utf-8"?>
-<p:sld xmlns:a="http://schemas.openxmlformats.org/drawingml/2006/main" xmlns:r="http://schemas.openxmlformats.org/officeDocument/2006/relationships" xmlns:p="http://schemas.openxmlformats.org/presentationml/2006/main">
-  <p:cSld>
-    <p:spTree>
-      <p:nvGrpSpPr>
-        <p:cNvPr id="1" name=""/>
-        <p:cNvGrpSpPr/>
-        <p:nvPr/>
-      </p:nvGrpSpPr>
-      <p:grpSpPr>
-        <a:xfrm>
-          <a:off x="0" y="0"/>
-          <a:ext cx="0" cy="0"/>
-          <a:chOff x="0" y="0"/>
-          <a:chExt cx="0" cy="0"/>
-        </a:xfrm>
-      </p:grpSpPr>
-    </p:spTree>
-    <p:extLst>
-      <p:ext uri="{BB962C8B-B14F-4D97-AF65-F5344CB8AC3E}">
-        <p14:creationId xmlns:p14="http://schemas.microsoft.com/office/powerpoint/2010/main" val="1605182155"/>
       </p:ext>
     </p:extLst>
   </p:cSld>
@@ -7836,28 +8186,6 @@
 </file>
 
 <file path=customXml/item1.xml><?xml version="1.0" encoding="utf-8"?>
-<?mso-contentType ?>
-<FormTemplates xmlns="http://schemas.microsoft.com/sharepoint/v3/contenttype/forms">
-  <Display>DocumentLibraryForm</Display>
-  <Edit>DocumentLibraryForm</Edit>
-  <New>DocumentLibraryForm</New>
-</FormTemplates>
-</file>
-
-<file path=customXml/item2.xml><?xml version="1.0" encoding="utf-8"?>
-<p:properties xmlns:p="http://schemas.microsoft.com/office/2006/metadata/properties" xmlns:xsi="http://www.w3.org/2001/XMLSchema-instance" xmlns:pc="http://schemas.microsoft.com/office/infopath/2007/PartnerControls">
-  <documentManagement>
-    <TaxCatchAll xmlns="7b8458dc-598e-4883-bee3-b65cd33e2373" xsi:nil="true"/>
-    <lcf76f155ced4ddcb4097134ff3c332f xmlns="4d616b5b-752e-49e1-bc84-983707c3b45d">
-      <Terms xmlns="http://schemas.microsoft.com/office/infopath/2007/PartnerControls"/>
-    </lcf76f155ced4ddcb4097134ff3c332f>
-    <_ip_UnifiedCompliancePolicyUIAction xmlns="http://schemas.microsoft.com/sharepoint/v3" xsi:nil="true"/>
-    <_ip_UnifiedCompliancePolicyProperties xmlns="http://schemas.microsoft.com/sharepoint/v3" xsi:nil="true"/>
-  </documentManagement>
-</p:properties>
-</file>
-
-<file path=customXml/item3.xml><?xml version="1.0" encoding="utf-8"?>
 <ct:contentTypeSchema xmlns:ct="http://schemas.microsoft.com/office/2006/metadata/contentType" xmlns:ma="http://schemas.microsoft.com/office/2006/metadata/properties/metaAttributes" ct:_="" ma:_="" ma:contentTypeName="Document" ma:contentTypeID="0x010100EA1802221C47224DAD2E1CD157C76B66" ma:contentTypeVersion="15" ma:contentTypeDescription="Create a new document." ma:contentTypeScope="" ma:versionID="363dbe0862a1b9cf731691ddd7ebcb66">
   <xsd:schema xmlns:xsd="http://www.w3.org/2001/XMLSchema" xmlns:xs="http://www.w3.org/2001/XMLSchema" xmlns:p="http://schemas.microsoft.com/office/2006/metadata/properties" xmlns:ns1="http://schemas.microsoft.com/sharepoint/v3" xmlns:ns2="4d616b5b-752e-49e1-bc84-983707c3b45d" xmlns:ns3="7b8458dc-598e-4883-bee3-b65cd33e2373" targetNamespace="http://schemas.microsoft.com/office/2006/metadata/properties" ma:root="true" ma:fieldsID="2291c4afe0501b639051f6a2b720ae43" ns1:_="" ns2:_="" ns3:_="">
     <xsd:import namespace="http://schemas.microsoft.com/sharepoint/v3"/>
@@ -8095,10 +8423,44 @@
 </ct:contentTypeSchema>
 </file>
 
+<file path=customXml/item2.xml><?xml version="1.0" encoding="utf-8"?>
+<p:properties xmlns:p="http://schemas.microsoft.com/office/2006/metadata/properties" xmlns:xsi="http://www.w3.org/2001/XMLSchema-instance" xmlns:pc="http://schemas.microsoft.com/office/infopath/2007/PartnerControls">
+  <documentManagement>
+    <TaxCatchAll xmlns="7b8458dc-598e-4883-bee3-b65cd33e2373" xsi:nil="true"/>
+    <lcf76f155ced4ddcb4097134ff3c332f xmlns="4d616b5b-752e-49e1-bc84-983707c3b45d">
+      <Terms xmlns="http://schemas.microsoft.com/office/infopath/2007/PartnerControls"/>
+    </lcf76f155ced4ddcb4097134ff3c332f>
+    <_ip_UnifiedCompliancePolicyUIAction xmlns="http://schemas.microsoft.com/sharepoint/v3" xsi:nil="true"/>
+    <_ip_UnifiedCompliancePolicyProperties xmlns="http://schemas.microsoft.com/sharepoint/v3" xsi:nil="true"/>
+  </documentManagement>
+</p:properties>
+</file>
+
+<file path=customXml/item3.xml><?xml version="1.0" encoding="utf-8"?>
+<?mso-contentType ?>
+<FormTemplates xmlns="http://schemas.microsoft.com/sharepoint/v3/contenttype/forms">
+  <Display>DocumentLibraryForm</Display>
+  <Edit>DocumentLibraryForm</Edit>
+  <New>DocumentLibraryForm</New>
+</FormTemplates>
+</file>
+
 <file path=customXml/itemProps1.xml><?xml version="1.0" encoding="utf-8"?>
-<ds:datastoreItem xmlns:ds="http://schemas.openxmlformats.org/officeDocument/2006/customXml" ds:itemID="{26A66B61-4F06-44C8-9162-4B6D2BCADA53}">
+<ds:datastoreItem xmlns:ds="http://schemas.openxmlformats.org/officeDocument/2006/customXml" ds:itemID="{5F414E3A-68DA-42A0-8EE0-8D409A8A8051}">
   <ds:schemaRefs>
-    <ds:schemaRef ds:uri="http://schemas.microsoft.com/sharepoint/v3/contenttype/forms"/>
+    <ds:schemaRef ds:uri="http://schemas.microsoft.com/office/2006/metadata/contentType"/>
+    <ds:schemaRef ds:uri="http://schemas.microsoft.com/office/2006/metadata/properties/metaAttributes"/>
+    <ds:schemaRef ds:uri="http://www.w3.org/2001/XMLSchema"/>
+    <ds:schemaRef ds:uri="http://schemas.microsoft.com/office/2006/metadata/properties"/>
+    <ds:schemaRef ds:uri="http://schemas.microsoft.com/sharepoint/v3"/>
+    <ds:schemaRef ds:uri="4d616b5b-752e-49e1-bc84-983707c3b45d"/>
+    <ds:schemaRef ds:uri="7b8458dc-598e-4883-bee3-b65cd33e2373"/>
+    <ds:schemaRef ds:uri="http://schemas.microsoft.com/office/2006/documentManagement/types"/>
+    <ds:schemaRef ds:uri="http://schemas.microsoft.com/office/infopath/2007/PartnerControls"/>
+    <ds:schemaRef ds:uri="http://schemas.openxmlformats.org/package/2006/metadata/core-properties"/>
+    <ds:schemaRef ds:uri="http://purl.org/dc/elements/1.1/"/>
+    <ds:schemaRef ds:uri="http://purl.org/dc/terms/"/>
+    <ds:schemaRef ds:uri="http://schemas.microsoft.com/internal/obd"/>
   </ds:schemaRefs>
 </ds:datastoreItem>
 </file>
@@ -8122,21 +8484,9 @@
 </file>
 
 <file path=customXml/itemProps3.xml><?xml version="1.0" encoding="utf-8"?>
-<ds:datastoreItem xmlns:ds="http://schemas.openxmlformats.org/officeDocument/2006/customXml" ds:itemID="{5F414E3A-68DA-42A0-8EE0-8D409A8A8051}">
+<ds:datastoreItem xmlns:ds="http://schemas.openxmlformats.org/officeDocument/2006/customXml" ds:itemID="{26A66B61-4F06-44C8-9162-4B6D2BCADA53}">
   <ds:schemaRefs>
-    <ds:schemaRef ds:uri="http://schemas.microsoft.com/office/2006/metadata/contentType"/>
-    <ds:schemaRef ds:uri="http://schemas.microsoft.com/office/2006/metadata/properties/metaAttributes"/>
-    <ds:schemaRef ds:uri="http://www.w3.org/2001/XMLSchema"/>
-    <ds:schemaRef ds:uri="http://schemas.microsoft.com/office/2006/metadata/properties"/>
-    <ds:schemaRef ds:uri="http://schemas.microsoft.com/sharepoint/v3"/>
-    <ds:schemaRef ds:uri="4d616b5b-752e-49e1-bc84-983707c3b45d"/>
-    <ds:schemaRef ds:uri="7b8458dc-598e-4883-bee3-b65cd33e2373"/>
-    <ds:schemaRef ds:uri="http://schemas.microsoft.com/office/2006/documentManagement/types"/>
-    <ds:schemaRef ds:uri="http://schemas.microsoft.com/office/infopath/2007/PartnerControls"/>
-    <ds:schemaRef ds:uri="http://schemas.openxmlformats.org/package/2006/metadata/core-properties"/>
-    <ds:schemaRef ds:uri="http://purl.org/dc/elements/1.1/"/>
-    <ds:schemaRef ds:uri="http://purl.org/dc/terms/"/>
-    <ds:schemaRef ds:uri="http://schemas.microsoft.com/internal/obd"/>
+    <ds:schemaRef ds:uri="http://schemas.microsoft.com/sharepoint/v3/contenttype/forms"/>
   </ds:schemaRefs>
 </ds:datastoreItem>
 </file>
--- a/ADE_copilot/CIC-2025_PPT_ADECopilot.pptx
+++ b/ADE_copilot/CIC-2025_PPT_ADECopilot.pptx
@@ -5,10 +5,10 @@
     <p:sldMasterId id="2147483666" r:id="rId4"/>
   </p:sldMasterIdLst>
   <p:notesMasterIdLst>
-    <p:notesMasterId r:id="rId15"/>
+    <p:notesMasterId r:id="rId17"/>
   </p:notesMasterIdLst>
   <p:handoutMasterIdLst>
-    <p:handoutMasterId r:id="rId16"/>
+    <p:handoutMasterId r:id="rId18"/>
   </p:handoutMasterIdLst>
   <p:sldIdLst>
     <p:sldId id="2147309208" r:id="rId5"/>
@@ -16,11 +16,13 @@
     <p:sldId id="2147309217" r:id="rId7"/>
     <p:sldId id="2147309218" r:id="rId8"/>
     <p:sldId id="2147309216" r:id="rId9"/>
-    <p:sldId id="2147309215" r:id="rId10"/>
-    <p:sldId id="2147309212" r:id="rId11"/>
-    <p:sldId id="2147309213" r:id="rId12"/>
-    <p:sldId id="2147309209" r:id="rId13"/>
-    <p:sldId id="2147309207" r:id="rId14"/>
+    <p:sldId id="2147309220" r:id="rId10"/>
+    <p:sldId id="2147309219" r:id="rId11"/>
+    <p:sldId id="2147309215" r:id="rId12"/>
+    <p:sldId id="2147309212" r:id="rId13"/>
+    <p:sldId id="2147309213" r:id="rId14"/>
+    <p:sldId id="2147309209" r:id="rId15"/>
+    <p:sldId id="2147309207" r:id="rId16"/>
   </p:sldIdLst>
   <p:sldSz cx="12192000" cy="6858000"/>
   <p:notesSz cx="6858000" cy="9144000"/>
@@ -4582,6 +4584,815 @@
           <a:chExt cx="0" cy="0"/>
         </a:xfrm>
       </p:grpSpPr>
+      <p:sp>
+        <p:nvSpPr>
+          <p:cNvPr id="3" name="Title 2">
+            <a:extLst>
+              <a:ext uri="{FF2B5EF4-FFF2-40B4-BE49-F238E27FC236}">
+                <a16:creationId xmlns:a16="http://schemas.microsoft.com/office/drawing/2014/main" id="{154D3AFC-DD18-8348-0D8D-D1A81365CA40}"/>
+              </a:ext>
+            </a:extLst>
+          </p:cNvPr>
+          <p:cNvSpPr>
+            <a:spLocks noGrp="1"/>
+          </p:cNvSpPr>
+          <p:nvPr>
+            <p:ph type="title"/>
+          </p:nvPr>
+        </p:nvSpPr>
+        <p:spPr/>
+        <p:txBody>
+          <a:bodyPr/>
+          <a:lstStyle/>
+          <a:p>
+            <a:r>
+              <a:rPr lang="en-US" dirty="0"/>
+              <a:t>Job Policy Optimization</a:t>
+            </a:r>
+          </a:p>
+        </p:txBody>
+      </p:sp>
+      <p:sp>
+        <p:nvSpPr>
+          <p:cNvPr id="9" name="Content Placeholder 8">
+            <a:extLst>
+              <a:ext uri="{FF2B5EF4-FFF2-40B4-BE49-F238E27FC236}">
+                <a16:creationId xmlns:a16="http://schemas.microsoft.com/office/drawing/2014/main" id="{8ACA9132-46BF-181E-1665-517FD2CC6CC7}"/>
+              </a:ext>
+            </a:extLst>
+          </p:cNvPr>
+          <p:cNvSpPr>
+            <a:spLocks noGrp="1"/>
+          </p:cNvSpPr>
+          <p:nvPr>
+            <p:ph idx="1"/>
+          </p:nvPr>
+        </p:nvSpPr>
+        <p:spPr/>
+        <p:txBody>
+          <a:bodyPr/>
+          <a:lstStyle/>
+          <a:p>
+            <a:r>
+              <a:rPr lang="en-US" dirty="0"/>
+              <a:t>How ADE Copilot solves this problem</a:t>
+            </a:r>
+          </a:p>
+        </p:txBody>
+      </p:sp>
+      <p:pic>
+        <p:nvPicPr>
+          <p:cNvPr id="12" name="Picture 2">
+            <a:extLst>
+              <a:ext uri="{FF2B5EF4-FFF2-40B4-BE49-F238E27FC236}">
+                <a16:creationId xmlns:a16="http://schemas.microsoft.com/office/drawing/2014/main" id="{D34180B9-04B2-3BBB-3736-50D368AC83E7}"/>
+              </a:ext>
+            </a:extLst>
+          </p:cNvPr>
+          <p:cNvPicPr>
+            <a:picLocks noChangeAspect="1" noChangeArrowheads="1"/>
+          </p:cNvPicPr>
+          <p:nvPr/>
+        </p:nvPicPr>
+        <p:blipFill>
+          <a:blip r:embed="rId2" cstate="print">
+            <a:extLst>
+              <a:ext uri="{28A0092B-C50C-407E-A947-70E740481C1C}">
+                <a14:useLocalDpi xmlns:a14="http://schemas.microsoft.com/office/drawing/2010/main" val="0"/>
+              </a:ext>
+            </a:extLst>
+          </a:blip>
+          <a:srcRect/>
+          <a:stretch>
+            <a:fillRect/>
+          </a:stretch>
+        </p:blipFill>
+        <p:spPr bwMode="auto">
+          <a:xfrm>
+            <a:off x="4557155" y="1538385"/>
+            <a:ext cx="2600325" cy="2600325"/>
+          </a:xfrm>
+          <a:prstGeom prst="rect">
+            <a:avLst/>
+          </a:prstGeom>
+          <a:noFill/>
+          <a:extLst>
+            <a:ext uri="{909E8E84-426E-40DD-AFC4-6F175D3DCCD1}">
+              <a14:hiddenFill xmlns:a14="http://schemas.microsoft.com/office/drawing/2010/main">
+                <a:solidFill>
+                  <a:srgbClr val="FFFFFF"/>
+                </a:solidFill>
+              </a14:hiddenFill>
+            </a:ext>
+          </a:extLst>
+        </p:spPr>
+      </p:pic>
+      <p:pic>
+        <p:nvPicPr>
+          <p:cNvPr id="17" name="Picture 16">
+            <a:extLst>
+              <a:ext uri="{FF2B5EF4-FFF2-40B4-BE49-F238E27FC236}">
+                <a16:creationId xmlns:a16="http://schemas.microsoft.com/office/drawing/2014/main" id="{2DBDC030-813C-DE05-449D-61B2BDD2C410}"/>
+              </a:ext>
+            </a:extLst>
+          </p:cNvPr>
+          <p:cNvPicPr>
+            <a:picLocks noChangeAspect="1"/>
+          </p:cNvPicPr>
+          <p:nvPr/>
+        </p:nvPicPr>
+        <p:blipFill>
+          <a:blip r:embed="rId3"/>
+          <a:stretch>
+            <a:fillRect/>
+          </a:stretch>
+        </p:blipFill>
+        <p:spPr>
+          <a:xfrm>
+            <a:off x="3264341" y="4296099"/>
+            <a:ext cx="4569675" cy="2196776"/>
+          </a:xfrm>
+          <a:prstGeom prst="rect">
+            <a:avLst/>
+          </a:prstGeom>
+        </p:spPr>
+      </p:pic>
+      <p:pic>
+        <p:nvPicPr>
+          <p:cNvPr id="18" name="Picture 2">
+            <a:extLst>
+              <a:ext uri="{FF2B5EF4-FFF2-40B4-BE49-F238E27FC236}">
+                <a16:creationId xmlns:a16="http://schemas.microsoft.com/office/drawing/2014/main" id="{125D0818-E1C9-ABD6-2C20-7A5FA9B03DF9}"/>
+              </a:ext>
+            </a:extLst>
+          </p:cNvPr>
+          <p:cNvPicPr>
+            <a:picLocks noChangeAspect="1" noChangeArrowheads="1"/>
+          </p:cNvPicPr>
+          <p:nvPr/>
+        </p:nvPicPr>
+        <p:blipFill>
+          <a:blip r:embed="rId4" cstate="print">
+            <a:extLst>
+              <a:ext uri="{28A0092B-C50C-407E-A947-70E740481C1C}">
+                <a14:useLocalDpi xmlns:a14="http://schemas.microsoft.com/office/drawing/2010/main" val="0"/>
+              </a:ext>
+            </a:extLst>
+          </a:blip>
+          <a:srcRect/>
+          <a:stretch>
+            <a:fillRect/>
+          </a:stretch>
+        </p:blipFill>
+        <p:spPr bwMode="auto">
+          <a:xfrm>
+            <a:off x="669482" y="1726565"/>
+            <a:ext cx="2647950" cy="2295525"/>
+          </a:xfrm>
+          <a:prstGeom prst="rect">
+            <a:avLst/>
+          </a:prstGeom>
+          <a:noFill/>
+          <a:extLst>
+            <a:ext uri="{909E8E84-426E-40DD-AFC4-6F175D3DCCD1}">
+              <a14:hiddenFill xmlns:a14="http://schemas.microsoft.com/office/drawing/2010/main">
+                <a:solidFill>
+                  <a:srgbClr val="FFFFFF"/>
+                </a:solidFill>
+              </a14:hiddenFill>
+            </a:ext>
+          </a:extLst>
+        </p:spPr>
+      </p:pic>
+      <p:grpSp>
+        <p:nvGrpSpPr>
+          <p:cNvPr id="23" name="Group 22">
+            <a:extLst>
+              <a:ext uri="{FF2B5EF4-FFF2-40B4-BE49-F238E27FC236}">
+                <a16:creationId xmlns:a16="http://schemas.microsoft.com/office/drawing/2014/main" id="{31BE00B9-3847-4F15-E584-85DAC2CAFB66}"/>
+              </a:ext>
+            </a:extLst>
+          </p:cNvPr>
+          <p:cNvGrpSpPr/>
+          <p:nvPr/>
+        </p:nvGrpSpPr>
+        <p:grpSpPr>
+          <a:xfrm>
+            <a:off x="8630951" y="1726565"/>
+            <a:ext cx="3060306" cy="4124338"/>
+            <a:chOff x="7225857" y="391588"/>
+            <a:chExt cx="3060306" cy="4124338"/>
+          </a:xfrm>
+        </p:grpSpPr>
+        <p:pic>
+          <p:nvPicPr>
+            <p:cNvPr id="20" name="Picture 19">
+              <a:extLst>
+                <a:ext uri="{FF2B5EF4-FFF2-40B4-BE49-F238E27FC236}">
+                  <a16:creationId xmlns:a16="http://schemas.microsoft.com/office/drawing/2014/main" id="{8FD8092A-CB86-0DD7-3DE3-216E50C31A40}"/>
+                </a:ext>
+              </a:extLst>
+            </p:cNvPr>
+            <p:cNvPicPr>
+              <a:picLocks noChangeAspect="1"/>
+            </p:cNvPicPr>
+            <p:nvPr/>
+          </p:nvPicPr>
+          <p:blipFill>
+            <a:blip r:embed="rId5"/>
+            <a:stretch>
+              <a:fillRect/>
+            </a:stretch>
+          </p:blipFill>
+          <p:spPr>
+            <a:xfrm>
+              <a:off x="7225857" y="391588"/>
+              <a:ext cx="2140385" cy="3371740"/>
+            </a:xfrm>
+            <a:prstGeom prst="rect">
+              <a:avLst/>
+            </a:prstGeom>
+          </p:spPr>
+        </p:pic>
+        <p:pic>
+          <p:nvPicPr>
+            <p:cNvPr id="22" name="Picture 21">
+              <a:extLst>
+                <a:ext uri="{FF2B5EF4-FFF2-40B4-BE49-F238E27FC236}">
+                  <a16:creationId xmlns:a16="http://schemas.microsoft.com/office/drawing/2014/main" id="{19E25E11-1E48-898C-F636-269443F05A14}"/>
+                </a:ext>
+              </a:extLst>
+            </p:cNvPr>
+            <p:cNvPicPr>
+              <a:picLocks noChangeAspect="1"/>
+            </p:cNvPicPr>
+            <p:nvPr/>
+          </p:nvPicPr>
+          <p:blipFill>
+            <a:blip r:embed="rId6"/>
+            <a:stretch>
+              <a:fillRect/>
+            </a:stretch>
+          </p:blipFill>
+          <p:spPr>
+            <a:xfrm>
+              <a:off x="8296049" y="1414973"/>
+              <a:ext cx="1990114" cy="3100953"/>
+            </a:xfrm>
+            <a:prstGeom prst="rect">
+              <a:avLst/>
+            </a:prstGeom>
+          </p:spPr>
+        </p:pic>
+      </p:grpSp>
+      <p:sp>
+        <p:nvSpPr>
+          <p:cNvPr id="24" name="Arrow: Right 23">
+            <a:extLst>
+              <a:ext uri="{FF2B5EF4-FFF2-40B4-BE49-F238E27FC236}">
+                <a16:creationId xmlns:a16="http://schemas.microsoft.com/office/drawing/2014/main" id="{75CB98C7-7A03-DFEB-AABB-075B529846A0}"/>
+              </a:ext>
+            </a:extLst>
+          </p:cNvPr>
+          <p:cNvSpPr/>
+          <p:nvPr/>
+        </p:nvSpPr>
+        <p:spPr>
+          <a:xfrm>
+            <a:off x="3637234" y="2690504"/>
+            <a:ext cx="1036949" cy="367645"/>
+          </a:xfrm>
+          <a:prstGeom prst="rightArrow">
+            <a:avLst/>
+          </a:prstGeom>
+          <a:solidFill>
+            <a:schemeClr val="bg1">
+              <a:lumMod val="85000"/>
+            </a:schemeClr>
+          </a:solidFill>
+          <a:ln>
+            <a:noFill/>
+          </a:ln>
+        </p:spPr>
+        <p:style>
+          <a:lnRef idx="2">
+            <a:schemeClr val="accent1">
+              <a:shade val="50000"/>
+            </a:schemeClr>
+          </a:lnRef>
+          <a:fillRef idx="1">
+            <a:schemeClr val="accent1"/>
+          </a:fillRef>
+          <a:effectRef idx="0">
+            <a:schemeClr val="accent1"/>
+          </a:effectRef>
+          <a:fontRef idx="minor">
+            <a:schemeClr val="lt1"/>
+          </a:fontRef>
+        </p:style>
+        <p:txBody>
+          <a:bodyPr rtlCol="0" anchor="ctr"/>
+          <a:lstStyle/>
+          <a:p>
+            <a:pPr algn="ctr"/>
+            <a:endParaRPr lang="en-US"/>
+          </a:p>
+        </p:txBody>
+      </p:sp>
+      <p:sp>
+        <p:nvSpPr>
+          <p:cNvPr id="25" name="Arrow: Right 24">
+            <a:extLst>
+              <a:ext uri="{FF2B5EF4-FFF2-40B4-BE49-F238E27FC236}">
+                <a16:creationId xmlns:a16="http://schemas.microsoft.com/office/drawing/2014/main" id="{5D43769B-395F-00E8-586F-3520F13A75EE}"/>
+              </a:ext>
+            </a:extLst>
+          </p:cNvPr>
+          <p:cNvSpPr/>
+          <p:nvPr/>
+        </p:nvSpPr>
+        <p:spPr>
+          <a:xfrm>
+            <a:off x="7157480" y="2704526"/>
+            <a:ext cx="1036949" cy="367645"/>
+          </a:xfrm>
+          <a:prstGeom prst="rightArrow">
+            <a:avLst/>
+          </a:prstGeom>
+          <a:solidFill>
+            <a:schemeClr val="bg1">
+              <a:lumMod val="85000"/>
+            </a:schemeClr>
+          </a:solidFill>
+          <a:ln>
+            <a:noFill/>
+          </a:ln>
+        </p:spPr>
+        <p:style>
+          <a:lnRef idx="2">
+            <a:schemeClr val="accent1">
+              <a:shade val="50000"/>
+            </a:schemeClr>
+          </a:lnRef>
+          <a:fillRef idx="1">
+            <a:schemeClr val="accent1"/>
+          </a:fillRef>
+          <a:effectRef idx="0">
+            <a:schemeClr val="accent1"/>
+          </a:effectRef>
+          <a:fontRef idx="minor">
+            <a:schemeClr val="lt1"/>
+          </a:fontRef>
+        </p:style>
+        <p:txBody>
+          <a:bodyPr rtlCol="0" anchor="ctr"/>
+          <a:lstStyle/>
+          <a:p>
+            <a:pPr algn="ctr"/>
+            <a:endParaRPr lang="en-US"/>
+          </a:p>
+        </p:txBody>
+      </p:sp>
+      <p:sp>
+        <p:nvSpPr>
+          <p:cNvPr id="26" name="Arrow: Right 25">
+            <a:extLst>
+              <a:ext uri="{FF2B5EF4-FFF2-40B4-BE49-F238E27FC236}">
+                <a16:creationId xmlns:a16="http://schemas.microsoft.com/office/drawing/2014/main" id="{62441F5F-CACE-E405-C253-89F622015019}"/>
+              </a:ext>
+            </a:extLst>
+          </p:cNvPr>
+          <p:cNvSpPr/>
+          <p:nvPr/>
+        </p:nvSpPr>
+        <p:spPr>
+          <a:xfrm>
+            <a:off x="1490657" y="5098305"/>
+            <a:ext cx="1036949" cy="367645"/>
+          </a:xfrm>
+          <a:prstGeom prst="rightArrow">
+            <a:avLst/>
+          </a:prstGeom>
+          <a:solidFill>
+            <a:schemeClr val="bg1">
+              <a:lumMod val="85000"/>
+            </a:schemeClr>
+          </a:solidFill>
+          <a:ln>
+            <a:noFill/>
+          </a:ln>
+        </p:spPr>
+        <p:style>
+          <a:lnRef idx="2">
+            <a:schemeClr val="accent1">
+              <a:shade val="50000"/>
+            </a:schemeClr>
+          </a:lnRef>
+          <a:fillRef idx="1">
+            <a:schemeClr val="accent1"/>
+          </a:fillRef>
+          <a:effectRef idx="0">
+            <a:schemeClr val="accent1"/>
+          </a:effectRef>
+          <a:fontRef idx="minor">
+            <a:schemeClr val="lt1"/>
+          </a:fontRef>
+        </p:style>
+        <p:txBody>
+          <a:bodyPr rtlCol="0" anchor="ctr"/>
+          <a:lstStyle/>
+          <a:p>
+            <a:pPr algn="ctr"/>
+            <a:endParaRPr lang="en-US" dirty="0"/>
+          </a:p>
+        </p:txBody>
+      </p:sp>
+      <p:sp>
+        <p:nvSpPr>
+          <p:cNvPr id="28" name="Rectangle 27">
+            <a:extLst>
+              <a:ext uri="{FF2B5EF4-FFF2-40B4-BE49-F238E27FC236}">
+                <a16:creationId xmlns:a16="http://schemas.microsoft.com/office/drawing/2014/main" id="{0573BC21-EC70-A3E1-381E-0B3E75542F7E}"/>
+              </a:ext>
+            </a:extLst>
+          </p:cNvPr>
+          <p:cNvSpPr/>
+          <p:nvPr/>
+        </p:nvSpPr>
+        <p:spPr>
+          <a:xfrm>
+            <a:off x="9332536" y="2749950"/>
+            <a:ext cx="368607" cy="228920"/>
+          </a:xfrm>
+          <a:prstGeom prst="rect">
+            <a:avLst/>
+          </a:prstGeom>
+          <a:noFill/>
+          <a:ln w="19050">
+            <a:solidFill>
+              <a:schemeClr val="bg2">
+                <a:lumMod val="60000"/>
+                <a:lumOff val="40000"/>
+              </a:schemeClr>
+            </a:solidFill>
+          </a:ln>
+        </p:spPr>
+        <p:style>
+          <a:lnRef idx="2">
+            <a:schemeClr val="accent1">
+              <a:shade val="50000"/>
+            </a:schemeClr>
+          </a:lnRef>
+          <a:fillRef idx="1">
+            <a:schemeClr val="accent1"/>
+          </a:fillRef>
+          <a:effectRef idx="0">
+            <a:schemeClr val="accent1"/>
+          </a:effectRef>
+          <a:fontRef idx="minor">
+            <a:schemeClr val="lt1"/>
+          </a:fontRef>
+        </p:style>
+        <p:txBody>
+          <a:bodyPr rtlCol="0" anchor="ctr"/>
+          <a:lstStyle/>
+          <a:p>
+            <a:pPr algn="ctr"/>
+            <a:endParaRPr lang="en-US"/>
+          </a:p>
+        </p:txBody>
+      </p:sp>
+      <p:sp>
+        <p:nvSpPr>
+          <p:cNvPr id="29" name="Rectangle 28">
+            <a:extLst>
+              <a:ext uri="{FF2B5EF4-FFF2-40B4-BE49-F238E27FC236}">
+                <a16:creationId xmlns:a16="http://schemas.microsoft.com/office/drawing/2014/main" id="{CE6091A1-97F5-37DF-8416-948895DEC3F7}"/>
+              </a:ext>
+            </a:extLst>
+          </p:cNvPr>
+          <p:cNvSpPr/>
+          <p:nvPr/>
+        </p:nvSpPr>
+        <p:spPr>
+          <a:xfrm>
+            <a:off x="10327593" y="3742441"/>
+            <a:ext cx="315269" cy="134122"/>
+          </a:xfrm>
+          <a:prstGeom prst="rect">
+            <a:avLst/>
+          </a:prstGeom>
+          <a:noFill/>
+          <a:ln w="19050">
+            <a:solidFill>
+              <a:schemeClr val="bg2">
+                <a:lumMod val="60000"/>
+                <a:lumOff val="40000"/>
+              </a:schemeClr>
+            </a:solidFill>
+          </a:ln>
+        </p:spPr>
+        <p:style>
+          <a:lnRef idx="2">
+            <a:schemeClr val="accent1">
+              <a:shade val="50000"/>
+            </a:schemeClr>
+          </a:lnRef>
+          <a:fillRef idx="1">
+            <a:schemeClr val="accent1"/>
+          </a:fillRef>
+          <a:effectRef idx="0">
+            <a:schemeClr val="accent1"/>
+          </a:effectRef>
+          <a:fontRef idx="minor">
+            <a:schemeClr val="lt1"/>
+          </a:fontRef>
+        </p:style>
+        <p:txBody>
+          <a:bodyPr rtlCol="0" anchor="ctr"/>
+          <a:lstStyle/>
+          <a:p>
+            <a:pPr algn="ctr"/>
+            <a:endParaRPr lang="en-US"/>
+          </a:p>
+        </p:txBody>
+      </p:sp>
+      <p:sp>
+        <p:nvSpPr>
+          <p:cNvPr id="30" name="TextBox 29">
+            <a:extLst>
+              <a:ext uri="{FF2B5EF4-FFF2-40B4-BE49-F238E27FC236}">
+                <a16:creationId xmlns:a16="http://schemas.microsoft.com/office/drawing/2014/main" id="{38F4A91F-B0ED-F36A-4DF5-7EC2D67F3997}"/>
+              </a:ext>
+            </a:extLst>
+          </p:cNvPr>
+          <p:cNvSpPr txBox="1"/>
+          <p:nvPr/>
+        </p:nvSpPr>
+        <p:spPr>
+          <a:xfrm>
+            <a:off x="852404" y="4006199"/>
+            <a:ext cx="1922321" cy="369332"/>
+          </a:xfrm>
+          <a:prstGeom prst="rect">
+            <a:avLst/>
+          </a:prstGeom>
+          <a:noFill/>
+        </p:spPr>
+        <p:txBody>
+          <a:bodyPr wrap="none" rtlCol="0">
+            <a:spAutoFit/>
+          </a:bodyPr>
+          <a:lstStyle/>
+          <a:p>
+            <a:r>
+              <a:rPr lang="en-US" b="1" dirty="0">
+                <a:latin typeface="Times New Roman" panose="02020603050405020304" pitchFamily="18" charset="0"/>
+                <a:cs typeface="Times New Roman" panose="02020603050405020304" pitchFamily="18" charset="0"/>
+              </a:rPr>
+              <a:t>Schematic Design</a:t>
+            </a:r>
+          </a:p>
+        </p:txBody>
+      </p:sp>
+      <p:sp>
+        <p:nvSpPr>
+          <p:cNvPr id="31" name="TextBox 30">
+            <a:extLst>
+              <a:ext uri="{FF2B5EF4-FFF2-40B4-BE49-F238E27FC236}">
+                <a16:creationId xmlns:a16="http://schemas.microsoft.com/office/drawing/2014/main" id="{35C619F3-8DF7-4C76-C595-497ED662BB03}"/>
+              </a:ext>
+            </a:extLst>
+          </p:cNvPr>
+          <p:cNvSpPr txBox="1"/>
+          <p:nvPr/>
+        </p:nvSpPr>
+        <p:spPr>
+          <a:xfrm>
+            <a:off x="4641852" y="3742441"/>
+            <a:ext cx="2450351" cy="369332"/>
+          </a:xfrm>
+          <a:prstGeom prst="rect">
+            <a:avLst/>
+          </a:prstGeom>
+          <a:noFill/>
+        </p:spPr>
+        <p:txBody>
+          <a:bodyPr wrap="none" rtlCol="0">
+            <a:spAutoFit/>
+          </a:bodyPr>
+          <a:lstStyle/>
+          <a:p>
+            <a:r>
+              <a:rPr lang="en-US" b="1" dirty="0">
+                <a:latin typeface="Times New Roman" panose="02020603050405020304" pitchFamily="18" charset="0"/>
+                <a:cs typeface="Times New Roman" panose="02020603050405020304" pitchFamily="18" charset="0"/>
+              </a:rPr>
+              <a:t>ADE Copilot Inference</a:t>
+            </a:r>
+          </a:p>
+        </p:txBody>
+      </p:sp>
+      <p:sp>
+        <p:nvSpPr>
+          <p:cNvPr id="1025" name="TextBox 1024">
+            <a:extLst>
+              <a:ext uri="{FF2B5EF4-FFF2-40B4-BE49-F238E27FC236}">
+                <a16:creationId xmlns:a16="http://schemas.microsoft.com/office/drawing/2014/main" id="{4A9DB17D-B6E3-4CDD-E908-286C36438AEA}"/>
+              </a:ext>
+            </a:extLst>
+          </p:cNvPr>
+          <p:cNvSpPr txBox="1"/>
+          <p:nvPr/>
+        </p:nvSpPr>
+        <p:spPr>
+          <a:xfrm>
+            <a:off x="8630951" y="5937024"/>
+            <a:ext cx="3397148" cy="369332"/>
+          </a:xfrm>
+          <a:prstGeom prst="rect">
+            <a:avLst/>
+          </a:prstGeom>
+          <a:noFill/>
+        </p:spPr>
+        <p:txBody>
+          <a:bodyPr wrap="none" rtlCol="0">
+            <a:spAutoFit/>
+          </a:bodyPr>
+          <a:lstStyle/>
+          <a:p>
+            <a:r>
+              <a:rPr lang="en-US" b="1" dirty="0">
+                <a:latin typeface="Times New Roman" panose="02020603050405020304" pitchFamily="18" charset="0"/>
+                <a:cs typeface="Times New Roman" panose="02020603050405020304" pitchFamily="18" charset="0"/>
+              </a:rPr>
+              <a:t>Setting Job Policy </a:t>
+            </a:r>
+            <a:r>
+              <a:rPr lang="en-US" altLang="zh-CN" b="1" dirty="0">
+                <a:latin typeface="Times New Roman" panose="02020603050405020304" pitchFamily="18" charset="0"/>
+                <a:cs typeface="Times New Roman" panose="02020603050405020304" pitchFamily="18" charset="0"/>
+              </a:rPr>
+              <a:t>A</a:t>
+            </a:r>
+            <a:r>
+              <a:rPr lang="en-US" b="1" dirty="0">
+                <a:latin typeface="Times New Roman" panose="02020603050405020304" pitchFamily="18" charset="0"/>
+                <a:cs typeface="Times New Roman" panose="02020603050405020304" pitchFamily="18" charset="0"/>
+              </a:rPr>
+              <a:t>utomatically</a:t>
+            </a:r>
+          </a:p>
+        </p:txBody>
+      </p:sp>
+      <p:sp>
+        <p:nvSpPr>
+          <p:cNvPr id="1027" name="TextBox 1026">
+            <a:extLst>
+              <a:ext uri="{FF2B5EF4-FFF2-40B4-BE49-F238E27FC236}">
+                <a16:creationId xmlns:a16="http://schemas.microsoft.com/office/drawing/2014/main" id="{2B7F092C-8290-5ACA-3EF8-7EDAC2CB0691}"/>
+              </a:ext>
+            </a:extLst>
+          </p:cNvPr>
+          <p:cNvSpPr txBox="1"/>
+          <p:nvPr/>
+        </p:nvSpPr>
+        <p:spPr>
+          <a:xfrm>
+            <a:off x="4082884" y="6424829"/>
+            <a:ext cx="3675109" cy="369332"/>
+          </a:xfrm>
+          <a:prstGeom prst="rect">
+            <a:avLst/>
+          </a:prstGeom>
+          <a:noFill/>
+        </p:spPr>
+        <p:txBody>
+          <a:bodyPr wrap="none" rtlCol="0">
+            <a:spAutoFit/>
+          </a:bodyPr>
+          <a:lstStyle/>
+          <a:p>
+            <a:r>
+              <a:rPr lang="en-US" b="1" dirty="0">
+                <a:latin typeface="Times New Roman" panose="02020603050405020304" pitchFamily="18" charset="0"/>
+                <a:cs typeface="Times New Roman" panose="02020603050405020304" pitchFamily="18" charset="0"/>
+              </a:rPr>
+              <a:t>Reasonable Allocation of Resources</a:t>
+            </a:r>
+          </a:p>
+        </p:txBody>
+      </p:sp>
+    </p:spTree>
+    <p:extLst>
+      <p:ext uri="{BB962C8B-B14F-4D97-AF65-F5344CB8AC3E}">
+        <p14:creationId xmlns:p14="http://schemas.microsoft.com/office/powerpoint/2010/main" val="4107902007"/>
+      </p:ext>
+    </p:extLst>
+  </p:cSld>
+  <p:clrMapOvr>
+    <a:masterClrMapping/>
+  </p:clrMapOvr>
+</p:sld>
+</file>
+
+<file path=ppt/slides/slide11.xml><?xml version="1.0" encoding="utf-8"?>
+<p:sld xmlns:a="http://schemas.openxmlformats.org/drawingml/2006/main" xmlns:r="http://schemas.openxmlformats.org/officeDocument/2006/relationships" xmlns:p="http://schemas.openxmlformats.org/presentationml/2006/main">
+  <p:cSld>
+    <p:spTree>
+      <p:nvGrpSpPr>
+        <p:cNvPr id="1" name=""/>
+        <p:cNvGrpSpPr/>
+        <p:nvPr/>
+      </p:nvGrpSpPr>
+      <p:grpSpPr>
+        <a:xfrm>
+          <a:off x="0" y="0"/>
+          <a:ext cx="0" cy="0"/>
+          <a:chOff x="0" y="0"/>
+          <a:chExt cx="0" cy="0"/>
+        </a:xfrm>
+      </p:grpSpPr>
+      <p:sp>
+        <p:nvSpPr>
+          <p:cNvPr id="2" name="Title 1">
+            <a:extLst>
+              <a:ext uri="{FF2B5EF4-FFF2-40B4-BE49-F238E27FC236}">
+                <a16:creationId xmlns:a16="http://schemas.microsoft.com/office/drawing/2014/main" id="{90F4D452-8EBB-632F-F5A9-0A1EC3C5BA6D}"/>
+              </a:ext>
+            </a:extLst>
+          </p:cNvPr>
+          <p:cNvSpPr>
+            <a:spLocks noGrp="1"/>
+          </p:cNvSpPr>
+          <p:nvPr>
+            <p:ph type="title"/>
+          </p:nvPr>
+        </p:nvSpPr>
+        <p:spPr/>
+        <p:txBody>
+          <a:bodyPr/>
+          <a:lstStyle/>
+          <a:p>
+            <a:endParaRPr lang="en-US" dirty="0"/>
+          </a:p>
+        </p:txBody>
+      </p:sp>
+      <p:sp>
+        <p:nvSpPr>
+          <p:cNvPr id="3" name="Text Placeholder 2">
+            <a:extLst>
+              <a:ext uri="{FF2B5EF4-FFF2-40B4-BE49-F238E27FC236}">
+                <a16:creationId xmlns:a16="http://schemas.microsoft.com/office/drawing/2014/main" id="{BBA55C93-B9B6-1CDC-DAC5-98B202818C4F}"/>
+              </a:ext>
+            </a:extLst>
+          </p:cNvPr>
+          <p:cNvSpPr>
+            <a:spLocks noGrp="1"/>
+          </p:cNvSpPr>
+          <p:nvPr>
+            <p:ph type="body" idx="1"/>
+          </p:nvPr>
+        </p:nvSpPr>
+        <p:spPr/>
+        <p:txBody>
+          <a:bodyPr/>
+          <a:lstStyle/>
+          <a:p>
+            <a:endParaRPr lang="en-US"/>
+          </a:p>
+        </p:txBody>
+      </p:sp>
+    </p:spTree>
+    <p:extLst>
+      <p:ext uri="{BB962C8B-B14F-4D97-AF65-F5344CB8AC3E}">
+        <p14:creationId xmlns:p14="http://schemas.microsoft.com/office/powerpoint/2010/main" val="1957047950"/>
+      </p:ext>
+    </p:extLst>
+  </p:cSld>
+  <p:clrMapOvr>
+    <a:masterClrMapping/>
+  </p:clrMapOvr>
+</p:sld>
+</file>
+
+<file path=ppt/slides/slide12.xml><?xml version="1.0" encoding="utf-8"?>
+<p:sld xmlns:a="http://schemas.openxmlformats.org/drawingml/2006/main" xmlns:r="http://schemas.openxmlformats.org/officeDocument/2006/relationships" xmlns:p="http://schemas.openxmlformats.org/presentationml/2006/main">
+  <p:cSld>
+    <p:spTree>
+      <p:nvGrpSpPr>
+        <p:cNvPr id="1" name=""/>
+        <p:cNvGrpSpPr/>
+        <p:nvPr/>
+      </p:nvGrpSpPr>
+      <p:grpSpPr>
+        <a:xfrm>
+          <a:off x="0" y="0"/>
+          <a:ext cx="0" cy="0"/>
+          <a:chOff x="0" y="0"/>
+          <a:chExt cx="0" cy="0"/>
+        </a:xfrm>
+      </p:grpSpPr>
     </p:spTree>
     <p:extLst>
       <p:ext uri="{BB962C8B-B14F-4D97-AF65-F5344CB8AC3E}">
@@ -4774,7 +5585,7 @@
             <a:pPr lvl="1"/>
             <a:r>
               <a:rPr lang="en-US" dirty="0"/>
-              <a:t>ADE has too many features </a:t>
+              <a:t>ADE has many complex features and are related to each other.</a:t>
             </a:r>
           </a:p>
           <a:p>
@@ -4825,7 +5636,7 @@
         </p:blipFill>
         <p:spPr>
           <a:xfrm>
-            <a:off x="1316371" y="2952043"/>
+            <a:off x="1316371" y="2848049"/>
             <a:ext cx="2728066" cy="2785798"/>
           </a:xfrm>
           <a:prstGeom prst="rect">
@@ -4848,7 +5659,7 @@
         <p:spPr>
           <a:xfrm>
             <a:off x="1334885" y="5815390"/>
-            <a:ext cx="2514919" cy="307777"/>
+            <a:ext cx="2851230" cy="338554"/>
           </a:xfrm>
           <a:prstGeom prst="rect">
             <a:avLst/>
@@ -4862,7 +5673,7 @@
           <a:lstStyle/>
           <a:p>
             <a:r>
-              <a:rPr lang="en-US" sz="1400" b="1" dirty="0">
+              <a:rPr lang="en-US" sz="1600" b="1" dirty="0">
                 <a:latin typeface="Times New Roman" panose="02020603050405020304" pitchFamily="18" charset="0"/>
                 <a:cs typeface="Times New Roman" panose="02020603050405020304" pitchFamily="18" charset="0"/>
               </a:rPr>
@@ -4899,8 +5710,8 @@
         </p:blipFill>
         <p:spPr>
           <a:xfrm>
-            <a:off x="4841452" y="2871361"/>
-            <a:ext cx="7217741" cy="2462206"/>
+            <a:off x="4671770" y="2871360"/>
+            <a:ext cx="7217741" cy="2762487"/>
           </a:xfrm>
           <a:prstGeom prst="rect">
             <a:avLst/>
@@ -4921,8 +5732,8 @@
         </p:nvSpPr>
         <p:spPr>
           <a:xfrm>
-            <a:off x="8048341" y="5815390"/>
-            <a:ext cx="2709396" cy="307777"/>
+            <a:off x="6615467" y="5815390"/>
+            <a:ext cx="3108415" cy="338554"/>
           </a:xfrm>
           <a:prstGeom prst="rect">
             <a:avLst/>
@@ -4936,11 +5747,25 @@
           <a:lstStyle/>
           <a:p>
             <a:r>
-              <a:rPr lang="en-US" sz="1400" b="1" dirty="0">
+              <a:rPr lang="en-US" sz="1600" b="1" dirty="0">
                 <a:latin typeface="Times New Roman" panose="02020603050405020304" pitchFamily="18" charset="0"/>
                 <a:cs typeface="Times New Roman" panose="02020603050405020304" pitchFamily="18" charset="0"/>
               </a:rPr>
-              <a:t>Interactive Engineering assistant</a:t>
+              <a:t>Interactive Engineering </a:t>
+            </a:r>
+            <a:r>
+              <a:rPr lang="en-US" altLang="zh-CN" sz="1600" b="1" dirty="0">
+                <a:latin typeface="Times New Roman" panose="02020603050405020304" pitchFamily="18" charset="0"/>
+                <a:cs typeface="Times New Roman" panose="02020603050405020304" pitchFamily="18" charset="0"/>
+              </a:rPr>
+              <a:t>A</a:t>
+            </a:r>
+            <a:r>
+              <a:rPr lang="en-US" sz="1600" b="1" dirty="0">
+                <a:latin typeface="Times New Roman" panose="02020603050405020304" pitchFamily="18" charset="0"/>
+                <a:cs typeface="Times New Roman" panose="02020603050405020304" pitchFamily="18" charset="0"/>
+              </a:rPr>
+              <a:t>ssistant</a:t>
             </a:r>
           </a:p>
         </p:txBody>
@@ -5050,10 +5875,10 @@
       </p:sp>
       <p:pic>
         <p:nvPicPr>
-          <p:cNvPr id="6" name="Graphic 5">
-            <a:extLst>
-              <a:ext uri="{FF2B5EF4-FFF2-40B4-BE49-F238E27FC236}">
-                <a16:creationId xmlns:a16="http://schemas.microsoft.com/office/drawing/2014/main" id="{B435E3ED-F2D8-A01A-884A-43EAE46218D6}"/>
+          <p:cNvPr id="5" name="Picture 4">
+            <a:extLst>
+              <a:ext uri="{FF2B5EF4-FFF2-40B4-BE49-F238E27FC236}">
+                <a16:creationId xmlns:a16="http://schemas.microsoft.com/office/drawing/2014/main" id="{C5901744-30EF-A702-3150-1FDB2E35B61C}"/>
               </a:ext>
             </a:extLst>
           </p:cNvPr>
@@ -5063,13 +5888,10 @@
           <p:nvPr/>
         </p:nvPicPr>
         <p:blipFill>
-          <a:blip r:embed="rId2">
+          <a:blip r:embed="rId2" cstate="print">
             <a:extLst>
               <a:ext uri="{28A0092B-C50C-407E-A947-70E740481C1C}">
                 <a14:useLocalDpi xmlns:a14="http://schemas.microsoft.com/office/drawing/2010/main" val="0"/>
-              </a:ext>
-              <a:ext uri="{96DAC541-7B7A-43D3-8B79-37D633B846F1}">
-                <asvg:svgBlip xmlns:asvg="http://schemas.microsoft.com/office/drawing/2016/SVG/main" r:embed="rId3"/>
               </a:ext>
             </a:extLst>
           </a:blip>
@@ -5079,8 +5901,8 @@
         </p:blipFill>
         <p:spPr>
           <a:xfrm>
-            <a:off x="1570030" y="2235448"/>
-            <a:ext cx="8901112" cy="4257427"/>
+            <a:off x="1308669" y="2222200"/>
+            <a:ext cx="9265999" cy="4270675"/>
           </a:xfrm>
           <a:prstGeom prst="rect">
             <a:avLst/>
@@ -5175,8 +5997,13 @@
             <a:pPr lvl="1"/>
             <a:r>
               <a:rPr lang="en-US" dirty="0"/>
-              <a:t>Improper setting of job policy leads to waste of resources</a:t>
-            </a:r>
+              <a:t>Fine Tune Pre-trained LLM </a:t>
+            </a:r>
+            <a:r>
+              <a:rPr lang="en-US" altLang="zh-CN" dirty="0"/>
+              <a:t>based on skill source code</a:t>
+            </a:r>
+            <a:endParaRPr lang="en-US" dirty="0"/>
           </a:p>
         </p:txBody>
       </p:sp>
@@ -5194,6 +6021,197 @@
 </file>
 
 <file path=ppt/slides/slide6.xml><?xml version="1.0" encoding="utf-8"?>
+<p:sld xmlns:a="http://schemas.openxmlformats.org/drawingml/2006/main" xmlns:r="http://schemas.openxmlformats.org/officeDocument/2006/relationships" xmlns:p="http://schemas.openxmlformats.org/presentationml/2006/main">
+  <p:cSld>
+    <p:spTree>
+      <p:nvGrpSpPr>
+        <p:cNvPr id="1" name=""/>
+        <p:cNvGrpSpPr/>
+        <p:nvPr/>
+      </p:nvGrpSpPr>
+      <p:grpSpPr>
+        <a:xfrm>
+          <a:off x="0" y="0"/>
+          <a:ext cx="0" cy="0"/>
+          <a:chOff x="0" y="0"/>
+          <a:chExt cx="0" cy="0"/>
+        </a:xfrm>
+      </p:grpSpPr>
+      <p:sp>
+        <p:nvSpPr>
+          <p:cNvPr id="3" name="Title 2">
+            <a:extLst>
+              <a:ext uri="{FF2B5EF4-FFF2-40B4-BE49-F238E27FC236}">
+                <a16:creationId xmlns:a16="http://schemas.microsoft.com/office/drawing/2014/main" id="{154D3AFC-DD18-8348-0D8D-D1A81365CA40}"/>
+              </a:ext>
+            </a:extLst>
+          </p:cNvPr>
+          <p:cNvSpPr>
+            <a:spLocks noGrp="1"/>
+          </p:cNvSpPr>
+          <p:nvPr>
+            <p:ph type="title"/>
+          </p:nvPr>
+        </p:nvSpPr>
+        <p:spPr/>
+        <p:txBody>
+          <a:bodyPr/>
+          <a:lstStyle/>
+          <a:p>
+            <a:r>
+              <a:rPr lang="en-US" dirty="0"/>
+              <a:t>Verifier Requirements Automation</a:t>
+            </a:r>
+          </a:p>
+        </p:txBody>
+      </p:sp>
+      <p:sp>
+        <p:nvSpPr>
+          <p:cNvPr id="9" name="Content Placeholder 8">
+            <a:extLst>
+              <a:ext uri="{FF2B5EF4-FFF2-40B4-BE49-F238E27FC236}">
+                <a16:creationId xmlns:a16="http://schemas.microsoft.com/office/drawing/2014/main" id="{8ACA9132-46BF-181E-1665-517FD2CC6CC7}"/>
+              </a:ext>
+            </a:extLst>
+          </p:cNvPr>
+          <p:cNvSpPr>
+            <a:spLocks noGrp="1"/>
+          </p:cNvSpPr>
+          <p:nvPr>
+            <p:ph idx="1"/>
+          </p:nvPr>
+        </p:nvSpPr>
+        <p:spPr/>
+        <p:txBody>
+          <a:bodyPr/>
+          <a:lstStyle/>
+          <a:p>
+            <a:r>
+              <a:rPr lang="en-US" dirty="0"/>
+              <a:t>Problem to resolve</a:t>
+            </a:r>
+          </a:p>
+          <a:p>
+            <a:pPr lvl="1"/>
+            <a:r>
+              <a:rPr lang="en-US" dirty="0"/>
+              <a:t>Fine Tune Pre-trained LLM </a:t>
+            </a:r>
+            <a:r>
+              <a:rPr lang="en-US" altLang="zh-CN" dirty="0"/>
+              <a:t>based on skill source code</a:t>
+            </a:r>
+            <a:endParaRPr lang="en-US" dirty="0"/>
+          </a:p>
+        </p:txBody>
+      </p:sp>
+    </p:spTree>
+    <p:extLst>
+      <p:ext uri="{BB962C8B-B14F-4D97-AF65-F5344CB8AC3E}">
+        <p14:creationId xmlns:p14="http://schemas.microsoft.com/office/powerpoint/2010/main" val="3158073711"/>
+      </p:ext>
+    </p:extLst>
+  </p:cSld>
+  <p:clrMapOvr>
+    <a:masterClrMapping/>
+  </p:clrMapOvr>
+</p:sld>
+</file>
+
+<file path=ppt/slides/slide7.xml><?xml version="1.0" encoding="utf-8"?>
+<p:sld xmlns:a="http://schemas.openxmlformats.org/drawingml/2006/main" xmlns:r="http://schemas.openxmlformats.org/officeDocument/2006/relationships" xmlns:p="http://schemas.openxmlformats.org/presentationml/2006/main">
+  <p:cSld>
+    <p:spTree>
+      <p:nvGrpSpPr>
+        <p:cNvPr id="1" name=""/>
+        <p:cNvGrpSpPr/>
+        <p:nvPr/>
+      </p:nvGrpSpPr>
+      <p:grpSpPr>
+        <a:xfrm>
+          <a:off x="0" y="0"/>
+          <a:ext cx="0" cy="0"/>
+          <a:chOff x="0" y="0"/>
+          <a:chExt cx="0" cy="0"/>
+        </a:xfrm>
+      </p:grpSpPr>
+      <p:sp>
+        <p:nvSpPr>
+          <p:cNvPr id="3" name="Title 2">
+            <a:extLst>
+              <a:ext uri="{FF2B5EF4-FFF2-40B4-BE49-F238E27FC236}">
+                <a16:creationId xmlns:a16="http://schemas.microsoft.com/office/drawing/2014/main" id="{154D3AFC-DD18-8348-0D8D-D1A81365CA40}"/>
+              </a:ext>
+            </a:extLst>
+          </p:cNvPr>
+          <p:cNvSpPr>
+            <a:spLocks noGrp="1"/>
+          </p:cNvSpPr>
+          <p:nvPr>
+            <p:ph type="title"/>
+          </p:nvPr>
+        </p:nvSpPr>
+        <p:spPr/>
+        <p:txBody>
+          <a:bodyPr/>
+          <a:lstStyle/>
+          <a:p>
+            <a:r>
+              <a:rPr lang="en-US" dirty="0"/>
+              <a:t>Verifier Requirements Automation</a:t>
+            </a:r>
+          </a:p>
+        </p:txBody>
+      </p:sp>
+      <p:sp>
+        <p:nvSpPr>
+          <p:cNvPr id="9" name="Content Placeholder 8">
+            <a:extLst>
+              <a:ext uri="{FF2B5EF4-FFF2-40B4-BE49-F238E27FC236}">
+                <a16:creationId xmlns:a16="http://schemas.microsoft.com/office/drawing/2014/main" id="{8ACA9132-46BF-181E-1665-517FD2CC6CC7}"/>
+              </a:ext>
+            </a:extLst>
+          </p:cNvPr>
+          <p:cNvSpPr>
+            <a:spLocks noGrp="1"/>
+          </p:cNvSpPr>
+          <p:nvPr>
+            <p:ph idx="1"/>
+          </p:nvPr>
+        </p:nvSpPr>
+        <p:spPr/>
+        <p:txBody>
+          <a:bodyPr/>
+          <a:lstStyle/>
+          <a:p>
+            <a:r>
+              <a:rPr lang="en-US" dirty="0"/>
+              <a:t>How ADE Copilot solves this problem</a:t>
+            </a:r>
+          </a:p>
+          <a:p>
+            <a:pPr lvl="1"/>
+            <a:r>
+              <a:rPr lang="en-US" dirty="0"/>
+              <a:t>Improper setting of job policy leads to waste of resources</a:t>
+            </a:r>
+          </a:p>
+        </p:txBody>
+      </p:sp>
+    </p:spTree>
+    <p:extLst>
+      <p:ext uri="{BB962C8B-B14F-4D97-AF65-F5344CB8AC3E}">
+        <p14:creationId xmlns:p14="http://schemas.microsoft.com/office/powerpoint/2010/main" val="444495271"/>
+      </p:ext>
+    </p:extLst>
+  </p:cSld>
+  <p:clrMapOvr>
+    <a:masterClrMapping/>
+  </p:clrMapOvr>
+</p:sld>
+</file>
+
+<file path=ppt/slides/slide8.xml><?xml version="1.0" encoding="utf-8"?>
 <p:sld xmlns:a="http://schemas.openxmlformats.org/drawingml/2006/main" xmlns:r="http://schemas.openxmlformats.org/officeDocument/2006/relationships" xmlns:p="http://schemas.openxmlformats.org/presentationml/2006/main">
   <p:cSld>
     <p:spTree>
@@ -5540,7 +6558,7 @@
 </p:sld>
 </file>
 
-<file path=ppt/slides/slide7.xml><?xml version="1.0" encoding="utf-8"?>
+<file path=ppt/slides/slide9.xml><?xml version="1.0" encoding="utf-8"?>
 <p:sld xmlns:a="http://schemas.openxmlformats.org/drawingml/2006/main" xmlns:r="http://schemas.openxmlformats.org/officeDocument/2006/relationships" xmlns:p="http://schemas.openxmlformats.org/presentationml/2006/main">
   <p:cSld>
     <p:spTree>
@@ -5610,6 +6628,9 @@
               <a:rPr lang="en-US" dirty="0"/>
               <a:t>How ADE Copilot solves this problem</a:t>
             </a:r>
+          </a:p>
+          <a:p>
+            <a:endParaRPr lang="en-US" dirty="0"/>
           </a:p>
         </p:txBody>
       </p:sp>
@@ -6611,815 +7632,6 @@
     <p:extLst>
       <p:ext uri="{BB962C8B-B14F-4D97-AF65-F5344CB8AC3E}">
         <p14:creationId xmlns:p14="http://schemas.microsoft.com/office/powerpoint/2010/main" val="157133702"/>
-      </p:ext>
-    </p:extLst>
-  </p:cSld>
-  <p:clrMapOvr>
-    <a:masterClrMapping/>
-  </p:clrMapOvr>
-</p:sld>
-</file>
-
-<file path=ppt/slides/slide8.xml><?xml version="1.0" encoding="utf-8"?>
-<p:sld xmlns:a="http://schemas.openxmlformats.org/drawingml/2006/main" xmlns:r="http://schemas.openxmlformats.org/officeDocument/2006/relationships" xmlns:p="http://schemas.openxmlformats.org/presentationml/2006/main">
-  <p:cSld>
-    <p:spTree>
-      <p:nvGrpSpPr>
-        <p:cNvPr id="1" name=""/>
-        <p:cNvGrpSpPr/>
-        <p:nvPr/>
-      </p:nvGrpSpPr>
-      <p:grpSpPr>
-        <a:xfrm>
-          <a:off x="0" y="0"/>
-          <a:ext cx="0" cy="0"/>
-          <a:chOff x="0" y="0"/>
-          <a:chExt cx="0" cy="0"/>
-        </a:xfrm>
-      </p:grpSpPr>
-      <p:sp>
-        <p:nvSpPr>
-          <p:cNvPr id="3" name="Title 2">
-            <a:extLst>
-              <a:ext uri="{FF2B5EF4-FFF2-40B4-BE49-F238E27FC236}">
-                <a16:creationId xmlns:a16="http://schemas.microsoft.com/office/drawing/2014/main" id="{154D3AFC-DD18-8348-0D8D-D1A81365CA40}"/>
-              </a:ext>
-            </a:extLst>
-          </p:cNvPr>
-          <p:cNvSpPr>
-            <a:spLocks noGrp="1"/>
-          </p:cNvSpPr>
-          <p:nvPr>
-            <p:ph type="title"/>
-          </p:nvPr>
-        </p:nvSpPr>
-        <p:spPr/>
-        <p:txBody>
-          <a:bodyPr/>
-          <a:lstStyle/>
-          <a:p>
-            <a:r>
-              <a:rPr lang="en-US" dirty="0"/>
-              <a:t>Job Policy Optimization</a:t>
-            </a:r>
-          </a:p>
-        </p:txBody>
-      </p:sp>
-      <p:sp>
-        <p:nvSpPr>
-          <p:cNvPr id="9" name="Content Placeholder 8">
-            <a:extLst>
-              <a:ext uri="{FF2B5EF4-FFF2-40B4-BE49-F238E27FC236}">
-                <a16:creationId xmlns:a16="http://schemas.microsoft.com/office/drawing/2014/main" id="{8ACA9132-46BF-181E-1665-517FD2CC6CC7}"/>
-              </a:ext>
-            </a:extLst>
-          </p:cNvPr>
-          <p:cNvSpPr>
-            <a:spLocks noGrp="1"/>
-          </p:cNvSpPr>
-          <p:nvPr>
-            <p:ph idx="1"/>
-          </p:nvPr>
-        </p:nvSpPr>
-        <p:spPr/>
-        <p:txBody>
-          <a:bodyPr/>
-          <a:lstStyle/>
-          <a:p>
-            <a:r>
-              <a:rPr lang="en-US" dirty="0"/>
-              <a:t>How ADE Copilot solves this problem</a:t>
-            </a:r>
-          </a:p>
-        </p:txBody>
-      </p:sp>
-      <p:pic>
-        <p:nvPicPr>
-          <p:cNvPr id="12" name="Picture 2">
-            <a:extLst>
-              <a:ext uri="{FF2B5EF4-FFF2-40B4-BE49-F238E27FC236}">
-                <a16:creationId xmlns:a16="http://schemas.microsoft.com/office/drawing/2014/main" id="{D34180B9-04B2-3BBB-3736-50D368AC83E7}"/>
-              </a:ext>
-            </a:extLst>
-          </p:cNvPr>
-          <p:cNvPicPr>
-            <a:picLocks noChangeAspect="1" noChangeArrowheads="1"/>
-          </p:cNvPicPr>
-          <p:nvPr/>
-        </p:nvPicPr>
-        <p:blipFill>
-          <a:blip r:embed="rId2" cstate="print">
-            <a:extLst>
-              <a:ext uri="{28A0092B-C50C-407E-A947-70E740481C1C}">
-                <a14:useLocalDpi xmlns:a14="http://schemas.microsoft.com/office/drawing/2010/main" val="0"/>
-              </a:ext>
-            </a:extLst>
-          </a:blip>
-          <a:srcRect/>
-          <a:stretch>
-            <a:fillRect/>
-          </a:stretch>
-        </p:blipFill>
-        <p:spPr bwMode="auto">
-          <a:xfrm>
-            <a:off x="4557155" y="1538385"/>
-            <a:ext cx="2600325" cy="2600325"/>
-          </a:xfrm>
-          <a:prstGeom prst="rect">
-            <a:avLst/>
-          </a:prstGeom>
-          <a:noFill/>
-          <a:extLst>
-            <a:ext uri="{909E8E84-426E-40DD-AFC4-6F175D3DCCD1}">
-              <a14:hiddenFill xmlns:a14="http://schemas.microsoft.com/office/drawing/2010/main">
-                <a:solidFill>
-                  <a:srgbClr val="FFFFFF"/>
-                </a:solidFill>
-              </a14:hiddenFill>
-            </a:ext>
-          </a:extLst>
-        </p:spPr>
-      </p:pic>
-      <p:pic>
-        <p:nvPicPr>
-          <p:cNvPr id="17" name="Picture 16">
-            <a:extLst>
-              <a:ext uri="{FF2B5EF4-FFF2-40B4-BE49-F238E27FC236}">
-                <a16:creationId xmlns:a16="http://schemas.microsoft.com/office/drawing/2014/main" id="{2DBDC030-813C-DE05-449D-61B2BDD2C410}"/>
-              </a:ext>
-            </a:extLst>
-          </p:cNvPr>
-          <p:cNvPicPr>
-            <a:picLocks noChangeAspect="1"/>
-          </p:cNvPicPr>
-          <p:nvPr/>
-        </p:nvPicPr>
-        <p:blipFill>
-          <a:blip r:embed="rId3"/>
-          <a:stretch>
-            <a:fillRect/>
-          </a:stretch>
-        </p:blipFill>
-        <p:spPr>
-          <a:xfrm>
-            <a:off x="3264341" y="4296099"/>
-            <a:ext cx="4569675" cy="2196776"/>
-          </a:xfrm>
-          <a:prstGeom prst="rect">
-            <a:avLst/>
-          </a:prstGeom>
-        </p:spPr>
-      </p:pic>
-      <p:pic>
-        <p:nvPicPr>
-          <p:cNvPr id="18" name="Picture 2">
-            <a:extLst>
-              <a:ext uri="{FF2B5EF4-FFF2-40B4-BE49-F238E27FC236}">
-                <a16:creationId xmlns:a16="http://schemas.microsoft.com/office/drawing/2014/main" id="{125D0818-E1C9-ABD6-2C20-7A5FA9B03DF9}"/>
-              </a:ext>
-            </a:extLst>
-          </p:cNvPr>
-          <p:cNvPicPr>
-            <a:picLocks noChangeAspect="1" noChangeArrowheads="1"/>
-          </p:cNvPicPr>
-          <p:nvPr/>
-        </p:nvPicPr>
-        <p:blipFill>
-          <a:blip r:embed="rId4" cstate="print">
-            <a:extLst>
-              <a:ext uri="{28A0092B-C50C-407E-A947-70E740481C1C}">
-                <a14:useLocalDpi xmlns:a14="http://schemas.microsoft.com/office/drawing/2010/main" val="0"/>
-              </a:ext>
-            </a:extLst>
-          </a:blip>
-          <a:srcRect/>
-          <a:stretch>
-            <a:fillRect/>
-          </a:stretch>
-        </p:blipFill>
-        <p:spPr bwMode="auto">
-          <a:xfrm>
-            <a:off x="669482" y="1726565"/>
-            <a:ext cx="2647950" cy="2295525"/>
-          </a:xfrm>
-          <a:prstGeom prst="rect">
-            <a:avLst/>
-          </a:prstGeom>
-          <a:noFill/>
-          <a:extLst>
-            <a:ext uri="{909E8E84-426E-40DD-AFC4-6F175D3DCCD1}">
-              <a14:hiddenFill xmlns:a14="http://schemas.microsoft.com/office/drawing/2010/main">
-                <a:solidFill>
-                  <a:srgbClr val="FFFFFF"/>
-                </a:solidFill>
-              </a14:hiddenFill>
-            </a:ext>
-          </a:extLst>
-        </p:spPr>
-      </p:pic>
-      <p:grpSp>
-        <p:nvGrpSpPr>
-          <p:cNvPr id="23" name="Group 22">
-            <a:extLst>
-              <a:ext uri="{FF2B5EF4-FFF2-40B4-BE49-F238E27FC236}">
-                <a16:creationId xmlns:a16="http://schemas.microsoft.com/office/drawing/2014/main" id="{31BE00B9-3847-4F15-E584-85DAC2CAFB66}"/>
-              </a:ext>
-            </a:extLst>
-          </p:cNvPr>
-          <p:cNvGrpSpPr/>
-          <p:nvPr/>
-        </p:nvGrpSpPr>
-        <p:grpSpPr>
-          <a:xfrm>
-            <a:off x="8630951" y="1726565"/>
-            <a:ext cx="3060306" cy="4124338"/>
-            <a:chOff x="7225857" y="391588"/>
-            <a:chExt cx="3060306" cy="4124338"/>
-          </a:xfrm>
-        </p:grpSpPr>
-        <p:pic>
-          <p:nvPicPr>
-            <p:cNvPr id="20" name="Picture 19">
-              <a:extLst>
-                <a:ext uri="{FF2B5EF4-FFF2-40B4-BE49-F238E27FC236}">
-                  <a16:creationId xmlns:a16="http://schemas.microsoft.com/office/drawing/2014/main" id="{8FD8092A-CB86-0DD7-3DE3-216E50C31A40}"/>
-                </a:ext>
-              </a:extLst>
-            </p:cNvPr>
-            <p:cNvPicPr>
-              <a:picLocks noChangeAspect="1"/>
-            </p:cNvPicPr>
-            <p:nvPr/>
-          </p:nvPicPr>
-          <p:blipFill>
-            <a:blip r:embed="rId5"/>
-            <a:stretch>
-              <a:fillRect/>
-            </a:stretch>
-          </p:blipFill>
-          <p:spPr>
-            <a:xfrm>
-              <a:off x="7225857" y="391588"/>
-              <a:ext cx="2140385" cy="3371740"/>
-            </a:xfrm>
-            <a:prstGeom prst="rect">
-              <a:avLst/>
-            </a:prstGeom>
-          </p:spPr>
-        </p:pic>
-        <p:pic>
-          <p:nvPicPr>
-            <p:cNvPr id="22" name="Picture 21">
-              <a:extLst>
-                <a:ext uri="{FF2B5EF4-FFF2-40B4-BE49-F238E27FC236}">
-                  <a16:creationId xmlns:a16="http://schemas.microsoft.com/office/drawing/2014/main" id="{19E25E11-1E48-898C-F636-269443F05A14}"/>
-                </a:ext>
-              </a:extLst>
-            </p:cNvPr>
-            <p:cNvPicPr>
-              <a:picLocks noChangeAspect="1"/>
-            </p:cNvPicPr>
-            <p:nvPr/>
-          </p:nvPicPr>
-          <p:blipFill>
-            <a:blip r:embed="rId6"/>
-            <a:stretch>
-              <a:fillRect/>
-            </a:stretch>
-          </p:blipFill>
-          <p:spPr>
-            <a:xfrm>
-              <a:off x="8296049" y="1414973"/>
-              <a:ext cx="1990114" cy="3100953"/>
-            </a:xfrm>
-            <a:prstGeom prst="rect">
-              <a:avLst/>
-            </a:prstGeom>
-          </p:spPr>
-        </p:pic>
-      </p:grpSp>
-      <p:sp>
-        <p:nvSpPr>
-          <p:cNvPr id="24" name="Arrow: Right 23">
-            <a:extLst>
-              <a:ext uri="{FF2B5EF4-FFF2-40B4-BE49-F238E27FC236}">
-                <a16:creationId xmlns:a16="http://schemas.microsoft.com/office/drawing/2014/main" id="{75CB98C7-7A03-DFEB-AABB-075B529846A0}"/>
-              </a:ext>
-            </a:extLst>
-          </p:cNvPr>
-          <p:cNvSpPr/>
-          <p:nvPr/>
-        </p:nvSpPr>
-        <p:spPr>
-          <a:xfrm>
-            <a:off x="3637234" y="2690504"/>
-            <a:ext cx="1036949" cy="367645"/>
-          </a:xfrm>
-          <a:prstGeom prst="rightArrow">
-            <a:avLst/>
-          </a:prstGeom>
-          <a:solidFill>
-            <a:schemeClr val="bg1">
-              <a:lumMod val="85000"/>
-            </a:schemeClr>
-          </a:solidFill>
-          <a:ln>
-            <a:noFill/>
-          </a:ln>
-        </p:spPr>
-        <p:style>
-          <a:lnRef idx="2">
-            <a:schemeClr val="accent1">
-              <a:shade val="50000"/>
-            </a:schemeClr>
-          </a:lnRef>
-          <a:fillRef idx="1">
-            <a:schemeClr val="accent1"/>
-          </a:fillRef>
-          <a:effectRef idx="0">
-            <a:schemeClr val="accent1"/>
-          </a:effectRef>
-          <a:fontRef idx="minor">
-            <a:schemeClr val="lt1"/>
-          </a:fontRef>
-        </p:style>
-        <p:txBody>
-          <a:bodyPr rtlCol="0" anchor="ctr"/>
-          <a:lstStyle/>
-          <a:p>
-            <a:pPr algn="ctr"/>
-            <a:endParaRPr lang="en-US"/>
-          </a:p>
-        </p:txBody>
-      </p:sp>
-      <p:sp>
-        <p:nvSpPr>
-          <p:cNvPr id="25" name="Arrow: Right 24">
-            <a:extLst>
-              <a:ext uri="{FF2B5EF4-FFF2-40B4-BE49-F238E27FC236}">
-                <a16:creationId xmlns:a16="http://schemas.microsoft.com/office/drawing/2014/main" id="{5D43769B-395F-00E8-586F-3520F13A75EE}"/>
-              </a:ext>
-            </a:extLst>
-          </p:cNvPr>
-          <p:cNvSpPr/>
-          <p:nvPr/>
-        </p:nvSpPr>
-        <p:spPr>
-          <a:xfrm>
-            <a:off x="7157480" y="2704526"/>
-            <a:ext cx="1036949" cy="367645"/>
-          </a:xfrm>
-          <a:prstGeom prst="rightArrow">
-            <a:avLst/>
-          </a:prstGeom>
-          <a:solidFill>
-            <a:schemeClr val="bg1">
-              <a:lumMod val="85000"/>
-            </a:schemeClr>
-          </a:solidFill>
-          <a:ln>
-            <a:noFill/>
-          </a:ln>
-        </p:spPr>
-        <p:style>
-          <a:lnRef idx="2">
-            <a:schemeClr val="accent1">
-              <a:shade val="50000"/>
-            </a:schemeClr>
-          </a:lnRef>
-          <a:fillRef idx="1">
-            <a:schemeClr val="accent1"/>
-          </a:fillRef>
-          <a:effectRef idx="0">
-            <a:schemeClr val="accent1"/>
-          </a:effectRef>
-          <a:fontRef idx="minor">
-            <a:schemeClr val="lt1"/>
-          </a:fontRef>
-        </p:style>
-        <p:txBody>
-          <a:bodyPr rtlCol="0" anchor="ctr"/>
-          <a:lstStyle/>
-          <a:p>
-            <a:pPr algn="ctr"/>
-            <a:endParaRPr lang="en-US"/>
-          </a:p>
-        </p:txBody>
-      </p:sp>
-      <p:sp>
-        <p:nvSpPr>
-          <p:cNvPr id="26" name="Arrow: Right 25">
-            <a:extLst>
-              <a:ext uri="{FF2B5EF4-FFF2-40B4-BE49-F238E27FC236}">
-                <a16:creationId xmlns:a16="http://schemas.microsoft.com/office/drawing/2014/main" id="{62441F5F-CACE-E405-C253-89F622015019}"/>
-              </a:ext>
-            </a:extLst>
-          </p:cNvPr>
-          <p:cNvSpPr/>
-          <p:nvPr/>
-        </p:nvSpPr>
-        <p:spPr>
-          <a:xfrm>
-            <a:off x="1490657" y="5098305"/>
-            <a:ext cx="1036949" cy="367645"/>
-          </a:xfrm>
-          <a:prstGeom prst="rightArrow">
-            <a:avLst/>
-          </a:prstGeom>
-          <a:solidFill>
-            <a:schemeClr val="bg1">
-              <a:lumMod val="85000"/>
-            </a:schemeClr>
-          </a:solidFill>
-          <a:ln>
-            <a:noFill/>
-          </a:ln>
-        </p:spPr>
-        <p:style>
-          <a:lnRef idx="2">
-            <a:schemeClr val="accent1">
-              <a:shade val="50000"/>
-            </a:schemeClr>
-          </a:lnRef>
-          <a:fillRef idx="1">
-            <a:schemeClr val="accent1"/>
-          </a:fillRef>
-          <a:effectRef idx="0">
-            <a:schemeClr val="accent1"/>
-          </a:effectRef>
-          <a:fontRef idx="minor">
-            <a:schemeClr val="lt1"/>
-          </a:fontRef>
-        </p:style>
-        <p:txBody>
-          <a:bodyPr rtlCol="0" anchor="ctr"/>
-          <a:lstStyle/>
-          <a:p>
-            <a:pPr algn="ctr"/>
-            <a:endParaRPr lang="en-US" dirty="0"/>
-          </a:p>
-        </p:txBody>
-      </p:sp>
-      <p:sp>
-        <p:nvSpPr>
-          <p:cNvPr id="28" name="Rectangle 27">
-            <a:extLst>
-              <a:ext uri="{FF2B5EF4-FFF2-40B4-BE49-F238E27FC236}">
-                <a16:creationId xmlns:a16="http://schemas.microsoft.com/office/drawing/2014/main" id="{0573BC21-EC70-A3E1-381E-0B3E75542F7E}"/>
-              </a:ext>
-            </a:extLst>
-          </p:cNvPr>
-          <p:cNvSpPr/>
-          <p:nvPr/>
-        </p:nvSpPr>
-        <p:spPr>
-          <a:xfrm>
-            <a:off x="9332536" y="2749950"/>
-            <a:ext cx="368607" cy="228920"/>
-          </a:xfrm>
-          <a:prstGeom prst="rect">
-            <a:avLst/>
-          </a:prstGeom>
-          <a:noFill/>
-          <a:ln w="19050">
-            <a:solidFill>
-              <a:schemeClr val="bg2">
-                <a:lumMod val="60000"/>
-                <a:lumOff val="40000"/>
-              </a:schemeClr>
-            </a:solidFill>
-          </a:ln>
-        </p:spPr>
-        <p:style>
-          <a:lnRef idx="2">
-            <a:schemeClr val="accent1">
-              <a:shade val="50000"/>
-            </a:schemeClr>
-          </a:lnRef>
-          <a:fillRef idx="1">
-            <a:schemeClr val="accent1"/>
-          </a:fillRef>
-          <a:effectRef idx="0">
-            <a:schemeClr val="accent1"/>
-          </a:effectRef>
-          <a:fontRef idx="minor">
-            <a:schemeClr val="lt1"/>
-          </a:fontRef>
-        </p:style>
-        <p:txBody>
-          <a:bodyPr rtlCol="0" anchor="ctr"/>
-          <a:lstStyle/>
-          <a:p>
-            <a:pPr algn="ctr"/>
-            <a:endParaRPr lang="en-US"/>
-          </a:p>
-        </p:txBody>
-      </p:sp>
-      <p:sp>
-        <p:nvSpPr>
-          <p:cNvPr id="29" name="Rectangle 28">
-            <a:extLst>
-              <a:ext uri="{FF2B5EF4-FFF2-40B4-BE49-F238E27FC236}">
-                <a16:creationId xmlns:a16="http://schemas.microsoft.com/office/drawing/2014/main" id="{CE6091A1-97F5-37DF-8416-948895DEC3F7}"/>
-              </a:ext>
-            </a:extLst>
-          </p:cNvPr>
-          <p:cNvSpPr/>
-          <p:nvPr/>
-        </p:nvSpPr>
-        <p:spPr>
-          <a:xfrm>
-            <a:off x="10327593" y="3742441"/>
-            <a:ext cx="315269" cy="134122"/>
-          </a:xfrm>
-          <a:prstGeom prst="rect">
-            <a:avLst/>
-          </a:prstGeom>
-          <a:noFill/>
-          <a:ln w="19050">
-            <a:solidFill>
-              <a:schemeClr val="bg2">
-                <a:lumMod val="60000"/>
-                <a:lumOff val="40000"/>
-              </a:schemeClr>
-            </a:solidFill>
-          </a:ln>
-        </p:spPr>
-        <p:style>
-          <a:lnRef idx="2">
-            <a:schemeClr val="accent1">
-              <a:shade val="50000"/>
-            </a:schemeClr>
-          </a:lnRef>
-          <a:fillRef idx="1">
-            <a:schemeClr val="accent1"/>
-          </a:fillRef>
-          <a:effectRef idx="0">
-            <a:schemeClr val="accent1"/>
-          </a:effectRef>
-          <a:fontRef idx="minor">
-            <a:schemeClr val="lt1"/>
-          </a:fontRef>
-        </p:style>
-        <p:txBody>
-          <a:bodyPr rtlCol="0" anchor="ctr"/>
-          <a:lstStyle/>
-          <a:p>
-            <a:pPr algn="ctr"/>
-            <a:endParaRPr lang="en-US"/>
-          </a:p>
-        </p:txBody>
-      </p:sp>
-      <p:sp>
-        <p:nvSpPr>
-          <p:cNvPr id="30" name="TextBox 29">
-            <a:extLst>
-              <a:ext uri="{FF2B5EF4-FFF2-40B4-BE49-F238E27FC236}">
-                <a16:creationId xmlns:a16="http://schemas.microsoft.com/office/drawing/2014/main" id="{38F4A91F-B0ED-F36A-4DF5-7EC2D67F3997}"/>
-              </a:ext>
-            </a:extLst>
-          </p:cNvPr>
-          <p:cNvSpPr txBox="1"/>
-          <p:nvPr/>
-        </p:nvSpPr>
-        <p:spPr>
-          <a:xfrm>
-            <a:off x="852404" y="4006199"/>
-            <a:ext cx="1922321" cy="369332"/>
-          </a:xfrm>
-          <a:prstGeom prst="rect">
-            <a:avLst/>
-          </a:prstGeom>
-          <a:noFill/>
-        </p:spPr>
-        <p:txBody>
-          <a:bodyPr wrap="none" rtlCol="0">
-            <a:spAutoFit/>
-          </a:bodyPr>
-          <a:lstStyle/>
-          <a:p>
-            <a:r>
-              <a:rPr lang="en-US" b="1" dirty="0">
-                <a:latin typeface="Times New Roman" panose="02020603050405020304" pitchFamily="18" charset="0"/>
-                <a:cs typeface="Times New Roman" panose="02020603050405020304" pitchFamily="18" charset="0"/>
-              </a:rPr>
-              <a:t>Schematic Design</a:t>
-            </a:r>
-          </a:p>
-        </p:txBody>
-      </p:sp>
-      <p:sp>
-        <p:nvSpPr>
-          <p:cNvPr id="31" name="TextBox 30">
-            <a:extLst>
-              <a:ext uri="{FF2B5EF4-FFF2-40B4-BE49-F238E27FC236}">
-                <a16:creationId xmlns:a16="http://schemas.microsoft.com/office/drawing/2014/main" id="{35C619F3-8DF7-4C76-C595-497ED662BB03}"/>
-              </a:ext>
-            </a:extLst>
-          </p:cNvPr>
-          <p:cNvSpPr txBox="1"/>
-          <p:nvPr/>
-        </p:nvSpPr>
-        <p:spPr>
-          <a:xfrm>
-            <a:off x="4641852" y="3742441"/>
-            <a:ext cx="2450351" cy="369332"/>
-          </a:xfrm>
-          <a:prstGeom prst="rect">
-            <a:avLst/>
-          </a:prstGeom>
-          <a:noFill/>
-        </p:spPr>
-        <p:txBody>
-          <a:bodyPr wrap="none" rtlCol="0">
-            <a:spAutoFit/>
-          </a:bodyPr>
-          <a:lstStyle/>
-          <a:p>
-            <a:r>
-              <a:rPr lang="en-US" b="1" dirty="0">
-                <a:latin typeface="Times New Roman" panose="02020603050405020304" pitchFamily="18" charset="0"/>
-                <a:cs typeface="Times New Roman" panose="02020603050405020304" pitchFamily="18" charset="0"/>
-              </a:rPr>
-              <a:t>ADE Copilot Inference</a:t>
-            </a:r>
-          </a:p>
-        </p:txBody>
-      </p:sp>
-      <p:sp>
-        <p:nvSpPr>
-          <p:cNvPr id="1025" name="TextBox 1024">
-            <a:extLst>
-              <a:ext uri="{FF2B5EF4-FFF2-40B4-BE49-F238E27FC236}">
-                <a16:creationId xmlns:a16="http://schemas.microsoft.com/office/drawing/2014/main" id="{4A9DB17D-B6E3-4CDD-E908-286C36438AEA}"/>
-              </a:ext>
-            </a:extLst>
-          </p:cNvPr>
-          <p:cNvSpPr txBox="1"/>
-          <p:nvPr/>
-        </p:nvSpPr>
-        <p:spPr>
-          <a:xfrm>
-            <a:off x="8630951" y="5937024"/>
-            <a:ext cx="3397148" cy="369332"/>
-          </a:xfrm>
-          <a:prstGeom prst="rect">
-            <a:avLst/>
-          </a:prstGeom>
-          <a:noFill/>
-        </p:spPr>
-        <p:txBody>
-          <a:bodyPr wrap="none" rtlCol="0">
-            <a:spAutoFit/>
-          </a:bodyPr>
-          <a:lstStyle/>
-          <a:p>
-            <a:r>
-              <a:rPr lang="en-US" b="1" dirty="0">
-                <a:latin typeface="Times New Roman" panose="02020603050405020304" pitchFamily="18" charset="0"/>
-                <a:cs typeface="Times New Roman" panose="02020603050405020304" pitchFamily="18" charset="0"/>
-              </a:rPr>
-              <a:t>Setting Job Policy </a:t>
-            </a:r>
-            <a:r>
-              <a:rPr lang="en-US" altLang="zh-CN" b="1" dirty="0">
-                <a:latin typeface="Times New Roman" panose="02020603050405020304" pitchFamily="18" charset="0"/>
-                <a:cs typeface="Times New Roman" panose="02020603050405020304" pitchFamily="18" charset="0"/>
-              </a:rPr>
-              <a:t>A</a:t>
-            </a:r>
-            <a:r>
-              <a:rPr lang="en-US" b="1" dirty="0">
-                <a:latin typeface="Times New Roman" panose="02020603050405020304" pitchFamily="18" charset="0"/>
-                <a:cs typeface="Times New Roman" panose="02020603050405020304" pitchFamily="18" charset="0"/>
-              </a:rPr>
-              <a:t>utomatically</a:t>
-            </a:r>
-          </a:p>
-        </p:txBody>
-      </p:sp>
-      <p:sp>
-        <p:nvSpPr>
-          <p:cNvPr id="1027" name="TextBox 1026">
-            <a:extLst>
-              <a:ext uri="{FF2B5EF4-FFF2-40B4-BE49-F238E27FC236}">
-                <a16:creationId xmlns:a16="http://schemas.microsoft.com/office/drawing/2014/main" id="{2B7F092C-8290-5ACA-3EF8-7EDAC2CB0691}"/>
-              </a:ext>
-            </a:extLst>
-          </p:cNvPr>
-          <p:cNvSpPr txBox="1"/>
-          <p:nvPr/>
-        </p:nvSpPr>
-        <p:spPr>
-          <a:xfrm>
-            <a:off x="4082884" y="6424829"/>
-            <a:ext cx="3675109" cy="369332"/>
-          </a:xfrm>
-          <a:prstGeom prst="rect">
-            <a:avLst/>
-          </a:prstGeom>
-          <a:noFill/>
-        </p:spPr>
-        <p:txBody>
-          <a:bodyPr wrap="none" rtlCol="0">
-            <a:spAutoFit/>
-          </a:bodyPr>
-          <a:lstStyle/>
-          <a:p>
-            <a:r>
-              <a:rPr lang="en-US" b="1" dirty="0">
-                <a:latin typeface="Times New Roman" panose="02020603050405020304" pitchFamily="18" charset="0"/>
-                <a:cs typeface="Times New Roman" panose="02020603050405020304" pitchFamily="18" charset="0"/>
-              </a:rPr>
-              <a:t>Reasonable Allocation of Resources</a:t>
-            </a:r>
-          </a:p>
-        </p:txBody>
-      </p:sp>
-    </p:spTree>
-    <p:extLst>
-      <p:ext uri="{BB962C8B-B14F-4D97-AF65-F5344CB8AC3E}">
-        <p14:creationId xmlns:p14="http://schemas.microsoft.com/office/powerpoint/2010/main" val="4107902007"/>
-      </p:ext>
-    </p:extLst>
-  </p:cSld>
-  <p:clrMapOvr>
-    <a:masterClrMapping/>
-  </p:clrMapOvr>
-</p:sld>
-</file>
-
-<file path=ppt/slides/slide9.xml><?xml version="1.0" encoding="utf-8"?>
-<p:sld xmlns:a="http://schemas.openxmlformats.org/drawingml/2006/main" xmlns:r="http://schemas.openxmlformats.org/officeDocument/2006/relationships" xmlns:p="http://schemas.openxmlformats.org/presentationml/2006/main">
-  <p:cSld>
-    <p:spTree>
-      <p:nvGrpSpPr>
-        <p:cNvPr id="1" name=""/>
-        <p:cNvGrpSpPr/>
-        <p:nvPr/>
-      </p:nvGrpSpPr>
-      <p:grpSpPr>
-        <a:xfrm>
-          <a:off x="0" y="0"/>
-          <a:ext cx="0" cy="0"/>
-          <a:chOff x="0" y="0"/>
-          <a:chExt cx="0" cy="0"/>
-        </a:xfrm>
-      </p:grpSpPr>
-      <p:sp>
-        <p:nvSpPr>
-          <p:cNvPr id="2" name="Title 1">
-            <a:extLst>
-              <a:ext uri="{FF2B5EF4-FFF2-40B4-BE49-F238E27FC236}">
-                <a16:creationId xmlns:a16="http://schemas.microsoft.com/office/drawing/2014/main" id="{90F4D452-8EBB-632F-F5A9-0A1EC3C5BA6D}"/>
-              </a:ext>
-            </a:extLst>
-          </p:cNvPr>
-          <p:cNvSpPr>
-            <a:spLocks noGrp="1"/>
-          </p:cNvSpPr>
-          <p:nvPr>
-            <p:ph type="title"/>
-          </p:nvPr>
-        </p:nvSpPr>
-        <p:spPr/>
-        <p:txBody>
-          <a:bodyPr/>
-          <a:lstStyle/>
-          <a:p>
-            <a:endParaRPr lang="en-US" dirty="0"/>
-          </a:p>
-        </p:txBody>
-      </p:sp>
-      <p:sp>
-        <p:nvSpPr>
-          <p:cNvPr id="3" name="Text Placeholder 2">
-            <a:extLst>
-              <a:ext uri="{FF2B5EF4-FFF2-40B4-BE49-F238E27FC236}">
-                <a16:creationId xmlns:a16="http://schemas.microsoft.com/office/drawing/2014/main" id="{BBA55C93-B9B6-1CDC-DAC5-98B202818C4F}"/>
-              </a:ext>
-            </a:extLst>
-          </p:cNvPr>
-          <p:cNvSpPr>
-            <a:spLocks noGrp="1"/>
-          </p:cNvSpPr>
-          <p:nvPr>
-            <p:ph type="body" idx="1"/>
-          </p:nvPr>
-        </p:nvSpPr>
-        <p:spPr/>
-        <p:txBody>
-          <a:bodyPr/>
-          <a:lstStyle/>
-          <a:p>
-            <a:endParaRPr lang="en-US"/>
-          </a:p>
-        </p:txBody>
-      </p:sp>
-    </p:spTree>
-    <p:extLst>
-      <p:ext uri="{BB962C8B-B14F-4D97-AF65-F5344CB8AC3E}">
-        <p14:creationId xmlns:p14="http://schemas.microsoft.com/office/powerpoint/2010/main" val="1957047950"/>
       </p:ext>
     </p:extLst>
   </p:cSld>
@@ -8186,6 +8398,28 @@
 </file>
 
 <file path=customXml/item1.xml><?xml version="1.0" encoding="utf-8"?>
+<?mso-contentType ?>
+<FormTemplates xmlns="http://schemas.microsoft.com/sharepoint/v3/contenttype/forms">
+  <Display>DocumentLibraryForm</Display>
+  <Edit>DocumentLibraryForm</Edit>
+  <New>DocumentLibraryForm</New>
+</FormTemplates>
+</file>
+
+<file path=customXml/item2.xml><?xml version="1.0" encoding="utf-8"?>
+<p:properties xmlns:p="http://schemas.microsoft.com/office/2006/metadata/properties" xmlns:xsi="http://www.w3.org/2001/XMLSchema-instance" xmlns:pc="http://schemas.microsoft.com/office/infopath/2007/PartnerControls">
+  <documentManagement>
+    <TaxCatchAll xmlns="7b8458dc-598e-4883-bee3-b65cd33e2373" xsi:nil="true"/>
+    <lcf76f155ced4ddcb4097134ff3c332f xmlns="4d616b5b-752e-49e1-bc84-983707c3b45d">
+      <Terms xmlns="http://schemas.microsoft.com/office/infopath/2007/PartnerControls"/>
+    </lcf76f155ced4ddcb4097134ff3c332f>
+    <_ip_UnifiedCompliancePolicyUIAction xmlns="http://schemas.microsoft.com/sharepoint/v3" xsi:nil="true"/>
+    <_ip_UnifiedCompliancePolicyProperties xmlns="http://schemas.microsoft.com/sharepoint/v3" xsi:nil="true"/>
+  </documentManagement>
+</p:properties>
+</file>
+
+<file path=customXml/item3.xml><?xml version="1.0" encoding="utf-8"?>
 <ct:contentTypeSchema xmlns:ct="http://schemas.microsoft.com/office/2006/metadata/contentType" xmlns:ma="http://schemas.microsoft.com/office/2006/metadata/properties/metaAttributes" ct:_="" ma:_="" ma:contentTypeName="Document" ma:contentTypeID="0x010100EA1802221C47224DAD2E1CD157C76B66" ma:contentTypeVersion="15" ma:contentTypeDescription="Create a new document." ma:contentTypeScope="" ma:versionID="363dbe0862a1b9cf731691ddd7ebcb66">
   <xsd:schema xmlns:xsd="http://www.w3.org/2001/XMLSchema" xmlns:xs="http://www.w3.org/2001/XMLSchema" xmlns:p="http://schemas.microsoft.com/office/2006/metadata/properties" xmlns:ns1="http://schemas.microsoft.com/sharepoint/v3" xmlns:ns2="4d616b5b-752e-49e1-bc84-983707c3b45d" xmlns:ns3="7b8458dc-598e-4883-bee3-b65cd33e2373" targetNamespace="http://schemas.microsoft.com/office/2006/metadata/properties" ma:root="true" ma:fieldsID="2291c4afe0501b639051f6a2b720ae43" ns1:_="" ns2:_="" ns3:_="">
     <xsd:import namespace="http://schemas.microsoft.com/sharepoint/v3"/>
@@ -8423,44 +8657,10 @@
 </ct:contentTypeSchema>
 </file>
 
-<file path=customXml/item2.xml><?xml version="1.0" encoding="utf-8"?>
-<p:properties xmlns:p="http://schemas.microsoft.com/office/2006/metadata/properties" xmlns:xsi="http://www.w3.org/2001/XMLSchema-instance" xmlns:pc="http://schemas.microsoft.com/office/infopath/2007/PartnerControls">
-  <documentManagement>
-    <TaxCatchAll xmlns="7b8458dc-598e-4883-bee3-b65cd33e2373" xsi:nil="true"/>
-    <lcf76f155ced4ddcb4097134ff3c332f xmlns="4d616b5b-752e-49e1-bc84-983707c3b45d">
-      <Terms xmlns="http://schemas.microsoft.com/office/infopath/2007/PartnerControls"/>
-    </lcf76f155ced4ddcb4097134ff3c332f>
-    <_ip_UnifiedCompliancePolicyUIAction xmlns="http://schemas.microsoft.com/sharepoint/v3" xsi:nil="true"/>
-    <_ip_UnifiedCompliancePolicyProperties xmlns="http://schemas.microsoft.com/sharepoint/v3" xsi:nil="true"/>
-  </documentManagement>
-</p:properties>
-</file>
-
-<file path=customXml/item3.xml><?xml version="1.0" encoding="utf-8"?>
-<?mso-contentType ?>
-<FormTemplates xmlns="http://schemas.microsoft.com/sharepoint/v3/contenttype/forms">
-  <Display>DocumentLibraryForm</Display>
-  <Edit>DocumentLibraryForm</Edit>
-  <New>DocumentLibraryForm</New>
-</FormTemplates>
-</file>
-
 <file path=customXml/itemProps1.xml><?xml version="1.0" encoding="utf-8"?>
-<ds:datastoreItem xmlns:ds="http://schemas.openxmlformats.org/officeDocument/2006/customXml" ds:itemID="{5F414E3A-68DA-42A0-8EE0-8D409A8A8051}">
+<ds:datastoreItem xmlns:ds="http://schemas.openxmlformats.org/officeDocument/2006/customXml" ds:itemID="{26A66B61-4F06-44C8-9162-4B6D2BCADA53}">
   <ds:schemaRefs>
-    <ds:schemaRef ds:uri="http://schemas.microsoft.com/office/2006/metadata/contentType"/>
-    <ds:schemaRef ds:uri="http://schemas.microsoft.com/office/2006/metadata/properties/metaAttributes"/>
-    <ds:schemaRef ds:uri="http://www.w3.org/2001/XMLSchema"/>
-    <ds:schemaRef ds:uri="http://schemas.microsoft.com/office/2006/metadata/properties"/>
-    <ds:schemaRef ds:uri="http://schemas.microsoft.com/sharepoint/v3"/>
-    <ds:schemaRef ds:uri="4d616b5b-752e-49e1-bc84-983707c3b45d"/>
-    <ds:schemaRef ds:uri="7b8458dc-598e-4883-bee3-b65cd33e2373"/>
-    <ds:schemaRef ds:uri="http://schemas.microsoft.com/office/2006/documentManagement/types"/>
-    <ds:schemaRef ds:uri="http://schemas.microsoft.com/office/infopath/2007/PartnerControls"/>
-    <ds:schemaRef ds:uri="http://schemas.openxmlformats.org/package/2006/metadata/core-properties"/>
-    <ds:schemaRef ds:uri="http://purl.org/dc/elements/1.1/"/>
-    <ds:schemaRef ds:uri="http://purl.org/dc/terms/"/>
-    <ds:schemaRef ds:uri="http://schemas.microsoft.com/internal/obd"/>
+    <ds:schemaRef ds:uri="http://schemas.microsoft.com/sharepoint/v3/contenttype/forms"/>
   </ds:schemaRefs>
 </ds:datastoreItem>
 </file>
@@ -8484,9 +8684,21 @@
 </file>
 
 <file path=customXml/itemProps3.xml><?xml version="1.0" encoding="utf-8"?>
-<ds:datastoreItem xmlns:ds="http://schemas.openxmlformats.org/officeDocument/2006/customXml" ds:itemID="{26A66B61-4F06-44C8-9162-4B6D2BCADA53}">
+<ds:datastoreItem xmlns:ds="http://schemas.openxmlformats.org/officeDocument/2006/customXml" ds:itemID="{5F414E3A-68DA-42A0-8EE0-8D409A8A8051}">
   <ds:schemaRefs>
-    <ds:schemaRef ds:uri="http://schemas.microsoft.com/sharepoint/v3/contenttype/forms"/>
+    <ds:schemaRef ds:uri="http://schemas.microsoft.com/office/2006/metadata/contentType"/>
+    <ds:schemaRef ds:uri="http://schemas.microsoft.com/office/2006/metadata/properties/metaAttributes"/>
+    <ds:schemaRef ds:uri="http://www.w3.org/2001/XMLSchema"/>
+    <ds:schemaRef ds:uri="http://schemas.microsoft.com/office/2006/metadata/properties"/>
+    <ds:schemaRef ds:uri="http://schemas.microsoft.com/sharepoint/v3"/>
+    <ds:schemaRef ds:uri="4d616b5b-752e-49e1-bc84-983707c3b45d"/>
+    <ds:schemaRef ds:uri="7b8458dc-598e-4883-bee3-b65cd33e2373"/>
+    <ds:schemaRef ds:uri="http://schemas.microsoft.com/office/2006/documentManagement/types"/>
+    <ds:schemaRef ds:uri="http://schemas.microsoft.com/office/infopath/2007/PartnerControls"/>
+    <ds:schemaRef ds:uri="http://schemas.openxmlformats.org/package/2006/metadata/core-properties"/>
+    <ds:schemaRef ds:uri="http://purl.org/dc/elements/1.1/"/>
+    <ds:schemaRef ds:uri="http://purl.org/dc/terms/"/>
+    <ds:schemaRef ds:uri="http://schemas.microsoft.com/internal/obd"/>
   </ds:schemaRefs>
 </ds:datastoreItem>
 </file>
--- a/ADE_copilot/CIC-2025_PPT_ADECopilot.pptx
+++ b/ADE_copilot/CIC-2025_PPT_ADECopilot.pptx
@@ -17,7 +17,7 @@
     <p:sldId id="2147309218" r:id="rId8"/>
     <p:sldId id="2147309216" r:id="rId9"/>
     <p:sldId id="2147309220" r:id="rId10"/>
-    <p:sldId id="2147309219" r:id="rId11"/>
+    <p:sldId id="2147309221" r:id="rId11"/>
     <p:sldId id="2147309215" r:id="rId12"/>
     <p:sldId id="2147309212" r:id="rId13"/>
     <p:sldId id="2147309213" r:id="rId14"/>
@@ -5997,13 +5997,1227 @@
             <a:pPr lvl="1"/>
             <a:r>
               <a:rPr lang="en-US" dirty="0"/>
-              <a:t>Fine Tune Pre-trained LLM </a:t>
-            </a:r>
-            <a:r>
-              <a:rPr lang="en-US" altLang="zh-CN" dirty="0"/>
-              <a:t>based on skill source code</a:t>
-            </a:r>
-            <a:endParaRPr lang="en-US" dirty="0"/>
+              <a:t>Designer need to manually  edit expression according to requirements</a:t>
+            </a:r>
+          </a:p>
+        </p:txBody>
+      </p:sp>
+      <p:graphicFrame>
+        <p:nvGraphicFramePr>
+          <p:cNvPr id="7" name="Table 6">
+            <a:extLst>
+              <a:ext uri="{FF2B5EF4-FFF2-40B4-BE49-F238E27FC236}">
+                <a16:creationId xmlns:a16="http://schemas.microsoft.com/office/drawing/2014/main" id="{9808EE9E-24E1-4E7E-6445-F999756E968F}"/>
+              </a:ext>
+            </a:extLst>
+          </p:cNvPr>
+          <p:cNvGraphicFramePr>
+            <a:graphicFrameLocks noGrp="1"/>
+          </p:cNvGraphicFramePr>
+          <p:nvPr>
+            <p:extLst>
+              <p:ext uri="{D42A27DB-BD31-4B8C-83A1-F6EECF244321}">
+                <p14:modId xmlns:p14="http://schemas.microsoft.com/office/powerpoint/2010/main" val="469362079"/>
+              </p:ext>
+            </p:extLst>
+          </p:nvPr>
+        </p:nvGraphicFramePr>
+        <p:xfrm>
+          <a:off x="870394" y="1906624"/>
+          <a:ext cx="6762576" cy="2474862"/>
+        </p:xfrm>
+        <a:graphic>
+          <a:graphicData uri="http://schemas.openxmlformats.org/drawingml/2006/table">
+            <a:tbl>
+              <a:tblPr>
+                <a:tableStyleId>{5C22544A-7EE6-4342-B048-85BDC9FD1C3A}</a:tableStyleId>
+              </a:tblPr>
+              <a:tblGrid>
+                <a:gridCol w="616812">
+                  <a:extLst>
+                    <a:ext uri="{9D8B030D-6E8A-4147-A177-3AD203B41FA5}">
+                      <a16:colId xmlns:a16="http://schemas.microsoft.com/office/drawing/2014/main" val="1761461332"/>
+                    </a:ext>
+                  </a:extLst>
+                </a:gridCol>
+                <a:gridCol w="492625">
+                  <a:extLst>
+                    <a:ext uri="{9D8B030D-6E8A-4147-A177-3AD203B41FA5}">
+                      <a16:colId xmlns:a16="http://schemas.microsoft.com/office/drawing/2014/main" val="542940297"/>
+                    </a:ext>
+                  </a:extLst>
+                </a:gridCol>
+                <a:gridCol w="975140">
+                  <a:extLst>
+                    <a:ext uri="{9D8B030D-6E8A-4147-A177-3AD203B41FA5}">
+                      <a16:colId xmlns:a16="http://schemas.microsoft.com/office/drawing/2014/main" val="1983025353"/>
+                    </a:ext>
+                  </a:extLst>
+                </a:gridCol>
+                <a:gridCol w="1856003">
+                  <a:extLst>
+                    <a:ext uri="{9D8B030D-6E8A-4147-A177-3AD203B41FA5}">
+                      <a16:colId xmlns:a16="http://schemas.microsoft.com/office/drawing/2014/main" val="935884399"/>
+                    </a:ext>
+                  </a:extLst>
+                </a:gridCol>
+                <a:gridCol w="1606602">
+                  <a:extLst>
+                    <a:ext uri="{9D8B030D-6E8A-4147-A177-3AD203B41FA5}">
+                      <a16:colId xmlns:a16="http://schemas.microsoft.com/office/drawing/2014/main" val="370398248"/>
+                    </a:ext>
+                  </a:extLst>
+                </a:gridCol>
+                <a:gridCol w="1215394">
+                  <a:extLst>
+                    <a:ext uri="{9D8B030D-6E8A-4147-A177-3AD203B41FA5}">
+                      <a16:colId xmlns:a16="http://schemas.microsoft.com/office/drawing/2014/main" val="1214936113"/>
+                    </a:ext>
+                  </a:extLst>
+                </a:gridCol>
+              </a:tblGrid>
+              <a:tr h="248143">
+                <a:tc>
+                  <a:txBody>
+                    <a:bodyPr/>
+                    <a:lstStyle/>
+                    <a:p>
+                      <a:pPr algn="ctr" fontAlgn="b"/>
+                      <a:r>
+                        <a:rPr lang="en-US" sz="1000" b="1" u="none" strike="noStrike" dirty="0">
+                          <a:solidFill>
+                            <a:schemeClr val="bg1"/>
+                          </a:solidFill>
+                          <a:effectLst/>
+                          <a:latin typeface="Times New Roman" panose="02020603050405020304" pitchFamily="18" charset="0"/>
+                          <a:cs typeface="Times New Roman" panose="02020603050405020304" pitchFamily="18" charset="0"/>
+                        </a:rPr>
+                        <a:t>Priority</a:t>
+                      </a:r>
+                      <a:endParaRPr lang="en-US" sz="1000" b="1" i="0" u="none" strike="noStrike" dirty="0">
+                        <a:solidFill>
+                          <a:schemeClr val="bg1"/>
+                        </a:solidFill>
+                        <a:effectLst/>
+                        <a:latin typeface="Times New Roman" panose="02020603050405020304" pitchFamily="18" charset="0"/>
+                        <a:cs typeface="Times New Roman" panose="02020603050405020304" pitchFamily="18" charset="0"/>
+                      </a:endParaRPr>
+                    </a:p>
+                  </a:txBody>
+                  <a:tcPr marL="4945" marR="4945" marT="4945" marB="0" anchor="b">
+                    <a:solidFill>
+                      <a:srgbClr val="0070C0"/>
+                    </a:solidFill>
+                  </a:tcPr>
+                </a:tc>
+                <a:tc>
+                  <a:txBody>
+                    <a:bodyPr/>
+                    <a:lstStyle/>
+                    <a:p>
+                      <a:pPr algn="ctr" fontAlgn="b"/>
+                      <a:r>
+                        <a:rPr lang="en-US" sz="1000" b="1" u="none" strike="noStrike" dirty="0">
+                          <a:solidFill>
+                            <a:schemeClr val="bg1"/>
+                          </a:solidFill>
+                          <a:effectLst/>
+                          <a:latin typeface="Times New Roman" panose="02020603050405020304" pitchFamily="18" charset="0"/>
+                          <a:cs typeface="Times New Roman" panose="02020603050405020304" pitchFamily="18" charset="0"/>
+                        </a:rPr>
+                        <a:t>Sim Type</a:t>
+                      </a:r>
+                      <a:endParaRPr lang="en-US" sz="1000" b="1" i="0" u="none" strike="noStrike" dirty="0">
+                        <a:solidFill>
+                          <a:schemeClr val="bg1"/>
+                        </a:solidFill>
+                        <a:effectLst/>
+                        <a:latin typeface="Times New Roman" panose="02020603050405020304" pitchFamily="18" charset="0"/>
+                        <a:cs typeface="Times New Roman" panose="02020603050405020304" pitchFamily="18" charset="0"/>
+                      </a:endParaRPr>
+                    </a:p>
+                  </a:txBody>
+                  <a:tcPr marL="4945" marR="4945" marT="4945" marB="0" anchor="b">
+                    <a:solidFill>
+                      <a:srgbClr val="0070C0"/>
+                    </a:solidFill>
+                  </a:tcPr>
+                </a:tc>
+                <a:tc>
+                  <a:txBody>
+                    <a:bodyPr/>
+                    <a:lstStyle/>
+                    <a:p>
+                      <a:pPr algn="ctr" fontAlgn="b"/>
+                      <a:r>
+                        <a:rPr lang="en-US" sz="1000" b="1" u="none" strike="noStrike">
+                          <a:solidFill>
+                            <a:schemeClr val="bg1"/>
+                          </a:solidFill>
+                          <a:effectLst/>
+                          <a:latin typeface="Times New Roman" panose="02020603050405020304" pitchFamily="18" charset="0"/>
+                          <a:cs typeface="Times New Roman" panose="02020603050405020304" pitchFamily="18" charset="0"/>
+                        </a:rPr>
+                        <a:t>Simulation Name</a:t>
+                      </a:r>
+                      <a:endParaRPr lang="en-US" sz="1000" b="1" i="0" u="none" strike="noStrike">
+                        <a:solidFill>
+                          <a:schemeClr val="bg1"/>
+                        </a:solidFill>
+                        <a:effectLst/>
+                        <a:latin typeface="Times New Roman" panose="02020603050405020304" pitchFamily="18" charset="0"/>
+                        <a:cs typeface="Times New Roman" panose="02020603050405020304" pitchFamily="18" charset="0"/>
+                      </a:endParaRPr>
+                    </a:p>
+                  </a:txBody>
+                  <a:tcPr marL="4945" marR="4945" marT="4945" marB="0" anchor="b">
+                    <a:solidFill>
+                      <a:srgbClr val="0070C0"/>
+                    </a:solidFill>
+                  </a:tcPr>
+                </a:tc>
+                <a:tc>
+                  <a:txBody>
+                    <a:bodyPr/>
+                    <a:lstStyle/>
+                    <a:p>
+                      <a:pPr algn="ctr" fontAlgn="b"/>
+                      <a:r>
+                        <a:rPr lang="en-US" sz="1000" b="1" u="none" strike="noStrike" dirty="0">
+                          <a:solidFill>
+                            <a:schemeClr val="bg1"/>
+                          </a:solidFill>
+                          <a:effectLst/>
+                          <a:latin typeface="Times New Roman" panose="02020603050405020304" pitchFamily="18" charset="0"/>
+                          <a:cs typeface="Times New Roman" panose="02020603050405020304" pitchFamily="18" charset="0"/>
+                        </a:rPr>
+                        <a:t>Simulation Description</a:t>
+                      </a:r>
+                      <a:endParaRPr lang="en-US" sz="1000" b="1" i="0" u="none" strike="noStrike" dirty="0">
+                        <a:solidFill>
+                          <a:schemeClr val="bg1"/>
+                        </a:solidFill>
+                        <a:effectLst/>
+                        <a:latin typeface="Times New Roman" panose="02020603050405020304" pitchFamily="18" charset="0"/>
+                        <a:cs typeface="Times New Roman" panose="02020603050405020304" pitchFamily="18" charset="0"/>
+                      </a:endParaRPr>
+                    </a:p>
+                  </a:txBody>
+                  <a:tcPr marL="4945" marR="4945" marT="4945" marB="0" anchor="b">
+                    <a:solidFill>
+                      <a:srgbClr val="0070C0"/>
+                    </a:solidFill>
+                  </a:tcPr>
+                </a:tc>
+                <a:tc>
+                  <a:txBody>
+                    <a:bodyPr/>
+                    <a:lstStyle/>
+                    <a:p>
+                      <a:pPr algn="ctr" fontAlgn="b"/>
+                      <a:r>
+                        <a:rPr lang="en-US" sz="1000" b="1" u="none" strike="noStrike" dirty="0">
+                          <a:solidFill>
+                            <a:schemeClr val="bg1"/>
+                          </a:solidFill>
+                          <a:effectLst/>
+                          <a:latin typeface="Times New Roman" panose="02020603050405020304" pitchFamily="18" charset="0"/>
+                          <a:cs typeface="Times New Roman" panose="02020603050405020304" pitchFamily="18" charset="0"/>
+                        </a:rPr>
+                        <a:t>Measurements</a:t>
+                      </a:r>
+                      <a:endParaRPr lang="en-US" sz="1000" b="1" i="0" u="none" strike="noStrike" dirty="0">
+                        <a:solidFill>
+                          <a:schemeClr val="bg1"/>
+                        </a:solidFill>
+                        <a:effectLst/>
+                        <a:latin typeface="Times New Roman" panose="02020603050405020304" pitchFamily="18" charset="0"/>
+                        <a:cs typeface="Times New Roman" panose="02020603050405020304" pitchFamily="18" charset="0"/>
+                      </a:endParaRPr>
+                    </a:p>
+                  </a:txBody>
+                  <a:tcPr marL="4945" marR="4945" marT="4945" marB="0" anchor="b">
+                    <a:solidFill>
+                      <a:srgbClr val="0070C0"/>
+                    </a:solidFill>
+                  </a:tcPr>
+                </a:tc>
+                <a:tc>
+                  <a:txBody>
+                    <a:bodyPr/>
+                    <a:lstStyle/>
+                    <a:p>
+                      <a:pPr algn="ctr" fontAlgn="b"/>
+                      <a:r>
+                        <a:rPr lang="en-US" sz="1000" b="1" u="none" strike="noStrike" dirty="0">
+                          <a:solidFill>
+                            <a:schemeClr val="bg1"/>
+                          </a:solidFill>
+                          <a:effectLst/>
+                          <a:latin typeface="Times New Roman" panose="02020603050405020304" pitchFamily="18" charset="0"/>
+                          <a:cs typeface="Times New Roman" panose="02020603050405020304" pitchFamily="18" charset="0"/>
+                        </a:rPr>
+                        <a:t>Corners</a:t>
+                      </a:r>
+                      <a:endParaRPr lang="en-US" sz="1000" b="1" i="0" u="none" strike="noStrike" dirty="0">
+                        <a:solidFill>
+                          <a:schemeClr val="bg1"/>
+                        </a:solidFill>
+                        <a:effectLst/>
+                        <a:latin typeface="Times New Roman" panose="02020603050405020304" pitchFamily="18" charset="0"/>
+                        <a:cs typeface="Times New Roman" panose="02020603050405020304" pitchFamily="18" charset="0"/>
+                      </a:endParaRPr>
+                    </a:p>
+                  </a:txBody>
+                  <a:tcPr marL="4945" marR="4945" marT="4945" marB="0" anchor="b">
+                    <a:solidFill>
+                      <a:srgbClr val="0070C0"/>
+                    </a:solidFill>
+                  </a:tcPr>
+                </a:tc>
+                <a:extLst>
+                  <a:ext uri="{0D108BD9-81ED-4DB2-BD59-A6C34878D82A}">
+                    <a16:rowId xmlns:a16="http://schemas.microsoft.com/office/drawing/2014/main" val="3520806761"/>
+                  </a:ext>
+                </a:extLst>
+              </a:tr>
+              <a:tr h="980688">
+                <a:tc>
+                  <a:txBody>
+                    <a:bodyPr/>
+                    <a:lstStyle/>
+                    <a:p>
+                      <a:pPr algn="ctr" fontAlgn="b"/>
+                      <a:r>
+                        <a:rPr lang="en-US" sz="1000" u="none" strike="noStrike" dirty="0">
+                          <a:effectLst/>
+                          <a:latin typeface="Times New Roman" panose="02020603050405020304" pitchFamily="18" charset="0"/>
+                          <a:cs typeface="Times New Roman" panose="02020603050405020304" pitchFamily="18" charset="0"/>
+                        </a:rPr>
+                        <a:t>2</a:t>
+                      </a:r>
+                      <a:endParaRPr lang="en-US" sz="1000" b="0" i="0" u="none" strike="noStrike" dirty="0">
+                        <a:effectLst/>
+                        <a:latin typeface="Times New Roman" panose="02020603050405020304" pitchFamily="18" charset="0"/>
+                        <a:cs typeface="Times New Roman" panose="02020603050405020304" pitchFamily="18" charset="0"/>
+                      </a:endParaRPr>
+                    </a:p>
+                  </a:txBody>
+                  <a:tcPr marL="4945" marR="4945" marT="4945" marB="0" anchor="b"/>
+                </a:tc>
+                <a:tc>
+                  <a:txBody>
+                    <a:bodyPr/>
+                    <a:lstStyle/>
+                    <a:p>
+                      <a:pPr algn="ctr" fontAlgn="b"/>
+                      <a:r>
+                        <a:rPr lang="en-US" sz="1000" u="none" strike="noStrike" dirty="0">
+                          <a:effectLst/>
+                          <a:latin typeface="Times New Roman" panose="02020603050405020304" pitchFamily="18" charset="0"/>
+                          <a:cs typeface="Times New Roman" panose="02020603050405020304" pitchFamily="18" charset="0"/>
+                        </a:rPr>
+                        <a:t>TRAN</a:t>
+                      </a:r>
+                      <a:endParaRPr lang="en-US" sz="1000" b="0" i="0" u="none" strike="noStrike" dirty="0">
+                        <a:solidFill>
+                          <a:srgbClr val="000000"/>
+                        </a:solidFill>
+                        <a:effectLst/>
+                        <a:latin typeface="Times New Roman" panose="02020603050405020304" pitchFamily="18" charset="0"/>
+                        <a:cs typeface="Times New Roman" panose="02020603050405020304" pitchFamily="18" charset="0"/>
+                      </a:endParaRPr>
+                    </a:p>
+                  </a:txBody>
+                  <a:tcPr marL="4945" marR="4945" marT="4945" marB="0" anchor="b"/>
+                </a:tc>
+                <a:tc>
+                  <a:txBody>
+                    <a:bodyPr/>
+                    <a:lstStyle/>
+                    <a:p>
+                      <a:pPr algn="ctr" fontAlgn="b"/>
+                      <a:r>
+                        <a:rPr lang="en-US" sz="1000" u="none" strike="noStrike" dirty="0">
+                          <a:effectLst/>
+                          <a:latin typeface="Times New Roman" panose="02020603050405020304" pitchFamily="18" charset="0"/>
+                          <a:cs typeface="Times New Roman" panose="02020603050405020304" pitchFamily="18" charset="0"/>
+                        </a:rPr>
+                        <a:t>Functional</a:t>
+                      </a:r>
+                      <a:endParaRPr lang="en-US" sz="1000" b="0" i="0" u="none" strike="noStrike" dirty="0">
+                        <a:effectLst/>
+                        <a:latin typeface="Times New Roman" panose="02020603050405020304" pitchFamily="18" charset="0"/>
+                        <a:cs typeface="Times New Roman" panose="02020603050405020304" pitchFamily="18" charset="0"/>
+                      </a:endParaRPr>
+                    </a:p>
+                  </a:txBody>
+                  <a:tcPr marL="4945" marR="4945" marT="4945" marB="0" anchor="b"/>
+                </a:tc>
+                <a:tc>
+                  <a:txBody>
+                    <a:bodyPr/>
+                    <a:lstStyle/>
+                    <a:p>
+                      <a:pPr algn="ctr" fontAlgn="b"/>
+                      <a:r>
+                        <a:rPr lang="en-US" sz="1000" u="none" strike="noStrike" dirty="0">
+                          <a:effectLst/>
+                          <a:latin typeface="Times New Roman" panose="02020603050405020304" pitchFamily="18" charset="0"/>
+                          <a:cs typeface="Times New Roman" panose="02020603050405020304" pitchFamily="18" charset="0"/>
+                        </a:rPr>
+                        <a:t>Verification of all functional modes</a:t>
+                      </a:r>
+                      <a:endParaRPr lang="en-US" sz="1000" b="0" i="0" u="none" strike="noStrike" dirty="0">
+                        <a:effectLst/>
+                        <a:latin typeface="Times New Roman" panose="02020603050405020304" pitchFamily="18" charset="0"/>
+                        <a:cs typeface="Times New Roman" panose="02020603050405020304" pitchFamily="18" charset="0"/>
+                      </a:endParaRPr>
+                    </a:p>
+                  </a:txBody>
+                  <a:tcPr marL="4945" marR="4945" marT="4945" marB="0" anchor="b"/>
+                </a:tc>
+                <a:tc>
+                  <a:txBody>
+                    <a:bodyPr/>
+                    <a:lstStyle/>
+                    <a:p>
+                      <a:pPr algn="ctr" fontAlgn="b"/>
+                      <a:r>
+                        <a:rPr lang="en-US" sz="1000" u="none" strike="noStrike" dirty="0">
+                          <a:effectLst/>
+                          <a:latin typeface="Times New Roman" panose="02020603050405020304" pitchFamily="18" charset="0"/>
+                          <a:cs typeface="Times New Roman" panose="02020603050405020304" pitchFamily="18" charset="0"/>
+                        </a:rPr>
+                        <a:t>– Check diff amp and CMOS modes</a:t>
+                      </a:r>
+                      <a:br>
+                        <a:rPr lang="en-US" sz="1000" u="none" strike="noStrike" dirty="0">
+                          <a:effectLst/>
+                          <a:latin typeface="Times New Roman" panose="02020603050405020304" pitchFamily="18" charset="0"/>
+                          <a:cs typeface="Times New Roman" panose="02020603050405020304" pitchFamily="18" charset="0"/>
+                        </a:rPr>
+                      </a:br>
+                      <a:r>
+                        <a:rPr lang="en-US" sz="1000" u="none" strike="noStrike" dirty="0">
+                          <a:effectLst/>
+                          <a:latin typeface="Times New Roman" panose="02020603050405020304" pitchFamily="18" charset="0"/>
+                          <a:cs typeface="Times New Roman" panose="02020603050405020304" pitchFamily="18" charset="0"/>
+                        </a:rPr>
+                        <a:t>– Check SE vs Differential mode of operation</a:t>
+                      </a:r>
+                      <a:br>
+                        <a:rPr lang="en-US" sz="1000" u="none" strike="noStrike" dirty="0">
+                          <a:effectLst/>
+                          <a:latin typeface="Times New Roman" panose="02020603050405020304" pitchFamily="18" charset="0"/>
+                          <a:cs typeface="Times New Roman" panose="02020603050405020304" pitchFamily="18" charset="0"/>
+                        </a:rPr>
+                      </a:br>
+                      <a:r>
+                        <a:rPr lang="en-US" sz="1000" u="none" strike="noStrike" dirty="0">
+                          <a:effectLst/>
+                          <a:latin typeface="Times New Roman" panose="02020603050405020304" pitchFamily="18" charset="0"/>
+                          <a:cs typeface="Times New Roman" panose="02020603050405020304" pitchFamily="18" charset="0"/>
+                        </a:rPr>
+                        <a:t>– Effect of POC signal </a:t>
+                      </a:r>
+                      <a:br>
+                        <a:rPr lang="en-US" sz="1000" u="none" strike="noStrike" dirty="0">
+                          <a:effectLst/>
+                          <a:latin typeface="Times New Roman" panose="02020603050405020304" pitchFamily="18" charset="0"/>
+                          <a:cs typeface="Times New Roman" panose="02020603050405020304" pitchFamily="18" charset="0"/>
+                        </a:rPr>
+                      </a:br>
+                      <a:r>
+                        <a:rPr lang="en-US" sz="1000" u="none" strike="noStrike" dirty="0">
+                          <a:effectLst/>
+                          <a:latin typeface="Times New Roman" panose="02020603050405020304" pitchFamily="18" charset="0"/>
+                          <a:cs typeface="Times New Roman" panose="02020603050405020304" pitchFamily="18" charset="0"/>
+                        </a:rPr>
+                        <a:t>– Effect of RX_DQ_EN  </a:t>
+                      </a:r>
+                      <a:br>
+                        <a:rPr lang="en-US" sz="1000" u="none" strike="noStrike" dirty="0">
+                          <a:effectLst/>
+                          <a:latin typeface="Times New Roman" panose="02020603050405020304" pitchFamily="18" charset="0"/>
+                          <a:cs typeface="Times New Roman" panose="02020603050405020304" pitchFamily="18" charset="0"/>
+                        </a:rPr>
+                      </a:br>
+                      <a:r>
+                        <a:rPr lang="en-US" sz="1000" u="none" strike="noStrike" dirty="0">
+                          <a:effectLst/>
+                          <a:latin typeface="Times New Roman" panose="02020603050405020304" pitchFamily="18" charset="0"/>
+                          <a:cs typeface="Times New Roman" panose="02020603050405020304" pitchFamily="18" charset="0"/>
+                        </a:rPr>
+                        <a:t>– ATB functionality</a:t>
+                      </a:r>
+                      <a:br>
+                        <a:rPr lang="en-US" sz="1000" u="none" strike="noStrike" dirty="0">
+                          <a:effectLst/>
+                          <a:latin typeface="Times New Roman" panose="02020603050405020304" pitchFamily="18" charset="0"/>
+                          <a:cs typeface="Times New Roman" panose="02020603050405020304" pitchFamily="18" charset="0"/>
+                        </a:rPr>
+                      </a:br>
+                      <a:r>
+                        <a:rPr lang="en-US" sz="1000" u="none" strike="noStrike" dirty="0">
+                          <a:effectLst/>
+                          <a:latin typeface="Times New Roman" panose="02020603050405020304" pitchFamily="18" charset="0"/>
+                          <a:cs typeface="Times New Roman" panose="02020603050405020304" pitchFamily="18" charset="0"/>
+                        </a:rPr>
+                        <a:t>- Effect of POC* signals</a:t>
+                      </a:r>
+                      <a:endParaRPr lang="en-US" sz="1000" b="0" i="0" u="none" strike="noStrike" dirty="0">
+                        <a:solidFill>
+                          <a:srgbClr val="000000"/>
+                        </a:solidFill>
+                        <a:effectLst/>
+                        <a:latin typeface="Times New Roman" panose="02020603050405020304" pitchFamily="18" charset="0"/>
+                        <a:cs typeface="Times New Roman" panose="02020603050405020304" pitchFamily="18" charset="0"/>
+                      </a:endParaRPr>
+                    </a:p>
+                  </a:txBody>
+                  <a:tcPr marL="4945" marR="4945" marT="4945" marB="0" anchor="b"/>
+                </a:tc>
+                <a:tc>
+                  <a:txBody>
+                    <a:bodyPr/>
+                    <a:lstStyle/>
+                    <a:p>
+                      <a:pPr algn="ctr" fontAlgn="b"/>
+                      <a:r>
+                        <a:rPr lang="en-US" sz="1000" u="none" strike="noStrike" dirty="0">
+                          <a:effectLst/>
+                          <a:latin typeface="Times New Roman" panose="02020603050405020304" pitchFamily="18" charset="0"/>
+                          <a:cs typeface="Times New Roman" panose="02020603050405020304" pitchFamily="18" charset="0"/>
+                        </a:rPr>
+                        <a:t>SS, FF, extreme VT</a:t>
+                      </a:r>
+                      <a:endParaRPr lang="en-US" sz="1000" b="0" i="0" u="none" strike="noStrike" dirty="0">
+                        <a:effectLst/>
+                        <a:latin typeface="Times New Roman" panose="02020603050405020304" pitchFamily="18" charset="0"/>
+                        <a:cs typeface="Times New Roman" panose="02020603050405020304" pitchFamily="18" charset="0"/>
+                      </a:endParaRPr>
+                    </a:p>
+                  </a:txBody>
+                  <a:tcPr marL="4945" marR="4945" marT="4945" marB="0" anchor="b"/>
+                </a:tc>
+                <a:extLst>
+                  <a:ext uri="{0D108BD9-81ED-4DB2-BD59-A6C34878D82A}">
+                    <a16:rowId xmlns:a16="http://schemas.microsoft.com/office/drawing/2014/main" val="1159085082"/>
+                  </a:ext>
+                </a:extLst>
+              </a:tr>
+              <a:tr h="492325">
+                <a:tc>
+                  <a:txBody>
+                    <a:bodyPr/>
+                    <a:lstStyle/>
+                    <a:p>
+                      <a:pPr algn="ctr" fontAlgn="b"/>
+                      <a:r>
+                        <a:rPr lang="en-US" sz="1000" u="none" strike="noStrike" dirty="0">
+                          <a:effectLst/>
+                          <a:latin typeface="Times New Roman" panose="02020603050405020304" pitchFamily="18" charset="0"/>
+                          <a:cs typeface="Times New Roman" panose="02020603050405020304" pitchFamily="18" charset="0"/>
+                        </a:rPr>
+                        <a:t>1</a:t>
+                      </a:r>
+                      <a:endParaRPr lang="en-US" sz="1000" b="0" i="0" u="none" strike="noStrike" dirty="0">
+                        <a:effectLst/>
+                        <a:latin typeface="Times New Roman" panose="02020603050405020304" pitchFamily="18" charset="0"/>
+                        <a:cs typeface="Times New Roman" panose="02020603050405020304" pitchFamily="18" charset="0"/>
+                      </a:endParaRPr>
+                    </a:p>
+                  </a:txBody>
+                  <a:tcPr marL="4945" marR="4945" marT="4945" marB="0" anchor="b"/>
+                </a:tc>
+                <a:tc>
+                  <a:txBody>
+                    <a:bodyPr/>
+                    <a:lstStyle/>
+                    <a:p>
+                      <a:pPr algn="ctr" fontAlgn="b"/>
+                      <a:r>
+                        <a:rPr lang="en-US" sz="1000" u="none" strike="noStrike" dirty="0">
+                          <a:effectLst/>
+                          <a:latin typeface="Times New Roman" panose="02020603050405020304" pitchFamily="18" charset="0"/>
+                          <a:cs typeface="Times New Roman" panose="02020603050405020304" pitchFamily="18" charset="0"/>
+                        </a:rPr>
+                        <a:t>DC</a:t>
+                      </a:r>
+                      <a:endParaRPr lang="en-US" sz="1000" b="0" i="0" u="none" strike="noStrike" dirty="0">
+                        <a:solidFill>
+                          <a:srgbClr val="000000"/>
+                        </a:solidFill>
+                        <a:effectLst/>
+                        <a:latin typeface="Times New Roman" panose="02020603050405020304" pitchFamily="18" charset="0"/>
+                        <a:cs typeface="Times New Roman" panose="02020603050405020304" pitchFamily="18" charset="0"/>
+                      </a:endParaRPr>
+                    </a:p>
+                  </a:txBody>
+                  <a:tcPr marL="4945" marR="4945" marT="4945" marB="0" anchor="b"/>
+                </a:tc>
+                <a:tc>
+                  <a:txBody>
+                    <a:bodyPr/>
+                    <a:lstStyle/>
+                    <a:p>
+                      <a:pPr algn="ctr" fontAlgn="b"/>
+                      <a:r>
+                        <a:rPr lang="en-US" sz="1000" u="none" strike="noStrike">
+                          <a:effectLst/>
+                          <a:latin typeface="Times New Roman" panose="02020603050405020304" pitchFamily="18" charset="0"/>
+                          <a:cs typeface="Times New Roman" panose="02020603050405020304" pitchFamily="18" charset="0"/>
+                        </a:rPr>
+                        <a:t>Power</a:t>
+                      </a:r>
+                      <a:endParaRPr lang="en-US" sz="1000" b="0" i="0" u="none" strike="noStrike">
+                        <a:solidFill>
+                          <a:srgbClr val="000000"/>
+                        </a:solidFill>
+                        <a:effectLst/>
+                        <a:latin typeface="Times New Roman" panose="02020603050405020304" pitchFamily="18" charset="0"/>
+                        <a:cs typeface="Times New Roman" panose="02020603050405020304" pitchFamily="18" charset="0"/>
+                      </a:endParaRPr>
+                    </a:p>
+                  </a:txBody>
+                  <a:tcPr marL="4945" marR="4945" marT="4945" marB="0" anchor="b"/>
+                </a:tc>
+                <a:tc>
+                  <a:txBody>
+                    <a:bodyPr/>
+                    <a:lstStyle/>
+                    <a:p>
+                      <a:pPr algn="ctr" fontAlgn="b"/>
+                      <a:r>
+                        <a:rPr lang="en-US" sz="1000" u="none" strike="noStrike" dirty="0">
+                          <a:effectLst/>
+                          <a:latin typeface="Times New Roman" panose="02020603050405020304" pitchFamily="18" charset="0"/>
+                          <a:cs typeface="Times New Roman" panose="02020603050405020304" pitchFamily="18" charset="0"/>
+                        </a:rPr>
+                        <a:t>Active power in all modes; leakage in disabled modes. Power is measured using a  110011 bit pattern at 533Mbps</a:t>
+                      </a:r>
+                      <a:endParaRPr lang="en-US" sz="1000" b="0" i="0" u="none" strike="noStrike" dirty="0">
+                        <a:solidFill>
+                          <a:srgbClr val="000000"/>
+                        </a:solidFill>
+                        <a:effectLst/>
+                        <a:latin typeface="Times New Roman" panose="02020603050405020304" pitchFamily="18" charset="0"/>
+                        <a:cs typeface="Times New Roman" panose="02020603050405020304" pitchFamily="18" charset="0"/>
+                      </a:endParaRPr>
+                    </a:p>
+                  </a:txBody>
+                  <a:tcPr marL="4945" marR="4945" marT="4945" marB="0" anchor="b"/>
+                </a:tc>
+                <a:tc>
+                  <a:txBody>
+                    <a:bodyPr/>
+                    <a:lstStyle/>
+                    <a:p>
+                      <a:pPr algn="ctr" fontAlgn="b"/>
+                      <a:r>
+                        <a:rPr lang="en-US" sz="1000" u="none" strike="noStrike" dirty="0">
+                          <a:effectLst/>
+                          <a:latin typeface="Times New Roman" panose="02020603050405020304" pitchFamily="18" charset="0"/>
+                          <a:cs typeface="Times New Roman" panose="02020603050405020304" pitchFamily="18" charset="0"/>
+                        </a:rPr>
+                        <a:t>Measure current/power for each supply</a:t>
+                      </a:r>
+                      <a:br>
+                        <a:rPr lang="en-US" sz="1000" u="none" strike="noStrike" dirty="0">
+                          <a:effectLst/>
+                          <a:latin typeface="Times New Roman" panose="02020603050405020304" pitchFamily="18" charset="0"/>
+                          <a:cs typeface="Times New Roman" panose="02020603050405020304" pitchFamily="18" charset="0"/>
+                        </a:rPr>
+                      </a:br>
+                      <a:r>
+                        <a:rPr lang="en-US" sz="1000" u="none" strike="noStrike" dirty="0" err="1">
+                          <a:effectLst/>
+                          <a:latin typeface="Times New Roman" panose="02020603050405020304" pitchFamily="18" charset="0"/>
+                          <a:cs typeface="Times New Roman" panose="02020603050405020304" pitchFamily="18" charset="0"/>
+                        </a:rPr>
+                        <a:t>Tstart</a:t>
+                      </a:r>
+                      <a:endParaRPr lang="en-US" sz="1000" b="0" i="0" u="none" strike="noStrike" dirty="0">
+                        <a:solidFill>
+                          <a:srgbClr val="000000"/>
+                        </a:solidFill>
+                        <a:effectLst/>
+                        <a:latin typeface="Times New Roman" panose="02020603050405020304" pitchFamily="18" charset="0"/>
+                        <a:cs typeface="Times New Roman" panose="02020603050405020304" pitchFamily="18" charset="0"/>
+                      </a:endParaRPr>
+                    </a:p>
+                  </a:txBody>
+                  <a:tcPr marL="4945" marR="4945" marT="4945" marB="0" anchor="b"/>
+                </a:tc>
+                <a:tc>
+                  <a:txBody>
+                    <a:bodyPr/>
+                    <a:lstStyle/>
+                    <a:p>
+                      <a:pPr algn="ctr" fontAlgn="b"/>
+                      <a:r>
+                        <a:rPr lang="en-US" sz="1000" u="none" strike="noStrike" dirty="0">
+                          <a:effectLst/>
+                          <a:latin typeface="Times New Roman" panose="02020603050405020304" pitchFamily="18" charset="0"/>
+                          <a:cs typeface="Times New Roman" panose="02020603050405020304" pitchFamily="18" charset="0"/>
+                        </a:rPr>
+                        <a:t>Power corners</a:t>
+                      </a:r>
+                      <a:endParaRPr lang="en-US" sz="1000" b="0" i="0" u="none" strike="noStrike" dirty="0">
+                        <a:effectLst/>
+                        <a:latin typeface="Times New Roman" panose="02020603050405020304" pitchFamily="18" charset="0"/>
+                        <a:cs typeface="Times New Roman" panose="02020603050405020304" pitchFamily="18" charset="0"/>
+                      </a:endParaRPr>
+                    </a:p>
+                  </a:txBody>
+                  <a:tcPr marL="4945" marR="4945" marT="4945" marB="0" anchor="b"/>
+                </a:tc>
+                <a:extLst>
+                  <a:ext uri="{0D108BD9-81ED-4DB2-BD59-A6C34878D82A}">
+                    <a16:rowId xmlns:a16="http://schemas.microsoft.com/office/drawing/2014/main" val="2846800410"/>
+                  </a:ext>
+                </a:extLst>
+              </a:tr>
+              <a:tr h="326427">
+                <a:tc>
+                  <a:txBody>
+                    <a:bodyPr/>
+                    <a:lstStyle/>
+                    <a:p>
+                      <a:pPr algn="ctr" fontAlgn="b"/>
+                      <a:r>
+                        <a:rPr lang="en-US" sz="1000" u="none" strike="noStrike" dirty="0">
+                          <a:effectLst/>
+                          <a:latin typeface="Times New Roman" panose="02020603050405020304" pitchFamily="18" charset="0"/>
+                          <a:cs typeface="Times New Roman" panose="02020603050405020304" pitchFamily="18" charset="0"/>
+                        </a:rPr>
+                        <a:t>2</a:t>
+                      </a:r>
+                      <a:endParaRPr lang="en-US" sz="1000" b="0" i="0" u="none" strike="noStrike" dirty="0">
+                        <a:effectLst/>
+                        <a:latin typeface="Times New Roman" panose="02020603050405020304" pitchFamily="18" charset="0"/>
+                        <a:cs typeface="Times New Roman" panose="02020603050405020304" pitchFamily="18" charset="0"/>
+                      </a:endParaRPr>
+                    </a:p>
+                  </a:txBody>
+                  <a:tcPr marL="4945" marR="4945" marT="4945" marB="0" anchor="b"/>
+                </a:tc>
+                <a:tc>
+                  <a:txBody>
+                    <a:bodyPr/>
+                    <a:lstStyle/>
+                    <a:p>
+                      <a:pPr algn="ctr" fontAlgn="b"/>
+                      <a:r>
+                        <a:rPr lang="en-US" sz="1000" u="none" strike="noStrike" dirty="0">
+                          <a:effectLst/>
+                          <a:latin typeface="Times New Roman" panose="02020603050405020304" pitchFamily="18" charset="0"/>
+                          <a:cs typeface="Times New Roman" panose="02020603050405020304" pitchFamily="18" charset="0"/>
+                        </a:rPr>
+                        <a:t>…</a:t>
+                      </a:r>
+                      <a:endParaRPr lang="en-US" sz="1000" b="0" i="0" u="none" strike="noStrike" dirty="0">
+                        <a:solidFill>
+                          <a:srgbClr val="000000"/>
+                        </a:solidFill>
+                        <a:effectLst/>
+                        <a:latin typeface="Times New Roman" panose="02020603050405020304" pitchFamily="18" charset="0"/>
+                        <a:cs typeface="Times New Roman" panose="02020603050405020304" pitchFamily="18" charset="0"/>
+                      </a:endParaRPr>
+                    </a:p>
+                  </a:txBody>
+                  <a:tcPr marL="4945" marR="4945" marT="4945" marB="0" anchor="b"/>
+                </a:tc>
+                <a:tc>
+                  <a:txBody>
+                    <a:bodyPr/>
+                    <a:lstStyle/>
+                    <a:p>
+                      <a:pPr algn="ctr" fontAlgn="b"/>
+                      <a:r>
+                        <a:rPr lang="en-US" sz="1000" u="none" strike="noStrike" dirty="0">
+                          <a:effectLst/>
+                          <a:latin typeface="Times New Roman" panose="02020603050405020304" pitchFamily="18" charset="0"/>
+                          <a:cs typeface="Times New Roman" panose="02020603050405020304" pitchFamily="18" charset="0"/>
+                        </a:rPr>
+                        <a:t>…</a:t>
+                      </a:r>
+                      <a:endParaRPr lang="en-US" sz="1000" b="0" i="0" u="none" strike="noStrike" dirty="0">
+                        <a:solidFill>
+                          <a:srgbClr val="000000"/>
+                        </a:solidFill>
+                        <a:effectLst/>
+                        <a:latin typeface="Times New Roman" panose="02020603050405020304" pitchFamily="18" charset="0"/>
+                        <a:cs typeface="Times New Roman" panose="02020603050405020304" pitchFamily="18" charset="0"/>
+                      </a:endParaRPr>
+                    </a:p>
+                  </a:txBody>
+                  <a:tcPr marL="4945" marR="4945" marT="4945" marB="0" anchor="b"/>
+                </a:tc>
+                <a:tc>
+                  <a:txBody>
+                    <a:bodyPr/>
+                    <a:lstStyle/>
+                    <a:p>
+                      <a:pPr algn="ctr" fontAlgn="b"/>
+                      <a:r>
+                        <a:rPr lang="en-US" sz="1000" b="0" i="0" u="sng" strike="noStrike" dirty="0">
+                          <a:solidFill>
+                            <a:srgbClr val="0000FF"/>
+                          </a:solidFill>
+                          <a:effectLst/>
+                          <a:latin typeface="Times New Roman" panose="02020603050405020304" pitchFamily="18" charset="0"/>
+                          <a:cs typeface="Times New Roman" panose="02020603050405020304" pitchFamily="18" charset="0"/>
+                        </a:rPr>
+                        <a:t>…</a:t>
+                      </a:r>
+                    </a:p>
+                  </a:txBody>
+                  <a:tcPr marL="4945" marR="4945" marT="4945" marB="0" anchor="b"/>
+                </a:tc>
+                <a:tc>
+                  <a:txBody>
+                    <a:bodyPr/>
+                    <a:lstStyle/>
+                    <a:p>
+                      <a:pPr algn="ctr" fontAlgn="b"/>
+                      <a:r>
+                        <a:rPr lang="en-US" sz="1000" u="none" strike="noStrike" dirty="0">
+                          <a:effectLst/>
+                          <a:latin typeface="Times New Roman" panose="02020603050405020304" pitchFamily="18" charset="0"/>
+                          <a:cs typeface="Times New Roman" panose="02020603050405020304" pitchFamily="18" charset="0"/>
+                        </a:rPr>
+                        <a:t>…</a:t>
+                      </a:r>
+                      <a:endParaRPr lang="en-US" sz="1000" b="0" i="0" u="none" strike="noStrike" dirty="0">
+                        <a:solidFill>
+                          <a:srgbClr val="000000"/>
+                        </a:solidFill>
+                        <a:effectLst/>
+                        <a:latin typeface="Times New Roman" panose="02020603050405020304" pitchFamily="18" charset="0"/>
+                        <a:cs typeface="Times New Roman" panose="02020603050405020304" pitchFamily="18" charset="0"/>
+                      </a:endParaRPr>
+                    </a:p>
+                  </a:txBody>
+                  <a:tcPr marL="4945" marR="4945" marT="4945" marB="0" anchor="b"/>
+                </a:tc>
+                <a:tc>
+                  <a:txBody>
+                    <a:bodyPr/>
+                    <a:lstStyle/>
+                    <a:p>
+                      <a:pPr algn="ctr" fontAlgn="b"/>
+                      <a:r>
+                        <a:rPr lang="en-US" sz="1000" b="0" i="0" u="sng" strike="noStrike" dirty="0">
+                          <a:solidFill>
+                            <a:srgbClr val="0000FF"/>
+                          </a:solidFill>
+                          <a:effectLst/>
+                          <a:latin typeface="Times New Roman" panose="02020603050405020304" pitchFamily="18" charset="0"/>
+                          <a:cs typeface="Times New Roman" panose="02020603050405020304" pitchFamily="18" charset="0"/>
+                        </a:rPr>
+                        <a:t>…</a:t>
+                      </a:r>
+                    </a:p>
+                  </a:txBody>
+                  <a:tcPr marL="4945" marR="4945" marT="4945" marB="0" anchor="b"/>
+                </a:tc>
+                <a:extLst>
+                  <a:ext uri="{0D108BD9-81ED-4DB2-BD59-A6C34878D82A}">
+                    <a16:rowId xmlns:a16="http://schemas.microsoft.com/office/drawing/2014/main" val="4031220931"/>
+                  </a:ext>
+                </a:extLst>
+              </a:tr>
+            </a:tbl>
+          </a:graphicData>
+        </a:graphic>
+      </p:graphicFrame>
+      <p:pic>
+        <p:nvPicPr>
+          <p:cNvPr id="10" name="Picture 9">
+            <a:extLst>
+              <a:ext uri="{FF2B5EF4-FFF2-40B4-BE49-F238E27FC236}">
+                <a16:creationId xmlns:a16="http://schemas.microsoft.com/office/drawing/2014/main" id="{1CE7B1D0-D2D5-CAA5-B31A-1BF3099F6F45}"/>
+              </a:ext>
+            </a:extLst>
+          </p:cNvPr>
+          <p:cNvPicPr>
+            <a:picLocks noChangeAspect="1"/>
+          </p:cNvPicPr>
+          <p:nvPr/>
+        </p:nvPicPr>
+        <p:blipFill>
+          <a:blip r:embed="rId2"/>
+          <a:stretch>
+            <a:fillRect/>
+          </a:stretch>
+        </p:blipFill>
+        <p:spPr>
+          <a:xfrm>
+            <a:off x="3710208" y="4267450"/>
+            <a:ext cx="8264679" cy="2208013"/>
+          </a:xfrm>
+          <a:prstGeom prst="rect">
+            <a:avLst/>
+          </a:prstGeom>
+        </p:spPr>
+      </p:pic>
+      <p:sp>
+        <p:nvSpPr>
+          <p:cNvPr id="11" name="Arrow: Bent 10">
+            <a:extLst>
+              <a:ext uri="{FF2B5EF4-FFF2-40B4-BE49-F238E27FC236}">
+                <a16:creationId xmlns:a16="http://schemas.microsoft.com/office/drawing/2014/main" id="{DF4DDD65-9D0C-53F7-A7DA-162B0C9434A5}"/>
+              </a:ext>
+            </a:extLst>
+          </p:cNvPr>
+          <p:cNvSpPr/>
+          <p:nvPr/>
+        </p:nvSpPr>
+        <p:spPr>
+          <a:xfrm flipV="1">
+            <a:off x="1459150" y="4753582"/>
+            <a:ext cx="1770826" cy="824349"/>
+          </a:xfrm>
+          <a:prstGeom prst="bentArrow">
+            <a:avLst>
+              <a:gd name="adj1" fmla="val 25000"/>
+              <a:gd name="adj2" fmla="val 25000"/>
+              <a:gd name="adj3" fmla="val 25000"/>
+              <a:gd name="adj4" fmla="val 47172"/>
+            </a:avLst>
+          </a:prstGeom>
+          <a:solidFill>
+            <a:schemeClr val="tx1">
+              <a:lumMod val="25000"/>
+              <a:lumOff val="75000"/>
+            </a:schemeClr>
+          </a:solidFill>
+          <a:ln>
+            <a:noFill/>
+          </a:ln>
+        </p:spPr>
+        <p:style>
+          <a:lnRef idx="2">
+            <a:schemeClr val="accent1">
+              <a:shade val="50000"/>
+            </a:schemeClr>
+          </a:lnRef>
+          <a:fillRef idx="1">
+            <a:schemeClr val="accent1"/>
+          </a:fillRef>
+          <a:effectRef idx="0">
+            <a:schemeClr val="accent1"/>
+          </a:effectRef>
+          <a:fontRef idx="minor">
+            <a:schemeClr val="lt1"/>
+          </a:fontRef>
+        </p:style>
+        <p:txBody>
+          <a:bodyPr rtlCol="0" anchor="ctr"/>
+          <a:lstStyle/>
+          <a:p>
+            <a:pPr algn="ctr"/>
+            <a:endParaRPr lang="en-US">
+              <a:solidFill>
+                <a:schemeClr val="tx1"/>
+              </a:solidFill>
+            </a:endParaRPr>
+          </a:p>
+        </p:txBody>
+      </p:sp>
+      <p:pic>
+        <p:nvPicPr>
+          <p:cNvPr id="13" name="Picture 12">
+            <a:extLst>
+              <a:ext uri="{FF2B5EF4-FFF2-40B4-BE49-F238E27FC236}">
+                <a16:creationId xmlns:a16="http://schemas.microsoft.com/office/drawing/2014/main" id="{18E83D0F-E271-CD61-FDBB-5A951A8A3EF8}"/>
+              </a:ext>
+            </a:extLst>
+          </p:cNvPr>
+          <p:cNvPicPr>
+            <a:picLocks noChangeAspect="1"/>
+          </p:cNvPicPr>
+          <p:nvPr/>
+        </p:nvPicPr>
+        <p:blipFill>
+          <a:blip r:embed="rId3"/>
+          <a:stretch>
+            <a:fillRect/>
+          </a:stretch>
+        </p:blipFill>
+        <p:spPr>
+          <a:xfrm>
+            <a:off x="2133303" y="4522981"/>
+            <a:ext cx="565191" cy="461202"/>
+          </a:xfrm>
+          <a:prstGeom prst="rect">
+            <a:avLst/>
+          </a:prstGeom>
+        </p:spPr>
+      </p:pic>
+      <p:sp>
+        <p:nvSpPr>
+          <p:cNvPr id="14" name="TextBox 13">
+            <a:extLst>
+              <a:ext uri="{FF2B5EF4-FFF2-40B4-BE49-F238E27FC236}">
+                <a16:creationId xmlns:a16="http://schemas.microsoft.com/office/drawing/2014/main" id="{9D944149-25E1-F60D-9BF8-4FA1CCA241AB}"/>
+              </a:ext>
+            </a:extLst>
+          </p:cNvPr>
+          <p:cNvSpPr txBox="1"/>
+          <p:nvPr/>
+        </p:nvSpPr>
+        <p:spPr>
+          <a:xfrm>
+            <a:off x="1735263" y="4996407"/>
+            <a:ext cx="1361270" cy="246221"/>
+          </a:xfrm>
+          <a:prstGeom prst="rect">
+            <a:avLst/>
+          </a:prstGeom>
+          <a:noFill/>
+        </p:spPr>
+        <p:txBody>
+          <a:bodyPr wrap="none" rtlCol="0">
+            <a:spAutoFit/>
+          </a:bodyPr>
+          <a:lstStyle/>
+          <a:p>
+            <a:r>
+              <a:rPr lang="en-US" sz="1000" b="1" dirty="0">
+                <a:latin typeface="Times New Roman" panose="02020603050405020304" pitchFamily="18" charset="0"/>
+                <a:cs typeface="Times New Roman" panose="02020603050405020304" pitchFamily="18" charset="0"/>
+              </a:rPr>
+              <a:t>Heavy Manual Effort</a:t>
+            </a:r>
+          </a:p>
+        </p:txBody>
+      </p:sp>
+      <p:sp>
+        <p:nvSpPr>
+          <p:cNvPr id="15" name="TextBox 14">
+            <a:extLst>
+              <a:ext uri="{FF2B5EF4-FFF2-40B4-BE49-F238E27FC236}">
+                <a16:creationId xmlns:a16="http://schemas.microsoft.com/office/drawing/2014/main" id="{288C4CEC-0613-FE18-BA88-1110FF0FE7F4}"/>
+              </a:ext>
+            </a:extLst>
+          </p:cNvPr>
+          <p:cNvSpPr txBox="1"/>
+          <p:nvPr/>
+        </p:nvSpPr>
+        <p:spPr>
+          <a:xfrm>
+            <a:off x="1051084" y="5836376"/>
+            <a:ext cx="1798506" cy="369332"/>
+          </a:xfrm>
+          <a:prstGeom prst="rect">
+            <a:avLst/>
+          </a:prstGeom>
+          <a:noFill/>
+        </p:spPr>
+        <p:txBody>
+          <a:bodyPr wrap="none" rtlCol="0">
+            <a:spAutoFit/>
+          </a:bodyPr>
+          <a:lstStyle/>
+          <a:p>
+            <a:r>
+              <a:rPr lang="en-US" b="1" dirty="0">
+                <a:solidFill>
+                  <a:srgbClr val="92D050"/>
+                </a:solidFill>
+                <a:latin typeface="Times New Roman" panose="02020603050405020304" pitchFamily="18" charset="0"/>
+                <a:cs typeface="Times New Roman" panose="02020603050405020304" pitchFamily="18" charset="0"/>
+              </a:rPr>
+              <a:t>Traditional Way</a:t>
+            </a:r>
+          </a:p>
+        </p:txBody>
+      </p:sp>
+      <p:sp>
+        <p:nvSpPr>
+          <p:cNvPr id="16" name="Arrow: Bent 15">
+            <a:extLst>
+              <a:ext uri="{FF2B5EF4-FFF2-40B4-BE49-F238E27FC236}">
+                <a16:creationId xmlns:a16="http://schemas.microsoft.com/office/drawing/2014/main" id="{6BB9D5BF-B3AD-F54E-1BAE-D22DB97A5EA9}"/>
+              </a:ext>
+            </a:extLst>
+          </p:cNvPr>
+          <p:cNvSpPr/>
+          <p:nvPr/>
+        </p:nvSpPr>
+        <p:spPr>
+          <a:xfrm rot="5400000">
+            <a:off x="9080016" y="1575295"/>
+            <a:ext cx="783959" cy="3431618"/>
+          </a:xfrm>
+          <a:prstGeom prst="bentArrow">
+            <a:avLst/>
+          </a:prstGeom>
+          <a:solidFill>
+            <a:schemeClr val="tx1">
+              <a:lumMod val="25000"/>
+              <a:lumOff val="75000"/>
+            </a:schemeClr>
+          </a:solidFill>
+          <a:ln>
+            <a:noFill/>
+          </a:ln>
+        </p:spPr>
+        <p:style>
+          <a:lnRef idx="2">
+            <a:schemeClr val="accent1">
+              <a:shade val="50000"/>
+            </a:schemeClr>
+          </a:lnRef>
+          <a:fillRef idx="1">
+            <a:schemeClr val="accent1"/>
+          </a:fillRef>
+          <a:effectRef idx="0">
+            <a:schemeClr val="accent1"/>
+          </a:effectRef>
+          <a:fontRef idx="minor">
+            <a:schemeClr val="lt1"/>
+          </a:fontRef>
+        </p:style>
+        <p:txBody>
+          <a:bodyPr rtlCol="0" anchor="ctr"/>
+          <a:lstStyle/>
+          <a:p>
+            <a:pPr algn="ctr"/>
+            <a:endParaRPr lang="en-US">
+              <a:solidFill>
+                <a:schemeClr val="tx1"/>
+              </a:solidFill>
+            </a:endParaRPr>
+          </a:p>
+        </p:txBody>
+      </p:sp>
+      <p:pic>
+        <p:nvPicPr>
+          <p:cNvPr id="1030" name="Picture 6" descr="ChatGPT icon PNG and SVG Vector Free Download">
+            <a:extLst>
+              <a:ext uri="{FF2B5EF4-FFF2-40B4-BE49-F238E27FC236}">
+                <a16:creationId xmlns:a16="http://schemas.microsoft.com/office/drawing/2014/main" id="{9A58CB81-C9EF-F4BD-515E-F8B7A1928565}"/>
+              </a:ext>
+            </a:extLst>
+          </p:cNvPr>
+          <p:cNvPicPr>
+            <a:picLocks noChangeAspect="1" noChangeArrowheads="1"/>
+          </p:cNvPicPr>
+          <p:nvPr/>
+        </p:nvPicPr>
+        <p:blipFill>
+          <a:blip r:embed="rId4" cstate="print">
+            <a:extLst>
+              <a:ext uri="{28A0092B-C50C-407E-A947-70E740481C1C}">
+                <a14:useLocalDpi xmlns:a14="http://schemas.microsoft.com/office/drawing/2010/main" val="0"/>
+              </a:ext>
+            </a:extLst>
+          </a:blip>
+          <a:srcRect/>
+          <a:stretch>
+            <a:fillRect/>
+          </a:stretch>
+        </p:blipFill>
+        <p:spPr bwMode="auto">
+          <a:xfrm>
+            <a:off x="9000894" y="2108329"/>
+            <a:ext cx="403597" cy="403597"/>
+          </a:xfrm>
+          <a:prstGeom prst="rect">
+            <a:avLst/>
+          </a:prstGeom>
+          <a:noFill/>
+          <a:extLst>
+            <a:ext uri="{909E8E84-426E-40DD-AFC4-6F175D3DCCD1}">
+              <a14:hiddenFill xmlns:a14="http://schemas.microsoft.com/office/drawing/2010/main">
+                <a:solidFill>
+                  <a:srgbClr val="FFFFFF"/>
+                </a:solidFill>
+              </a14:hiddenFill>
+            </a:ext>
+          </a:extLst>
+        </p:spPr>
+      </p:pic>
+      <p:sp>
+        <p:nvSpPr>
+          <p:cNvPr id="21" name="TextBox 20">
+            <a:extLst>
+              <a:ext uri="{FF2B5EF4-FFF2-40B4-BE49-F238E27FC236}">
+                <a16:creationId xmlns:a16="http://schemas.microsoft.com/office/drawing/2014/main" id="{577234F2-5B96-D30F-38BB-CFD346EF1B4B}"/>
+              </a:ext>
+            </a:extLst>
+          </p:cNvPr>
+          <p:cNvSpPr txBox="1"/>
+          <p:nvPr/>
+        </p:nvSpPr>
+        <p:spPr>
+          <a:xfrm>
+            <a:off x="7871312" y="2574287"/>
+            <a:ext cx="3002605" cy="246221"/>
+          </a:xfrm>
+          <a:prstGeom prst="rect">
+            <a:avLst/>
+          </a:prstGeom>
+          <a:noFill/>
+        </p:spPr>
+        <p:txBody>
+          <a:bodyPr wrap="square" rtlCol="0">
+            <a:spAutoFit/>
+          </a:bodyPr>
+          <a:lstStyle/>
+          <a:p>
+            <a:r>
+              <a:rPr lang="en-US" sz="1000" b="1" dirty="0">
+                <a:latin typeface="Times New Roman" panose="02020603050405020304" pitchFamily="18" charset="0"/>
+                <a:cs typeface="Times New Roman" panose="02020603050405020304" pitchFamily="18" charset="0"/>
+              </a:rPr>
+              <a:t>Natural Language Processing  And Skill Generation</a:t>
+            </a:r>
+          </a:p>
+        </p:txBody>
+      </p:sp>
+      <p:sp>
+        <p:nvSpPr>
+          <p:cNvPr id="22" name="TextBox 21">
+            <a:extLst>
+              <a:ext uri="{FF2B5EF4-FFF2-40B4-BE49-F238E27FC236}">
+                <a16:creationId xmlns:a16="http://schemas.microsoft.com/office/drawing/2014/main" id="{1F4590A2-7B4C-A70D-287D-5E262C13229C}"/>
+              </a:ext>
+            </a:extLst>
+          </p:cNvPr>
+          <p:cNvSpPr txBox="1"/>
+          <p:nvPr/>
+        </p:nvSpPr>
+        <p:spPr>
+          <a:xfrm>
+            <a:off x="8596244" y="3404875"/>
+            <a:ext cx="1212896" cy="369332"/>
+          </a:xfrm>
+          <a:prstGeom prst="rect">
+            <a:avLst/>
+          </a:prstGeom>
+          <a:noFill/>
+        </p:spPr>
+        <p:txBody>
+          <a:bodyPr wrap="none" rtlCol="0">
+            <a:spAutoFit/>
+          </a:bodyPr>
+          <a:lstStyle/>
+          <a:p>
+            <a:r>
+              <a:rPr lang="en-US" b="1" dirty="0">
+                <a:solidFill>
+                  <a:srgbClr val="92D050"/>
+                </a:solidFill>
+                <a:latin typeface="Times New Roman" panose="02020603050405020304" pitchFamily="18" charset="0"/>
+                <a:cs typeface="Times New Roman" panose="02020603050405020304" pitchFamily="18" charset="0"/>
+              </a:rPr>
+              <a:t>LLM Way</a:t>
+            </a:r>
           </a:p>
         </p:txBody>
       </p:sp>
@@ -6088,7 +7302,7 @@
           <a:p>
             <a:r>
               <a:rPr lang="en-US" dirty="0"/>
-              <a:t>Problem to resolve</a:t>
+              <a:t>How ADE Copilot solve this problem</a:t>
             </a:r>
           </a:p>
           <a:p>
@@ -6102,6 +7316,897 @@
               <a:t>based on skill source code</a:t>
             </a:r>
             <a:endParaRPr lang="en-US" dirty="0"/>
+          </a:p>
+        </p:txBody>
+      </p:sp>
+      <p:graphicFrame>
+        <p:nvGraphicFramePr>
+          <p:cNvPr id="2" name="Table 3">
+            <a:extLst>
+              <a:ext uri="{FF2B5EF4-FFF2-40B4-BE49-F238E27FC236}">
+                <a16:creationId xmlns:a16="http://schemas.microsoft.com/office/drawing/2014/main" id="{00A79C84-1664-BE3A-FE88-5CB735406983}"/>
+              </a:ext>
+            </a:extLst>
+          </p:cNvPr>
+          <p:cNvGraphicFramePr>
+            <a:graphicFrameLocks noGrp="1"/>
+          </p:cNvGraphicFramePr>
+          <p:nvPr>
+            <p:extLst>
+              <p:ext uri="{D42A27DB-BD31-4B8C-83A1-F6EECF244321}">
+                <p14:modId xmlns:p14="http://schemas.microsoft.com/office/powerpoint/2010/main" val="3369417816"/>
+              </p:ext>
+            </p:extLst>
+          </p:nvPr>
+        </p:nvGraphicFramePr>
+        <p:xfrm>
+          <a:off x="1098145" y="1959978"/>
+          <a:ext cx="5471268" cy="2290304"/>
+        </p:xfrm>
+        <a:graphic>
+          <a:graphicData uri="http://schemas.openxmlformats.org/drawingml/2006/table">
+            <a:tbl>
+              <a:tblPr firstRow="1" bandRow="1">
+                <a:tableStyleId>{5C22544A-7EE6-4342-B048-85BDC9FD1C3A}</a:tableStyleId>
+              </a:tblPr>
+              <a:tblGrid>
+                <a:gridCol w="1385925">
+                  <a:extLst>
+                    <a:ext uri="{9D8B030D-6E8A-4147-A177-3AD203B41FA5}">
+                      <a16:colId xmlns:a16="http://schemas.microsoft.com/office/drawing/2014/main" val="612624613"/>
+                    </a:ext>
+                  </a:extLst>
+                </a:gridCol>
+                <a:gridCol w="4085343">
+                  <a:extLst>
+                    <a:ext uri="{9D8B030D-6E8A-4147-A177-3AD203B41FA5}">
+                      <a16:colId xmlns:a16="http://schemas.microsoft.com/office/drawing/2014/main" val="2184955252"/>
+                    </a:ext>
+                  </a:extLst>
+                </a:gridCol>
+              </a:tblGrid>
+              <a:tr h="229496">
+                <a:tc>
+                  <a:txBody>
+                    <a:bodyPr/>
+                    <a:lstStyle/>
+                    <a:p>
+                      <a:pPr algn="ctr"/>
+                      <a:r>
+                        <a:rPr lang="en-US" altLang="zh-CN" sz="1800" dirty="0"/>
+                        <a:t>ID</a:t>
+                      </a:r>
+                      <a:endParaRPr lang="en-US" sz="1800" dirty="0"/>
+                    </a:p>
+                  </a:txBody>
+                  <a:tcPr/>
+                </a:tc>
+                <a:tc>
+                  <a:txBody>
+                    <a:bodyPr/>
+                    <a:lstStyle/>
+                    <a:p>
+                      <a:pPr algn="ctr"/>
+                      <a:r>
+                        <a:rPr lang="en-US" sz="1800" dirty="0"/>
+                        <a:t>Instruction</a:t>
+                      </a:r>
+                    </a:p>
+                  </a:txBody>
+                  <a:tcPr/>
+                </a:tc>
+                <a:extLst>
+                  <a:ext uri="{0D108BD9-81ED-4DB2-BD59-A6C34878D82A}">
+                    <a16:rowId xmlns:a16="http://schemas.microsoft.com/office/drawing/2014/main" val="246115639"/>
+                  </a:ext>
+                </a:extLst>
+              </a:tr>
+              <a:tr h="550792">
+                <a:tc>
+                  <a:txBody>
+                    <a:bodyPr/>
+                    <a:lstStyle/>
+                    <a:p>
+                      <a:pPr marL="0" algn="ctr" defTabSz="914400" rtl="0" eaLnBrk="1" latinLnBrk="0" hangingPunct="1"/>
+                      <a:r>
+                        <a:rPr lang="en-US" sz="1400" kern="1200" dirty="0">
+                          <a:solidFill>
+                            <a:schemeClr val="dk1"/>
+                          </a:solidFill>
+                          <a:latin typeface="+mn-lt"/>
+                          <a:ea typeface="+mn-ea"/>
+                          <a:cs typeface="+mn-cs"/>
+                        </a:rPr>
+                        <a:t>1</a:t>
+                      </a:r>
+                    </a:p>
+                  </a:txBody>
+                  <a:tcPr/>
+                </a:tc>
+                <a:tc>
+                  <a:txBody>
+                    <a:bodyPr/>
+                    <a:lstStyle/>
+                    <a:p>
+                      <a:pPr marL="0" algn="ctr" defTabSz="914400" rtl="0" eaLnBrk="1" latinLnBrk="0" hangingPunct="1"/>
+                      <a:r>
+                        <a:rPr lang="en-US" sz="1400" kern="1200" dirty="0">
+                          <a:solidFill>
+                            <a:schemeClr val="dk1"/>
+                          </a:solidFill>
+                          <a:latin typeface="+mn-lt"/>
+                          <a:ea typeface="+mn-ea"/>
+                          <a:cs typeface="+mn-cs"/>
+                        </a:rPr>
+                        <a:t>Returns the X value where a signal crosses the threshold Y value</a:t>
+                      </a:r>
+                    </a:p>
+                  </a:txBody>
+                  <a:tcPr/>
+                </a:tc>
+                <a:extLst>
+                  <a:ext uri="{0D108BD9-81ED-4DB2-BD59-A6C34878D82A}">
+                    <a16:rowId xmlns:a16="http://schemas.microsoft.com/office/drawing/2014/main" val="2778738142"/>
+                  </a:ext>
+                </a:extLst>
+              </a:tr>
+              <a:tr h="390144">
+                <a:tc>
+                  <a:txBody>
+                    <a:bodyPr/>
+                    <a:lstStyle/>
+                    <a:p>
+                      <a:pPr marL="0" algn="ctr" defTabSz="914400" rtl="0" eaLnBrk="1" latinLnBrk="0" hangingPunct="1"/>
+                      <a:r>
+                        <a:rPr lang="en-US" sz="1400" kern="1200" dirty="0">
+                          <a:solidFill>
+                            <a:schemeClr val="dk1"/>
+                          </a:solidFill>
+                          <a:latin typeface="+mn-lt"/>
+                          <a:ea typeface="+mn-ea"/>
+                          <a:cs typeface="+mn-cs"/>
+                        </a:rPr>
+                        <a:t>2</a:t>
+                      </a:r>
+                    </a:p>
+                  </a:txBody>
+                  <a:tcPr/>
+                </a:tc>
+                <a:tc>
+                  <a:txBody>
+                    <a:bodyPr/>
+                    <a:lstStyle/>
+                    <a:p>
+                      <a:pPr marL="0" algn="ctr" defTabSz="914400" rtl="0" eaLnBrk="1" latinLnBrk="0" hangingPunct="1"/>
+                      <a:r>
+                        <a:rPr lang="en-US" sz="1400" dirty="0"/>
+                        <a:t>Computes the average of a waveform over its entire range</a:t>
+                      </a:r>
+                      <a:endParaRPr lang="en-US" sz="1400" kern="1200" dirty="0">
+                        <a:solidFill>
+                          <a:schemeClr val="dk1"/>
+                        </a:solidFill>
+                        <a:latin typeface="+mn-lt"/>
+                        <a:ea typeface="+mn-ea"/>
+                        <a:cs typeface="+mn-cs"/>
+                      </a:endParaRPr>
+                    </a:p>
+                  </a:txBody>
+                  <a:tcPr/>
+                </a:tc>
+                <a:extLst>
+                  <a:ext uri="{0D108BD9-81ED-4DB2-BD59-A6C34878D82A}">
+                    <a16:rowId xmlns:a16="http://schemas.microsoft.com/office/drawing/2014/main" val="1877399100"/>
+                  </a:ext>
+                </a:extLst>
+              </a:tr>
+              <a:tr h="550792">
+                <a:tc>
+                  <a:txBody>
+                    <a:bodyPr/>
+                    <a:lstStyle/>
+                    <a:p>
+                      <a:pPr marL="0" algn="ctr" defTabSz="914400" rtl="0" eaLnBrk="1" latinLnBrk="0" hangingPunct="1"/>
+                      <a:r>
+                        <a:rPr lang="en-US" sz="1400" kern="1200" dirty="0">
+                          <a:solidFill>
+                            <a:schemeClr val="dk1"/>
+                          </a:solidFill>
+                          <a:latin typeface="+mn-lt"/>
+                          <a:ea typeface="+mn-ea"/>
+                          <a:cs typeface="+mn-cs"/>
+                        </a:rPr>
+                        <a:t>3</a:t>
+                      </a:r>
+                    </a:p>
+                  </a:txBody>
+                  <a:tcPr/>
+                </a:tc>
+                <a:tc>
+                  <a:txBody>
+                    <a:bodyPr/>
+                    <a:lstStyle/>
+                    <a:p>
+                      <a:pPr marL="0" algn="ctr" defTabSz="914400" rtl="0" eaLnBrk="1" latinLnBrk="0" hangingPunct="1"/>
+                      <a:r>
+                        <a:rPr lang="en-US" sz="1400" dirty="0"/>
+                        <a:t>Stores the output value from one test and passes it on to another test.</a:t>
+                      </a:r>
+                      <a:endParaRPr lang="en-US" sz="1400" kern="1200" dirty="0">
+                        <a:solidFill>
+                          <a:schemeClr val="dk1"/>
+                        </a:solidFill>
+                        <a:latin typeface="+mn-lt"/>
+                        <a:ea typeface="+mn-ea"/>
+                        <a:cs typeface="+mn-cs"/>
+                      </a:endParaRPr>
+                    </a:p>
+                  </a:txBody>
+                  <a:tcPr/>
+                </a:tc>
+                <a:extLst>
+                  <a:ext uri="{0D108BD9-81ED-4DB2-BD59-A6C34878D82A}">
+                    <a16:rowId xmlns:a16="http://schemas.microsoft.com/office/drawing/2014/main" val="3971168402"/>
+                  </a:ext>
+                </a:extLst>
+              </a:tr>
+              <a:tr h="229496">
+                <a:tc>
+                  <a:txBody>
+                    <a:bodyPr/>
+                    <a:lstStyle/>
+                    <a:p>
+                      <a:pPr marL="0" algn="ctr" defTabSz="914400" rtl="0" eaLnBrk="1" latinLnBrk="0" hangingPunct="1"/>
+                      <a:r>
+                        <a:rPr lang="en-US" sz="1400" kern="1200" dirty="0">
+                          <a:solidFill>
+                            <a:schemeClr val="dk1"/>
+                          </a:solidFill>
+                          <a:latin typeface="+mn-lt"/>
+                          <a:ea typeface="+mn-ea"/>
+                          <a:cs typeface="+mn-cs"/>
+                        </a:rPr>
+                        <a:t>4</a:t>
+                      </a:r>
+                    </a:p>
+                  </a:txBody>
+                  <a:tcPr/>
+                </a:tc>
+                <a:tc>
+                  <a:txBody>
+                    <a:bodyPr/>
+                    <a:lstStyle/>
+                    <a:p>
+                      <a:pPr marL="0" algn="ctr" defTabSz="914400" rtl="0" eaLnBrk="1" latinLnBrk="0" hangingPunct="1"/>
+                      <a:r>
+                        <a:rPr lang="en-US" sz="1400" kern="1200" dirty="0">
+                          <a:solidFill>
+                            <a:schemeClr val="dk1"/>
+                          </a:solidFill>
+                          <a:latin typeface="+mn-lt"/>
+                          <a:ea typeface="+mn-ea"/>
+                          <a:cs typeface="+mn-cs"/>
+                        </a:rPr>
+                        <a:t>…</a:t>
+                      </a:r>
+                    </a:p>
+                  </a:txBody>
+                  <a:tcPr/>
+                </a:tc>
+                <a:extLst>
+                  <a:ext uri="{0D108BD9-81ED-4DB2-BD59-A6C34878D82A}">
+                    <a16:rowId xmlns:a16="http://schemas.microsoft.com/office/drawing/2014/main" val="1668837078"/>
+                  </a:ext>
+                </a:extLst>
+              </a:tr>
+            </a:tbl>
+          </a:graphicData>
+        </a:graphic>
+      </p:graphicFrame>
+      <p:graphicFrame>
+        <p:nvGraphicFramePr>
+          <p:cNvPr id="4" name="Table 3">
+            <a:extLst>
+              <a:ext uri="{FF2B5EF4-FFF2-40B4-BE49-F238E27FC236}">
+                <a16:creationId xmlns:a16="http://schemas.microsoft.com/office/drawing/2014/main" id="{4CB1682E-9194-6158-2BE9-F2FF316BCF63}"/>
+              </a:ext>
+            </a:extLst>
+          </p:cNvPr>
+          <p:cNvGraphicFramePr>
+            <a:graphicFrameLocks noGrp="1"/>
+          </p:cNvGraphicFramePr>
+          <p:nvPr>
+            <p:extLst>
+              <p:ext uri="{D42A27DB-BD31-4B8C-83A1-F6EECF244321}">
+                <p14:modId xmlns:p14="http://schemas.microsoft.com/office/powerpoint/2010/main" val="1424738020"/>
+              </p:ext>
+            </p:extLst>
+          </p:nvPr>
+        </p:nvGraphicFramePr>
+        <p:xfrm>
+          <a:off x="1054911" y="4607021"/>
+          <a:ext cx="5471268" cy="1891702"/>
+        </p:xfrm>
+        <a:graphic>
+          <a:graphicData uri="http://schemas.openxmlformats.org/drawingml/2006/table">
+            <a:tbl>
+              <a:tblPr firstRow="1" bandRow="1">
+                <a:tableStyleId>{5C22544A-7EE6-4342-B048-85BDC9FD1C3A}</a:tableStyleId>
+              </a:tblPr>
+              <a:tblGrid>
+                <a:gridCol w="1342465">
+                  <a:extLst>
+                    <a:ext uri="{9D8B030D-6E8A-4147-A177-3AD203B41FA5}">
+                      <a16:colId xmlns:a16="http://schemas.microsoft.com/office/drawing/2014/main" val="612624613"/>
+                    </a:ext>
+                  </a:extLst>
+                </a:gridCol>
+                <a:gridCol w="4128803">
+                  <a:extLst>
+                    <a:ext uri="{9D8B030D-6E8A-4147-A177-3AD203B41FA5}">
+                      <a16:colId xmlns:a16="http://schemas.microsoft.com/office/drawing/2014/main" val="2184955252"/>
+                    </a:ext>
+                  </a:extLst>
+                </a:gridCol>
+              </a:tblGrid>
+              <a:tr h="269512">
+                <a:tc>
+                  <a:txBody>
+                    <a:bodyPr/>
+                    <a:lstStyle/>
+                    <a:p>
+                      <a:pPr marL="0" algn="ctr" defTabSz="914400" rtl="0" eaLnBrk="1" latinLnBrk="0" hangingPunct="1"/>
+                      <a:r>
+                        <a:rPr lang="en-US" altLang="zh-CN" sz="1800" kern="1200" dirty="0">
+                          <a:solidFill>
+                            <a:schemeClr val="dk1"/>
+                          </a:solidFill>
+                          <a:latin typeface="+mn-lt"/>
+                          <a:ea typeface="+mn-ea"/>
+                          <a:cs typeface="+mn-cs"/>
+                        </a:rPr>
+                        <a:t>ID</a:t>
+                      </a:r>
+                      <a:endParaRPr lang="en-US" sz="1800" kern="1200" dirty="0">
+                        <a:solidFill>
+                          <a:schemeClr val="dk1"/>
+                        </a:solidFill>
+                        <a:latin typeface="+mn-lt"/>
+                        <a:ea typeface="+mn-ea"/>
+                        <a:cs typeface="+mn-cs"/>
+                      </a:endParaRPr>
+                    </a:p>
+                  </a:txBody>
+                  <a:tcPr/>
+                </a:tc>
+                <a:tc>
+                  <a:txBody>
+                    <a:bodyPr/>
+                    <a:lstStyle/>
+                    <a:p>
+                      <a:pPr marL="0" algn="ctr" defTabSz="914400" rtl="0" eaLnBrk="1" latinLnBrk="0" hangingPunct="1"/>
+                      <a:r>
+                        <a:rPr lang="en-US" sz="1800" kern="1200" dirty="0">
+                          <a:solidFill>
+                            <a:schemeClr val="dk1"/>
+                          </a:solidFill>
+                          <a:latin typeface="+mn-lt"/>
+                          <a:ea typeface="+mn-ea"/>
+                          <a:cs typeface="+mn-cs"/>
+                        </a:rPr>
+                        <a:t>Ref Method</a:t>
+                      </a:r>
+                    </a:p>
+                  </a:txBody>
+                  <a:tcPr/>
+                </a:tc>
+                <a:extLst>
+                  <a:ext uri="{0D108BD9-81ED-4DB2-BD59-A6C34878D82A}">
+                    <a16:rowId xmlns:a16="http://schemas.microsoft.com/office/drawing/2014/main" val="246115639"/>
+                  </a:ext>
+                </a:extLst>
+              </a:tr>
+              <a:tr h="458171">
+                <a:tc>
+                  <a:txBody>
+                    <a:bodyPr/>
+                    <a:lstStyle/>
+                    <a:p>
+                      <a:pPr marL="0" algn="ctr" defTabSz="914400" rtl="0" eaLnBrk="1" latinLnBrk="0" hangingPunct="1"/>
+                      <a:r>
+                        <a:rPr lang="en-US" sz="1400" kern="1200" dirty="0">
+                          <a:solidFill>
+                            <a:schemeClr val="dk1"/>
+                          </a:solidFill>
+                          <a:latin typeface="+mn-lt"/>
+                          <a:ea typeface="+mn-ea"/>
+                          <a:cs typeface="+mn-cs"/>
+                        </a:rPr>
+                        <a:t>1</a:t>
+                      </a:r>
+                    </a:p>
+                  </a:txBody>
+                  <a:tcPr/>
+                </a:tc>
+                <a:tc>
+                  <a:txBody>
+                    <a:bodyPr/>
+                    <a:lstStyle/>
+                    <a:p>
+                      <a:pPr marL="0" algn="ctr" defTabSz="914400" rtl="0" eaLnBrk="1" latinLnBrk="0" hangingPunct="1"/>
+                      <a:r>
+                        <a:rPr lang="en-US" sz="1400" kern="1200" dirty="0">
+                          <a:solidFill>
+                            <a:schemeClr val="dk1"/>
+                          </a:solidFill>
+                          <a:latin typeface="+mn-lt"/>
+                          <a:ea typeface="+mn-ea"/>
+                          <a:cs typeface="+mn-cs"/>
+                        </a:rPr>
+                        <a:t>cross(v("1" ?result "</a:t>
+                      </a:r>
+                      <a:r>
+                        <a:rPr lang="en-US" sz="1400" kern="1200" dirty="0" err="1">
+                          <a:solidFill>
+                            <a:schemeClr val="dk1"/>
+                          </a:solidFill>
+                          <a:latin typeface="+mn-lt"/>
+                          <a:ea typeface="+mn-ea"/>
+                          <a:cs typeface="+mn-cs"/>
+                        </a:rPr>
+                        <a:t>tran</a:t>
+                      </a:r>
+                      <a:r>
+                        <a:rPr lang="en-US" sz="1400" kern="1200" dirty="0">
+                          <a:solidFill>
+                            <a:schemeClr val="dk1"/>
+                          </a:solidFill>
+                          <a:latin typeface="+mn-lt"/>
+                          <a:ea typeface="+mn-ea"/>
+                          <a:cs typeface="+mn-cs"/>
+                        </a:rPr>
+                        <a:t>") 2.5 1 "either" t "time" ) </a:t>
+                      </a:r>
+                    </a:p>
+                  </a:txBody>
+                  <a:tcPr/>
+                </a:tc>
+                <a:extLst>
+                  <a:ext uri="{0D108BD9-81ED-4DB2-BD59-A6C34878D82A}">
+                    <a16:rowId xmlns:a16="http://schemas.microsoft.com/office/drawing/2014/main" val="2778738142"/>
+                  </a:ext>
+                </a:extLst>
+              </a:tr>
+              <a:tr h="458171">
+                <a:tc>
+                  <a:txBody>
+                    <a:bodyPr/>
+                    <a:lstStyle/>
+                    <a:p>
+                      <a:pPr marL="0" algn="ctr" defTabSz="914400" rtl="0" eaLnBrk="1" latinLnBrk="0" hangingPunct="1"/>
+                      <a:r>
+                        <a:rPr lang="en-US" sz="1400" kern="1200" dirty="0">
+                          <a:solidFill>
+                            <a:schemeClr val="dk1"/>
+                          </a:solidFill>
+                          <a:latin typeface="+mn-lt"/>
+                          <a:ea typeface="+mn-ea"/>
+                          <a:cs typeface="+mn-cs"/>
+                        </a:rPr>
+                        <a:t>2</a:t>
+                      </a:r>
+                    </a:p>
+                  </a:txBody>
+                  <a:tcPr/>
+                </a:tc>
+                <a:tc>
+                  <a:txBody>
+                    <a:bodyPr/>
+                    <a:lstStyle/>
+                    <a:p>
+                      <a:pPr marL="0" algn="ctr" defTabSz="914400" rtl="0" eaLnBrk="1" latinLnBrk="0" hangingPunct="1"/>
+                      <a:r>
+                        <a:rPr lang="en-US" sz="1400" dirty="0"/>
+                        <a:t>average(v("out" ?result "</a:t>
+                      </a:r>
+                      <a:r>
+                        <a:rPr lang="en-US" sz="1400" dirty="0" err="1"/>
+                        <a:t>tran-tran</a:t>
+                      </a:r>
+                      <a:r>
+                        <a:rPr lang="en-US" sz="1400" dirty="0"/>
+                        <a:t>"))</a:t>
+                      </a:r>
+                      <a:endParaRPr lang="en-US" sz="1400" kern="1200" dirty="0">
+                        <a:solidFill>
+                          <a:schemeClr val="dk1"/>
+                        </a:solidFill>
+                        <a:latin typeface="+mn-lt"/>
+                        <a:ea typeface="+mn-ea"/>
+                        <a:cs typeface="+mn-cs"/>
+                      </a:endParaRPr>
+                    </a:p>
+                  </a:txBody>
+                  <a:tcPr/>
+                </a:tc>
+                <a:extLst>
+                  <a:ext uri="{0D108BD9-81ED-4DB2-BD59-A6C34878D82A}">
+                    <a16:rowId xmlns:a16="http://schemas.microsoft.com/office/drawing/2014/main" val="1877399100"/>
+                  </a:ext>
+                </a:extLst>
+              </a:tr>
+              <a:tr h="269512">
+                <a:tc>
+                  <a:txBody>
+                    <a:bodyPr/>
+                    <a:lstStyle/>
+                    <a:p>
+                      <a:pPr marL="0" algn="ctr" defTabSz="914400" rtl="0" eaLnBrk="1" latinLnBrk="0" hangingPunct="1"/>
+                      <a:r>
+                        <a:rPr lang="en-US" sz="1400" kern="1200" dirty="0">
+                          <a:solidFill>
+                            <a:schemeClr val="dk1"/>
+                          </a:solidFill>
+                          <a:latin typeface="+mn-lt"/>
+                          <a:ea typeface="+mn-ea"/>
+                          <a:cs typeface="+mn-cs"/>
+                        </a:rPr>
+                        <a:t>3</a:t>
+                      </a:r>
+                    </a:p>
+                  </a:txBody>
+                  <a:tcPr/>
+                </a:tc>
+                <a:tc>
+                  <a:txBody>
+                    <a:bodyPr/>
+                    <a:lstStyle/>
+                    <a:p>
+                      <a:pPr marL="0" algn="ctr" defTabSz="914400" rtl="0" eaLnBrk="1" latinLnBrk="0" hangingPunct="1"/>
+                      <a:r>
+                        <a:rPr lang="en-US" sz="1400" kern="1200" dirty="0">
+                          <a:solidFill>
+                            <a:schemeClr val="dk1"/>
+                          </a:solidFill>
+                          <a:latin typeface="+mn-lt"/>
+                          <a:ea typeface="+mn-ea"/>
+                          <a:cs typeface="+mn-cs"/>
+                        </a:rPr>
+                        <a:t>calcVal(“trim” “</a:t>
+                      </a:r>
+                      <a:r>
+                        <a:rPr lang="en-US" sz="1400" kern="1200" dirty="0" err="1">
+                          <a:solidFill>
+                            <a:schemeClr val="dk1"/>
+                          </a:solidFill>
+                          <a:latin typeface="+mn-lt"/>
+                          <a:ea typeface="+mn-ea"/>
+                          <a:cs typeface="+mn-cs"/>
+                        </a:rPr>
+                        <a:t>myTest</a:t>
+                      </a:r>
+                      <a:r>
+                        <a:rPr lang="en-US" sz="1400" kern="1200" dirty="0">
+                          <a:solidFill>
+                            <a:schemeClr val="dk1"/>
+                          </a:solidFill>
+                          <a:latin typeface="+mn-lt"/>
+                          <a:ea typeface="+mn-ea"/>
+                          <a:cs typeface="+mn-cs"/>
+                        </a:rPr>
+                        <a:t>”)</a:t>
+                      </a:r>
+                    </a:p>
+                  </a:txBody>
+                  <a:tcPr/>
+                </a:tc>
+                <a:extLst>
+                  <a:ext uri="{0D108BD9-81ED-4DB2-BD59-A6C34878D82A}">
+                    <a16:rowId xmlns:a16="http://schemas.microsoft.com/office/drawing/2014/main" val="3971168402"/>
+                  </a:ext>
+                </a:extLst>
+              </a:tr>
+              <a:tr h="269512">
+                <a:tc>
+                  <a:txBody>
+                    <a:bodyPr/>
+                    <a:lstStyle/>
+                    <a:p>
+                      <a:pPr marL="0" algn="ctr" defTabSz="914400" rtl="0" eaLnBrk="1" latinLnBrk="0" hangingPunct="1"/>
+                      <a:r>
+                        <a:rPr lang="en-US" sz="1400" kern="1200" dirty="0">
+                          <a:solidFill>
+                            <a:schemeClr val="dk1"/>
+                          </a:solidFill>
+                          <a:latin typeface="+mn-lt"/>
+                          <a:ea typeface="+mn-ea"/>
+                          <a:cs typeface="+mn-cs"/>
+                        </a:rPr>
+                        <a:t>4</a:t>
+                      </a:r>
+                    </a:p>
+                  </a:txBody>
+                  <a:tcPr/>
+                </a:tc>
+                <a:tc>
+                  <a:txBody>
+                    <a:bodyPr/>
+                    <a:lstStyle/>
+                    <a:p>
+                      <a:pPr marL="0" algn="ctr" defTabSz="914400" rtl="0" eaLnBrk="1" latinLnBrk="0" hangingPunct="1"/>
+                      <a:r>
+                        <a:rPr lang="en-US" sz="1400" kern="1200" dirty="0">
+                          <a:solidFill>
+                            <a:schemeClr val="dk1"/>
+                          </a:solidFill>
+                          <a:latin typeface="+mn-lt"/>
+                          <a:ea typeface="+mn-ea"/>
+                          <a:cs typeface="+mn-cs"/>
+                        </a:rPr>
+                        <a:t>…</a:t>
+                      </a:r>
+                    </a:p>
+                  </a:txBody>
+                  <a:tcPr/>
+                </a:tc>
+                <a:extLst>
+                  <a:ext uri="{0D108BD9-81ED-4DB2-BD59-A6C34878D82A}">
+                    <a16:rowId xmlns:a16="http://schemas.microsoft.com/office/drawing/2014/main" val="1668837078"/>
+                  </a:ext>
+                </a:extLst>
+              </a:tr>
+            </a:tbl>
+          </a:graphicData>
+        </a:graphic>
+      </p:graphicFrame>
+      <p:pic>
+        <p:nvPicPr>
+          <p:cNvPr id="5" name="Picture 2">
+            <a:extLst>
+              <a:ext uri="{FF2B5EF4-FFF2-40B4-BE49-F238E27FC236}">
+                <a16:creationId xmlns:a16="http://schemas.microsoft.com/office/drawing/2014/main" id="{D1CE5286-7072-7B7E-8162-65D1E0749A4A}"/>
+              </a:ext>
+            </a:extLst>
+          </p:cNvPr>
+          <p:cNvPicPr>
+            <a:picLocks noChangeAspect="1" noChangeArrowheads="1"/>
+          </p:cNvPicPr>
+          <p:nvPr/>
+        </p:nvPicPr>
+        <p:blipFill>
+          <a:blip r:embed="rId2" cstate="print">
+            <a:extLst>
+              <a:ext uri="{28A0092B-C50C-407E-A947-70E740481C1C}">
+                <a14:useLocalDpi xmlns:a14="http://schemas.microsoft.com/office/drawing/2010/main" val="0"/>
+              </a:ext>
+            </a:extLst>
+          </a:blip>
+          <a:srcRect/>
+          <a:stretch>
+            <a:fillRect/>
+          </a:stretch>
+        </p:blipFill>
+        <p:spPr bwMode="auto">
+          <a:xfrm>
+            <a:off x="8571632" y="2523043"/>
+            <a:ext cx="2472503" cy="2472503"/>
+          </a:xfrm>
+          <a:prstGeom prst="rect">
+            <a:avLst/>
+          </a:prstGeom>
+          <a:noFill/>
+          <a:extLst>
+            <a:ext uri="{909E8E84-426E-40DD-AFC4-6F175D3DCCD1}">
+              <a14:hiddenFill xmlns:a14="http://schemas.microsoft.com/office/drawing/2010/main">
+                <a:solidFill>
+                  <a:srgbClr val="FFFFFF"/>
+                </a:solidFill>
+              </a14:hiddenFill>
+            </a:ext>
+          </a:extLst>
+        </p:spPr>
+      </p:pic>
+      <p:sp>
+        <p:nvSpPr>
+          <p:cNvPr id="8" name="Rectangle 7">
+            <a:extLst>
+              <a:ext uri="{FF2B5EF4-FFF2-40B4-BE49-F238E27FC236}">
+                <a16:creationId xmlns:a16="http://schemas.microsoft.com/office/drawing/2014/main" id="{33539E7A-AF42-23ED-C74D-2468BA07B24F}"/>
+              </a:ext>
+            </a:extLst>
+          </p:cNvPr>
+          <p:cNvSpPr/>
+          <p:nvPr/>
+        </p:nvSpPr>
+        <p:spPr>
+          <a:xfrm>
+            <a:off x="490286" y="2777283"/>
+            <a:ext cx="607859" cy="584775"/>
+          </a:xfrm>
+          <a:prstGeom prst="rect">
+            <a:avLst/>
+          </a:prstGeom>
+          <a:noFill/>
+        </p:spPr>
+        <p:txBody>
+          <a:bodyPr wrap="square" lIns="91440" tIns="45720" rIns="91440" bIns="45720">
+            <a:spAutoFit/>
+          </a:bodyPr>
+          <a:lstStyle/>
+          <a:p>
+            <a:pPr algn="ctr"/>
+            <a:r>
+              <a:rPr lang="en-US" sz="3200" b="0" i="1" cap="none" spc="0" dirty="0">
+                <a:ln w="0"/>
+                <a:solidFill>
+                  <a:schemeClr val="tx1"/>
+                </a:solidFill>
+                <a:effectLst>
+                  <a:outerShdw blurRad="38100" dist="19050" dir="2700000" algn="tl" rotWithShape="0">
+                    <a:schemeClr val="dk1">
+                      <a:alpha val="40000"/>
+                    </a:schemeClr>
+                  </a:outerShdw>
+                </a:effectLst>
+                <a:latin typeface="Times New Roman" panose="02020603050405020304" pitchFamily="18" charset="0"/>
+                <a:cs typeface="Times New Roman" panose="02020603050405020304" pitchFamily="18" charset="0"/>
+              </a:rPr>
+              <a:t>X</a:t>
+            </a:r>
+          </a:p>
+        </p:txBody>
+      </p:sp>
+      <p:sp>
+        <p:nvSpPr>
+          <p:cNvPr id="10" name="Rectangle 9">
+            <a:extLst>
+              <a:ext uri="{FF2B5EF4-FFF2-40B4-BE49-F238E27FC236}">
+                <a16:creationId xmlns:a16="http://schemas.microsoft.com/office/drawing/2014/main" id="{04FF646C-D9B8-5282-8DF3-4D45690A95DC}"/>
+              </a:ext>
+            </a:extLst>
+          </p:cNvPr>
+          <p:cNvSpPr/>
+          <p:nvPr/>
+        </p:nvSpPr>
+        <p:spPr>
+          <a:xfrm>
+            <a:off x="447052" y="5277291"/>
+            <a:ext cx="607859" cy="584775"/>
+          </a:xfrm>
+          <a:prstGeom prst="rect">
+            <a:avLst/>
+          </a:prstGeom>
+          <a:noFill/>
+        </p:spPr>
+        <p:txBody>
+          <a:bodyPr wrap="square" lIns="91440" tIns="45720" rIns="91440" bIns="45720">
+            <a:spAutoFit/>
+          </a:bodyPr>
+          <a:lstStyle/>
+          <a:p>
+            <a:pPr algn="ctr"/>
+            <a:r>
+              <a:rPr lang="en-US" sz="3200" i="1" dirty="0">
+                <a:ln w="0"/>
+                <a:effectLst>
+                  <a:outerShdw blurRad="38100" dist="19050" dir="2700000" algn="tl" rotWithShape="0">
+                    <a:schemeClr val="dk1">
+                      <a:alpha val="40000"/>
+                    </a:schemeClr>
+                  </a:outerShdw>
+                </a:effectLst>
+                <a:latin typeface="Times New Roman" panose="02020603050405020304" pitchFamily="18" charset="0"/>
+                <a:cs typeface="Times New Roman" panose="02020603050405020304" pitchFamily="18" charset="0"/>
+              </a:rPr>
+              <a:t>Y</a:t>
+            </a:r>
+            <a:endParaRPr lang="en-US" sz="3200" b="0" i="1" cap="none" spc="0" dirty="0">
+              <a:ln w="0"/>
+              <a:solidFill>
+                <a:schemeClr val="tx1"/>
+              </a:solidFill>
+              <a:effectLst>
+                <a:outerShdw blurRad="38100" dist="19050" dir="2700000" algn="tl" rotWithShape="0">
+                  <a:schemeClr val="dk1">
+                    <a:alpha val="40000"/>
+                  </a:schemeClr>
+                </a:outerShdw>
+              </a:effectLst>
+              <a:latin typeface="Times New Roman" panose="02020603050405020304" pitchFamily="18" charset="0"/>
+              <a:cs typeface="Times New Roman" panose="02020603050405020304" pitchFamily="18" charset="0"/>
+            </a:endParaRPr>
+          </a:p>
+        </p:txBody>
+      </p:sp>
+      <p:sp>
+        <p:nvSpPr>
+          <p:cNvPr id="11" name="TextBox 10">
+            <a:extLst>
+              <a:ext uri="{FF2B5EF4-FFF2-40B4-BE49-F238E27FC236}">
+                <a16:creationId xmlns:a16="http://schemas.microsoft.com/office/drawing/2014/main" id="{193322DE-9807-93FC-701D-824B59AA398F}"/>
+              </a:ext>
+            </a:extLst>
+          </p:cNvPr>
+          <p:cNvSpPr txBox="1"/>
+          <p:nvPr/>
+        </p:nvSpPr>
+        <p:spPr>
+          <a:xfrm>
+            <a:off x="8623328" y="4810880"/>
+            <a:ext cx="2369110" cy="369332"/>
+          </a:xfrm>
+          <a:prstGeom prst="rect">
+            <a:avLst/>
+          </a:prstGeom>
+          <a:noFill/>
+        </p:spPr>
+        <p:txBody>
+          <a:bodyPr wrap="none" rtlCol="0">
+            <a:spAutoFit/>
+          </a:bodyPr>
+          <a:lstStyle/>
+          <a:p>
+            <a:r>
+              <a:rPr lang="en-US" b="1" dirty="0">
+                <a:latin typeface="Times New Roman" panose="02020603050405020304" pitchFamily="18" charset="0"/>
+                <a:cs typeface="Times New Roman" panose="02020603050405020304" pitchFamily="18" charset="0"/>
+              </a:rPr>
+              <a:t>ADE Copilot Training</a:t>
+            </a:r>
+          </a:p>
+        </p:txBody>
+      </p:sp>
+      <p:sp>
+        <p:nvSpPr>
+          <p:cNvPr id="12" name="Arrow: Right 11">
+            <a:extLst>
+              <a:ext uri="{FF2B5EF4-FFF2-40B4-BE49-F238E27FC236}">
+                <a16:creationId xmlns:a16="http://schemas.microsoft.com/office/drawing/2014/main" id="{1F38D297-D29D-52BD-1AC6-95894B185807}"/>
+              </a:ext>
+            </a:extLst>
+          </p:cNvPr>
+          <p:cNvSpPr/>
+          <p:nvPr/>
+        </p:nvSpPr>
+        <p:spPr>
+          <a:xfrm>
+            <a:off x="7232128" y="3755450"/>
+            <a:ext cx="1084083" cy="377072"/>
+          </a:xfrm>
+          <a:prstGeom prst="rightArrow">
+            <a:avLst/>
+          </a:prstGeom>
+          <a:solidFill>
+            <a:schemeClr val="bg1">
+              <a:lumMod val="85000"/>
+            </a:schemeClr>
+          </a:solidFill>
+          <a:ln>
+            <a:noFill/>
+          </a:ln>
+        </p:spPr>
+        <p:style>
+          <a:lnRef idx="2">
+            <a:schemeClr val="accent1">
+              <a:shade val="50000"/>
+            </a:schemeClr>
+          </a:lnRef>
+          <a:fillRef idx="1">
+            <a:schemeClr val="accent1"/>
+          </a:fillRef>
+          <a:effectRef idx="0">
+            <a:schemeClr val="accent1"/>
+          </a:effectRef>
+          <a:fontRef idx="minor">
+            <a:schemeClr val="lt1"/>
+          </a:fontRef>
+        </p:style>
+        <p:txBody>
+          <a:bodyPr rtlCol="0" anchor="ctr"/>
+          <a:lstStyle/>
+          <a:p>
+            <a:pPr algn="ctr"/>
+            <a:endParaRPr lang="en-US"/>
           </a:p>
         </p:txBody>
       </p:sp>
@@ -6186,22 +8291,166 @@
           <a:p>
             <a:r>
               <a:rPr lang="en-US" dirty="0"/>
-              <a:t>How ADE Copilot solves this problem</a:t>
+              <a:t>How ADE Copilot solve this problem</a:t>
             </a:r>
           </a:p>
           <a:p>
             <a:pPr lvl="1"/>
             <a:r>
               <a:rPr lang="en-US" dirty="0"/>
-              <a:t>Improper setting of job policy leads to waste of resources</a:t>
-            </a:r>
+              <a:t>NLP and </a:t>
+            </a:r>
+            <a:r>
+              <a:rPr lang="en-US" altLang="zh-CN" dirty="0"/>
+              <a:t>skill code generation</a:t>
+            </a:r>
+            <a:endParaRPr lang="en-US" dirty="0"/>
+          </a:p>
+        </p:txBody>
+      </p:sp>
+      <p:pic>
+        <p:nvPicPr>
+          <p:cNvPr id="5" name="Picture 2">
+            <a:extLst>
+              <a:ext uri="{FF2B5EF4-FFF2-40B4-BE49-F238E27FC236}">
+                <a16:creationId xmlns:a16="http://schemas.microsoft.com/office/drawing/2014/main" id="{D1CE5286-7072-7B7E-8162-65D1E0749A4A}"/>
+              </a:ext>
+            </a:extLst>
+          </p:cNvPr>
+          <p:cNvPicPr>
+            <a:picLocks noChangeAspect="1" noChangeArrowheads="1"/>
+          </p:cNvPicPr>
+          <p:nvPr/>
+        </p:nvPicPr>
+        <p:blipFill>
+          <a:blip r:embed="rId2" cstate="print">
+            <a:extLst>
+              <a:ext uri="{28A0092B-C50C-407E-A947-70E740481C1C}">
+                <a14:useLocalDpi xmlns:a14="http://schemas.microsoft.com/office/drawing/2010/main" val="0"/>
+              </a:ext>
+            </a:extLst>
+          </a:blip>
+          <a:srcRect/>
+          <a:stretch>
+            <a:fillRect/>
+          </a:stretch>
+        </p:blipFill>
+        <p:spPr bwMode="auto">
+          <a:xfrm>
+            <a:off x="8571632" y="2523043"/>
+            <a:ext cx="2472503" cy="2472503"/>
+          </a:xfrm>
+          <a:prstGeom prst="rect">
+            <a:avLst/>
+          </a:prstGeom>
+          <a:noFill/>
+          <a:extLst>
+            <a:ext uri="{909E8E84-426E-40DD-AFC4-6F175D3DCCD1}">
+              <a14:hiddenFill xmlns:a14="http://schemas.microsoft.com/office/drawing/2010/main">
+                <a:solidFill>
+                  <a:srgbClr val="FFFFFF"/>
+                </a:solidFill>
+              </a14:hiddenFill>
+            </a:ext>
+          </a:extLst>
+        </p:spPr>
+      </p:pic>
+      <p:sp>
+        <p:nvSpPr>
+          <p:cNvPr id="11" name="TextBox 10">
+            <a:extLst>
+              <a:ext uri="{FF2B5EF4-FFF2-40B4-BE49-F238E27FC236}">
+                <a16:creationId xmlns:a16="http://schemas.microsoft.com/office/drawing/2014/main" id="{193322DE-9807-93FC-701D-824B59AA398F}"/>
+              </a:ext>
+            </a:extLst>
+          </p:cNvPr>
+          <p:cNvSpPr txBox="1"/>
+          <p:nvPr/>
+        </p:nvSpPr>
+        <p:spPr>
+          <a:xfrm>
+            <a:off x="8623328" y="4810880"/>
+            <a:ext cx="2369110" cy="369332"/>
+          </a:xfrm>
+          <a:prstGeom prst="rect">
+            <a:avLst/>
+          </a:prstGeom>
+          <a:noFill/>
+        </p:spPr>
+        <p:txBody>
+          <a:bodyPr wrap="none" rtlCol="0">
+            <a:spAutoFit/>
+          </a:bodyPr>
+          <a:lstStyle/>
+          <a:p>
+            <a:r>
+              <a:rPr lang="en-US" b="1" dirty="0">
+                <a:latin typeface="Times New Roman" panose="02020603050405020304" pitchFamily="18" charset="0"/>
+                <a:cs typeface="Times New Roman" panose="02020603050405020304" pitchFamily="18" charset="0"/>
+              </a:rPr>
+              <a:t>ADE Copilot Training</a:t>
+            </a:r>
+          </a:p>
+        </p:txBody>
+      </p:sp>
+      <p:sp>
+        <p:nvSpPr>
+          <p:cNvPr id="12" name="Arrow: Right 11">
+            <a:extLst>
+              <a:ext uri="{FF2B5EF4-FFF2-40B4-BE49-F238E27FC236}">
+                <a16:creationId xmlns:a16="http://schemas.microsoft.com/office/drawing/2014/main" id="{1F38D297-D29D-52BD-1AC6-95894B185807}"/>
+              </a:ext>
+            </a:extLst>
+          </p:cNvPr>
+          <p:cNvSpPr/>
+          <p:nvPr/>
+        </p:nvSpPr>
+        <p:spPr>
+          <a:xfrm>
+            <a:off x="7232128" y="3755450"/>
+            <a:ext cx="1084083" cy="377072"/>
+          </a:xfrm>
+          <a:prstGeom prst="rightArrow">
+            <a:avLst/>
+          </a:prstGeom>
+          <a:solidFill>
+            <a:schemeClr val="bg1">
+              <a:lumMod val="85000"/>
+            </a:schemeClr>
+          </a:solidFill>
+          <a:ln>
+            <a:noFill/>
+          </a:ln>
+        </p:spPr>
+        <p:style>
+          <a:lnRef idx="2">
+            <a:schemeClr val="accent1">
+              <a:shade val="50000"/>
+            </a:schemeClr>
+          </a:lnRef>
+          <a:fillRef idx="1">
+            <a:schemeClr val="accent1"/>
+          </a:fillRef>
+          <a:effectRef idx="0">
+            <a:schemeClr val="accent1"/>
+          </a:effectRef>
+          <a:fontRef idx="minor">
+            <a:schemeClr val="lt1"/>
+          </a:fontRef>
+        </p:style>
+        <p:txBody>
+          <a:bodyPr rtlCol="0" anchor="ctr"/>
+          <a:lstStyle/>
+          <a:p>
+            <a:pPr algn="ctr"/>
+            <a:endParaRPr lang="en-US"/>
           </a:p>
         </p:txBody>
       </p:sp>
     </p:spTree>
     <p:extLst>
       <p:ext uri="{BB962C8B-B14F-4D97-AF65-F5344CB8AC3E}">
-        <p14:creationId xmlns:p14="http://schemas.microsoft.com/office/powerpoint/2010/main" val="444495271"/>
+        <p14:creationId xmlns:p14="http://schemas.microsoft.com/office/powerpoint/2010/main" val="3322809299"/>
       </p:ext>
     </p:extLst>
   </p:cSld>
@@ -6630,6 +8879,14 @@
             </a:r>
           </a:p>
           <a:p>
+            <a:pPr lvl="1"/>
+            <a:r>
+              <a:rPr lang="en-US" altLang="zh-CN" dirty="0"/>
+              <a:t>Fine Tune pre-trained LLM based on circuit dataset</a:t>
+            </a:r>
+            <a:endParaRPr lang="en-US" dirty="0"/>
+          </a:p>
+          <a:p>
             <a:endParaRPr lang="en-US" dirty="0"/>
           </a:p>
         </p:txBody>
@@ -6646,11 +8903,17 @@
           <p:cNvGraphicFramePr>
             <a:graphicFrameLocks/>
           </p:cNvGraphicFramePr>
-          <p:nvPr/>
+          <p:nvPr>
+            <p:extLst>
+              <p:ext uri="{D42A27DB-BD31-4B8C-83A1-F6EECF244321}">
+                <p14:modId xmlns:p14="http://schemas.microsoft.com/office/powerpoint/2010/main" val="907597501"/>
+              </p:ext>
+            </p:extLst>
+          </p:nvPr>
         </p:nvGraphicFramePr>
         <p:xfrm>
-          <a:off x="1423445" y="1666695"/>
-          <a:ext cx="6407603" cy="2617626"/>
+          <a:off x="1423443" y="1958502"/>
+          <a:ext cx="6407603" cy="2536249"/>
         </p:xfrm>
         <a:graphic>
           <a:graphicData uri="http://schemas.openxmlformats.org/drawingml/2006/table">
@@ -6688,7 +8951,7 @@
                   </a:extLst>
                 </a:gridCol>
               </a:tblGrid>
-              <a:tr h="622778">
+              <a:tr h="613740">
                 <a:tc>
                   <a:txBody>
                     <a:bodyPr/>
@@ -6752,7 +9015,7 @@
                   </a:ext>
                 </a:extLst>
               </a:tr>
-              <a:tr h="552485">
+              <a:tr h="529750">
                 <a:tc>
                   <a:txBody>
                     <a:bodyPr/>
@@ -6824,7 +9087,7 @@
                   </a:ext>
                 </a:extLst>
               </a:tr>
-              <a:tr h="552485">
+              <a:tr h="529750">
                 <a:tc>
                   <a:txBody>
                     <a:bodyPr/>
@@ -6896,7 +9159,7 @@
                   </a:ext>
                 </a:extLst>
               </a:tr>
-              <a:tr h="552485">
+              <a:tr h="529750">
                 <a:tc>
                   <a:txBody>
                     <a:bodyPr/>
@@ -6968,7 +9231,7 @@
                   </a:ext>
                 </a:extLst>
               </a:tr>
-              <a:tr h="320091">
+              <a:tr h="306919">
                 <a:tc>
                   <a:txBody>
                     <a:bodyPr/>
@@ -7047,10 +9310,16 @@
           <p:cNvGraphicFramePr>
             <a:graphicFrameLocks noGrp="1"/>
           </p:cNvGraphicFramePr>
-          <p:nvPr/>
+          <p:nvPr>
+            <p:extLst>
+              <p:ext uri="{D42A27DB-BD31-4B8C-83A1-F6EECF244321}">
+                <p14:modId xmlns:p14="http://schemas.microsoft.com/office/powerpoint/2010/main" val="1103741360"/>
+              </p:ext>
+            </p:extLst>
+          </p:nvPr>
         </p:nvGraphicFramePr>
         <p:xfrm>
-          <a:off x="1423444" y="4420883"/>
+          <a:off x="1423444" y="4582665"/>
           <a:ext cx="6407603" cy="1636436"/>
         </p:xfrm>
         <a:graphic>
@@ -7397,7 +9666,7 @@
         </p:nvSpPr>
         <p:spPr>
           <a:xfrm>
-            <a:off x="750272" y="2574822"/>
+            <a:off x="750270" y="2961492"/>
             <a:ext cx="607859" cy="584775"/>
           </a:xfrm>
           <a:prstGeom prst="rect">
@@ -7447,7 +9716,7 @@
         </p:nvSpPr>
         <p:spPr>
           <a:xfrm>
-            <a:off x="750271" y="4946713"/>
+            <a:off x="750270" y="5084505"/>
             <a:ext cx="607859" cy="584775"/>
           </a:xfrm>
           <a:prstGeom prst="rect">
@@ -7497,7 +9766,7 @@
         </p:nvSpPr>
         <p:spPr>
           <a:xfrm>
-            <a:off x="3780148" y="6105238"/>
+            <a:off x="3773662" y="6219101"/>
             <a:ext cx="1024639" cy="369332"/>
           </a:xfrm>
           <a:prstGeom prst="rect">

--- a/ADE_copilot/CIC-2025_PPT_ADECopilot.pptx
+++ b/ADE_copilot/CIC-2025_PPT_ADECopilot.pptx
@@ -5,10 +5,10 @@
     <p:sldMasterId id="2147483666" r:id="rId4"/>
   </p:sldMasterIdLst>
   <p:notesMasterIdLst>
-    <p:notesMasterId r:id="rId17"/>
+    <p:notesMasterId r:id="rId16"/>
   </p:notesMasterIdLst>
   <p:handoutMasterIdLst>
-    <p:handoutMasterId r:id="rId18"/>
+    <p:handoutMasterId r:id="rId17"/>
   </p:handoutMasterIdLst>
   <p:sldIdLst>
     <p:sldId id="2147309208" r:id="rId5"/>
@@ -21,8 +21,7 @@
     <p:sldId id="2147309215" r:id="rId12"/>
     <p:sldId id="2147309212" r:id="rId13"/>
     <p:sldId id="2147309213" r:id="rId14"/>
-    <p:sldId id="2147309209" r:id="rId15"/>
-    <p:sldId id="2147309207" r:id="rId16"/>
+    <p:sldId id="2147309207" r:id="rId15"/>
   </p:sldIdLst>
   <p:sldSz cx="12192000" cy="6858000"/>
   <p:notesSz cx="6858000" cy="9144000"/>
@@ -4517,7 +4516,7 @@
                   <a:schemeClr val="bg1"/>
                 </a:solidFill>
               </a:rPr>
-              <a:t>June 17-20</a:t>
+              <a:t>Pengcheng Xin</a:t>
             </a:r>
           </a:p>
         </p:txBody>
@@ -4549,7 +4548,7 @@
                   <a:schemeClr val="bg1"/>
                 </a:solidFill>
               </a:rPr>
-              <a:t>Cadence Innovation Conference</a:t>
+              <a:t>ADE Copilot</a:t>
             </a:r>
           </a:p>
         </p:txBody>
@@ -4638,6 +4637,13 @@
               <a:t>How ADE Copilot solves this problem</a:t>
             </a:r>
           </a:p>
+          <a:p>
+            <a:pPr lvl="1"/>
+            <a:r>
+              <a:rPr lang="en-US" dirty="0"/>
+              <a:t>Get the optimal settings for job policy</a:t>
+            </a:r>
+          </a:p>
         </p:txBody>
       </p:sp>
       <p:pic>
@@ -4669,7 +4675,7 @@
         </p:blipFill>
         <p:spPr bwMode="auto">
           <a:xfrm>
-            <a:off x="4557155" y="1538385"/>
+            <a:off x="4590840" y="1631162"/>
             <a:ext cx="2600325" cy="2600325"/>
           </a:xfrm>
           <a:prstGeom prst="rect">
@@ -4746,7 +4752,7 @@
         </p:blipFill>
         <p:spPr bwMode="auto">
           <a:xfrm>
-            <a:off x="669482" y="1726565"/>
+            <a:off x="667557" y="1871351"/>
             <a:ext cx="2647950" cy="2295525"/>
           </a:xfrm>
           <a:prstGeom prst="rect">
@@ -4913,7 +4919,7 @@
         </p:nvSpPr>
         <p:spPr>
           <a:xfrm>
-            <a:off x="7157480" y="2704526"/>
+            <a:off x="7160401" y="2849910"/>
             <a:ext cx="1036949" cy="367645"/>
           </a:xfrm>
           <a:prstGeom prst="rightArrow">
@@ -4949,7 +4955,7 @@
           <a:lstStyle/>
           <a:p>
             <a:pPr algn="ctr"/>
-            <a:endParaRPr lang="en-US"/>
+            <a:endParaRPr lang="en-US" dirty="0"/>
           </a:p>
         </p:txBody>
       </p:sp>
@@ -5131,7 +5137,7 @@
         </p:nvSpPr>
         <p:spPr>
           <a:xfrm>
-            <a:off x="852404" y="4006199"/>
+            <a:off x="936938" y="4060905"/>
             <a:ext cx="1922321" cy="369332"/>
           </a:xfrm>
           <a:prstGeom prst="rect">
@@ -5169,7 +5175,7 @@
         </p:nvSpPr>
         <p:spPr>
           <a:xfrm>
-            <a:off x="4641852" y="3742441"/>
+            <a:off x="4644982" y="3799810"/>
             <a:ext cx="2450351" cy="369332"/>
           </a:xfrm>
           <a:prstGeom prst="rect">
@@ -5297,86 +5303,6 @@
 </file>
 
 <file path=ppt/slides/slide11.xml><?xml version="1.0" encoding="utf-8"?>
-<p:sld xmlns:a="http://schemas.openxmlformats.org/drawingml/2006/main" xmlns:r="http://schemas.openxmlformats.org/officeDocument/2006/relationships" xmlns:p="http://schemas.openxmlformats.org/presentationml/2006/main">
-  <p:cSld>
-    <p:spTree>
-      <p:nvGrpSpPr>
-        <p:cNvPr id="1" name=""/>
-        <p:cNvGrpSpPr/>
-        <p:nvPr/>
-      </p:nvGrpSpPr>
-      <p:grpSpPr>
-        <a:xfrm>
-          <a:off x="0" y="0"/>
-          <a:ext cx="0" cy="0"/>
-          <a:chOff x="0" y="0"/>
-          <a:chExt cx="0" cy="0"/>
-        </a:xfrm>
-      </p:grpSpPr>
-      <p:sp>
-        <p:nvSpPr>
-          <p:cNvPr id="2" name="Title 1">
-            <a:extLst>
-              <a:ext uri="{FF2B5EF4-FFF2-40B4-BE49-F238E27FC236}">
-                <a16:creationId xmlns:a16="http://schemas.microsoft.com/office/drawing/2014/main" id="{90F4D452-8EBB-632F-F5A9-0A1EC3C5BA6D}"/>
-              </a:ext>
-            </a:extLst>
-          </p:cNvPr>
-          <p:cNvSpPr>
-            <a:spLocks noGrp="1"/>
-          </p:cNvSpPr>
-          <p:nvPr>
-            <p:ph type="title"/>
-          </p:nvPr>
-        </p:nvSpPr>
-        <p:spPr/>
-        <p:txBody>
-          <a:bodyPr/>
-          <a:lstStyle/>
-          <a:p>
-            <a:endParaRPr lang="en-US" dirty="0"/>
-          </a:p>
-        </p:txBody>
-      </p:sp>
-      <p:sp>
-        <p:nvSpPr>
-          <p:cNvPr id="3" name="Text Placeholder 2">
-            <a:extLst>
-              <a:ext uri="{FF2B5EF4-FFF2-40B4-BE49-F238E27FC236}">
-                <a16:creationId xmlns:a16="http://schemas.microsoft.com/office/drawing/2014/main" id="{BBA55C93-B9B6-1CDC-DAC5-98B202818C4F}"/>
-              </a:ext>
-            </a:extLst>
-          </p:cNvPr>
-          <p:cNvSpPr>
-            <a:spLocks noGrp="1"/>
-          </p:cNvSpPr>
-          <p:nvPr>
-            <p:ph type="body" idx="1"/>
-          </p:nvPr>
-        </p:nvSpPr>
-        <p:spPr/>
-        <p:txBody>
-          <a:bodyPr/>
-          <a:lstStyle/>
-          <a:p>
-            <a:endParaRPr lang="en-US"/>
-          </a:p>
-        </p:txBody>
-      </p:sp>
-    </p:spTree>
-    <p:extLst>
-      <p:ext uri="{BB962C8B-B14F-4D97-AF65-F5344CB8AC3E}">
-        <p14:creationId xmlns:p14="http://schemas.microsoft.com/office/powerpoint/2010/main" val="1957047950"/>
-      </p:ext>
-    </p:extLst>
-  </p:cSld>
-  <p:clrMapOvr>
-    <a:masterClrMapping/>
-  </p:clrMapOvr>
-</p:sld>
-</file>
-
-<file path=ppt/slides/slide12.xml><?xml version="1.0" encoding="utf-8"?>
 <p:sld xmlns:a="http://schemas.openxmlformats.org/drawingml/2006/main" xmlns:r="http://schemas.openxmlformats.org/officeDocument/2006/relationships" xmlns:p="http://schemas.openxmlformats.org/presentationml/2006/main">
   <p:cSld>
     <p:spTree>
@@ -5453,10 +5379,10 @@
       </p:sp>
       <p:pic>
         <p:nvPicPr>
-          <p:cNvPr id="2" name="Picture 1">
+          <p:cNvPr id="12" name="Picture 11">
             <a:extLst>
               <a:ext uri="{FF2B5EF4-FFF2-40B4-BE49-F238E27FC236}">
-                <a16:creationId xmlns:a16="http://schemas.microsoft.com/office/drawing/2014/main" id="{8E604AE0-51E6-748E-86B8-DB514394D313}"/>
+                <a16:creationId xmlns:a16="http://schemas.microsoft.com/office/drawing/2014/main" id="{088BD5F9-3577-5F8D-AC33-BBFEB842E8BB}"/>
               </a:ext>
             </a:extLst>
           </p:cNvPr>
@@ -5479,8 +5405,8 @@
         </p:blipFill>
         <p:spPr>
           <a:xfrm>
-            <a:off x="1266726" y="930275"/>
-            <a:ext cx="9658547" cy="5569143"/>
+            <a:off x="1211039" y="930275"/>
+            <a:ext cx="10083427" cy="5814130"/>
           </a:xfrm>
           <a:prstGeom prst="rect">
             <a:avLst/>
@@ -5674,6 +5600,9 @@
           <a:p>
             <a:r>
               <a:rPr lang="en-US" sz="1600" b="1" dirty="0">
+                <a:solidFill>
+                  <a:srgbClr val="93DA49"/>
+                </a:solidFill>
                 <a:latin typeface="Times New Roman" panose="02020603050405020304" pitchFamily="18" charset="0"/>
                 <a:cs typeface="Times New Roman" panose="02020603050405020304" pitchFamily="18" charset="0"/>
               </a:rPr>
@@ -5748,6 +5677,9 @@
           <a:p>
             <a:r>
               <a:rPr lang="en-US" sz="1600" b="1" dirty="0">
+                <a:solidFill>
+                  <a:srgbClr val="93DA49"/>
+                </a:solidFill>
                 <a:latin typeface="Times New Roman" panose="02020603050405020304" pitchFamily="18" charset="0"/>
                 <a:cs typeface="Times New Roman" panose="02020603050405020304" pitchFamily="18" charset="0"/>
               </a:rPr>
@@ -5755,6 +5687,9 @@
             </a:r>
             <a:r>
               <a:rPr lang="en-US" altLang="zh-CN" sz="1600" b="1" dirty="0">
+                <a:solidFill>
+                  <a:srgbClr val="93DA49"/>
+                </a:solidFill>
                 <a:latin typeface="Times New Roman" panose="02020603050405020304" pitchFamily="18" charset="0"/>
                 <a:cs typeface="Times New Roman" panose="02020603050405020304" pitchFamily="18" charset="0"/>
               </a:rPr>
@@ -5762,6 +5697,9 @@
             </a:r>
             <a:r>
               <a:rPr lang="en-US" sz="1600" b="1" dirty="0">
+                <a:solidFill>
+                  <a:srgbClr val="93DA49"/>
+                </a:solidFill>
                 <a:latin typeface="Times New Roman" panose="02020603050405020304" pitchFamily="18" charset="0"/>
                 <a:cs typeface="Times New Roman" panose="02020603050405020304" pitchFamily="18" charset="0"/>
               </a:rPr>
@@ -6017,7 +5955,7 @@
           <p:nvPr>
             <p:extLst>
               <p:ext uri="{D42A27DB-BD31-4B8C-83A1-F6EECF244321}">
-                <p14:modId xmlns:p14="http://schemas.microsoft.com/office/powerpoint/2010/main" val="469362079"/>
+                <p14:modId xmlns:p14="http://schemas.microsoft.com/office/powerpoint/2010/main" val="916899997"/>
               </p:ext>
             </p:extLst>
           </p:nvPr>
@@ -6105,6 +6043,26 @@
                     </a:p>
                   </a:txBody>
                   <a:tcPr marL="4945" marR="4945" marT="4945" marB="0" anchor="b">
+                    <a:lnL w="12700" cmpd="sng">
+                      <a:noFill/>
+                    </a:lnL>
+                    <a:lnR w="12700" cmpd="sng">
+                      <a:noFill/>
+                    </a:lnR>
+                    <a:lnT w="12700" cmpd="sng">
+                      <a:noFill/>
+                    </a:lnT>
+                    <a:lnB w="12700" cmpd="sng">
+                      <a:noFill/>
+                    </a:lnB>
+                    <a:lnTlToBr w="12700" cmpd="sng">
+                      <a:noFill/>
+                      <a:prstDash val="solid"/>
+                    </a:lnTlToBr>
+                    <a:lnBlToTr w="12700" cmpd="sng">
+                      <a:noFill/>
+                      <a:prstDash val="solid"/>
+                    </a:lnBlToTr>
                     <a:solidFill>
                       <a:srgbClr val="0070C0"/>
                     </a:solidFill>
@@ -6138,6 +6096,9 @@
                     </a:p>
                   </a:txBody>
                   <a:tcPr marL="4945" marR="4945" marT="4945" marB="0" anchor="b">
+                    <a:lnL w="12700" cmpd="sng">
+                      <a:noFill/>
+                    </a:lnL>
                     <a:solidFill>
                       <a:srgbClr val="0070C0"/>
                     </a:solidFill>
@@ -6204,6 +6165,15 @@
                     </a:p>
                   </a:txBody>
                   <a:tcPr marL="4945" marR="4945" marT="4945" marB="0" anchor="b">
+                    <a:lnR w="12700" cap="flat" cmpd="sng" algn="ctr">
+                      <a:solidFill>
+                        <a:schemeClr val="tx1"/>
+                      </a:solidFill>
+                      <a:prstDash val="solid"/>
+                      <a:round/>
+                      <a:headEnd type="none" w="med" len="med"/>
+                      <a:tailEnd type="none" w="med" len="med"/>
+                    </a:lnR>
                     <a:solidFill>
                       <a:srgbClr val="0070C0"/>
                     </a:solidFill>
@@ -6237,6 +6207,33 @@
                     </a:p>
                   </a:txBody>
                   <a:tcPr marL="4945" marR="4945" marT="4945" marB="0" anchor="b">
+                    <a:lnL w="12700" cap="flat" cmpd="sng" algn="ctr">
+                      <a:solidFill>
+                        <a:schemeClr val="tx1"/>
+                      </a:solidFill>
+                      <a:prstDash val="solid"/>
+                      <a:round/>
+                      <a:headEnd type="none" w="med" len="med"/>
+                      <a:tailEnd type="none" w="med" len="med"/>
+                    </a:lnL>
+                    <a:lnR w="12700" cap="flat" cmpd="sng" algn="ctr">
+                      <a:solidFill>
+                        <a:schemeClr val="tx1"/>
+                      </a:solidFill>
+                      <a:prstDash val="solid"/>
+                      <a:round/>
+                      <a:headEnd type="none" w="med" len="med"/>
+                      <a:tailEnd type="none" w="med" len="med"/>
+                    </a:lnR>
+                    <a:lnT w="12700" cap="flat" cmpd="sng" algn="ctr">
+                      <a:solidFill>
+                        <a:schemeClr val="tx1"/>
+                      </a:solidFill>
+                      <a:prstDash val="solid"/>
+                      <a:round/>
+                      <a:headEnd type="none" w="med" len="med"/>
+                      <a:tailEnd type="none" w="med" len="med"/>
+                    </a:lnT>
                     <a:solidFill>
                       <a:srgbClr val="0070C0"/>
                     </a:solidFill>
@@ -6270,6 +6267,15 @@
                     </a:p>
                   </a:txBody>
                   <a:tcPr marL="4945" marR="4945" marT="4945" marB="0" anchor="b">
+                    <a:lnL w="12700" cap="flat" cmpd="sng" algn="ctr">
+                      <a:solidFill>
+                        <a:schemeClr val="tx1"/>
+                      </a:solidFill>
+                      <a:prstDash val="solid"/>
+                      <a:round/>
+                      <a:headEnd type="none" w="med" len="med"/>
+                      <a:tailEnd type="none" w="med" len="med"/>
+                    </a:lnL>
                     <a:solidFill>
                       <a:srgbClr val="0070C0"/>
                     </a:solidFill>
@@ -6303,7 +6309,11 @@
                       </a:endParaRPr>
                     </a:p>
                   </a:txBody>
-                  <a:tcPr marL="4945" marR="4945" marT="4945" marB="0" anchor="b"/>
+                  <a:tcPr marL="4945" marR="4945" marT="4945" marB="0" anchor="b">
+                    <a:lnT w="12700" cmpd="sng">
+                      <a:noFill/>
+                    </a:lnT>
+                  </a:tcPr>
                 </a:tc>
                 <a:tc>
                   <a:txBody>
@@ -6375,7 +6385,17 @@
                       </a:endParaRPr>
                     </a:p>
                   </a:txBody>
-                  <a:tcPr marL="4945" marR="4945" marT="4945" marB="0" anchor="b"/>
+                  <a:tcPr marL="4945" marR="4945" marT="4945" marB="0" anchor="b">
+                    <a:lnR w="12700" cap="flat" cmpd="sng" algn="ctr">
+                      <a:solidFill>
+                        <a:schemeClr val="tx1"/>
+                      </a:solidFill>
+                      <a:prstDash val="solid"/>
+                      <a:round/>
+                      <a:headEnd type="none" w="med" len="med"/>
+                      <a:tailEnd type="none" w="med" len="med"/>
+                    </a:lnR>
+                  </a:tcPr>
                 </a:tc>
                 <a:tc>
                   <a:txBody>
@@ -6476,7 +6496,26 @@
                       </a:endParaRPr>
                     </a:p>
                   </a:txBody>
-                  <a:tcPr marL="4945" marR="4945" marT="4945" marB="0" anchor="b"/>
+                  <a:tcPr marL="4945" marR="4945" marT="4945" marB="0" anchor="b">
+                    <a:lnL w="12700" cap="flat" cmpd="sng" algn="ctr">
+                      <a:solidFill>
+                        <a:schemeClr val="tx1"/>
+                      </a:solidFill>
+                      <a:prstDash val="solid"/>
+                      <a:round/>
+                      <a:headEnd type="none" w="med" len="med"/>
+                      <a:tailEnd type="none" w="med" len="med"/>
+                    </a:lnL>
+                    <a:lnR w="12700" cap="flat" cmpd="sng" algn="ctr">
+                      <a:solidFill>
+                        <a:schemeClr val="tx1"/>
+                      </a:solidFill>
+                      <a:prstDash val="solid"/>
+                      <a:round/>
+                      <a:headEnd type="none" w="med" len="med"/>
+                      <a:tailEnd type="none" w="med" len="med"/>
+                    </a:lnR>
+                  </a:tcPr>
                 </a:tc>
                 <a:tc>
                   <a:txBody>
@@ -6499,7 +6538,17 @@
                       </a:endParaRPr>
                     </a:p>
                   </a:txBody>
-                  <a:tcPr marL="4945" marR="4945" marT="4945" marB="0" anchor="b"/>
+                  <a:tcPr marL="4945" marR="4945" marT="4945" marB="0" anchor="b">
+                    <a:lnL w="12700" cap="flat" cmpd="sng" algn="ctr">
+                      <a:solidFill>
+                        <a:schemeClr val="tx1"/>
+                      </a:solidFill>
+                      <a:prstDash val="solid"/>
+                      <a:round/>
+                      <a:headEnd type="none" w="med" len="med"/>
+                      <a:tailEnd type="none" w="med" len="med"/>
+                    </a:lnL>
+                  </a:tcPr>
                 </a:tc>
                 <a:extLst>
                   <a:ext uri="{0D108BD9-81ED-4DB2-BD59-A6C34878D82A}">
@@ -6607,7 +6656,17 @@
                       </a:endParaRPr>
                     </a:p>
                   </a:txBody>
-                  <a:tcPr marL="4945" marR="4945" marT="4945" marB="0" anchor="b"/>
+                  <a:tcPr marL="4945" marR="4945" marT="4945" marB="0" anchor="b">
+                    <a:lnR w="12700" cap="flat" cmpd="sng" algn="ctr">
+                      <a:solidFill>
+                        <a:schemeClr val="tx1"/>
+                      </a:solidFill>
+                      <a:prstDash val="solid"/>
+                      <a:round/>
+                      <a:headEnd type="none" w="med" len="med"/>
+                      <a:tailEnd type="none" w="med" len="med"/>
+                    </a:lnR>
+                  </a:tcPr>
                 </a:tc>
                 <a:tc>
                   <a:txBody>
@@ -6648,7 +6707,26 @@
                       </a:endParaRPr>
                     </a:p>
                   </a:txBody>
-                  <a:tcPr marL="4945" marR="4945" marT="4945" marB="0" anchor="b"/>
+                  <a:tcPr marL="4945" marR="4945" marT="4945" marB="0" anchor="b">
+                    <a:lnL w="12700" cap="flat" cmpd="sng" algn="ctr">
+                      <a:solidFill>
+                        <a:schemeClr val="tx1"/>
+                      </a:solidFill>
+                      <a:prstDash val="solid"/>
+                      <a:round/>
+                      <a:headEnd type="none" w="med" len="med"/>
+                      <a:tailEnd type="none" w="med" len="med"/>
+                    </a:lnL>
+                    <a:lnR w="12700" cap="flat" cmpd="sng" algn="ctr">
+                      <a:solidFill>
+                        <a:schemeClr val="tx1"/>
+                      </a:solidFill>
+                      <a:prstDash val="solid"/>
+                      <a:round/>
+                      <a:headEnd type="none" w="med" len="med"/>
+                      <a:tailEnd type="none" w="med" len="med"/>
+                    </a:lnR>
+                  </a:tcPr>
                 </a:tc>
                 <a:tc>
                   <a:txBody>
@@ -6671,7 +6749,17 @@
                       </a:endParaRPr>
                     </a:p>
                   </a:txBody>
-                  <a:tcPr marL="4945" marR="4945" marT="4945" marB="0" anchor="b"/>
+                  <a:tcPr marL="4945" marR="4945" marT="4945" marB="0" anchor="b">
+                    <a:lnL w="12700" cap="flat" cmpd="sng" algn="ctr">
+                      <a:solidFill>
+                        <a:schemeClr val="tx1"/>
+                      </a:solidFill>
+                      <a:prstDash val="solid"/>
+                      <a:round/>
+                      <a:headEnd type="none" w="med" len="med"/>
+                      <a:tailEnd type="none" w="med" len="med"/>
+                    </a:lnL>
+                  </a:tcPr>
                 </a:tc>
                 <a:extLst>
                   <a:ext uri="{0D108BD9-81ED-4DB2-BD59-A6C34878D82A}">
@@ -6774,7 +6862,17 @@
                       </a:r>
                     </a:p>
                   </a:txBody>
-                  <a:tcPr marL="4945" marR="4945" marT="4945" marB="0" anchor="b"/>
+                  <a:tcPr marL="4945" marR="4945" marT="4945" marB="0" anchor="b">
+                    <a:lnR w="12700" cap="flat" cmpd="sng" algn="ctr">
+                      <a:solidFill>
+                        <a:schemeClr val="tx1"/>
+                      </a:solidFill>
+                      <a:prstDash val="solid"/>
+                      <a:round/>
+                      <a:headEnd type="none" w="med" len="med"/>
+                      <a:tailEnd type="none" w="med" len="med"/>
+                    </a:lnR>
+                  </a:tcPr>
                 </a:tc>
                 <a:tc>
                   <a:txBody>
@@ -6800,7 +6898,33 @@
                       </a:endParaRPr>
                     </a:p>
                   </a:txBody>
-                  <a:tcPr marL="4945" marR="4945" marT="4945" marB="0" anchor="b"/>
+                  <a:tcPr marL="4945" marR="4945" marT="4945" marB="0" anchor="b">
+                    <a:lnL w="12700" cap="flat" cmpd="sng" algn="ctr">
+                      <a:solidFill>
+                        <a:schemeClr val="tx1"/>
+                      </a:solidFill>
+                      <a:prstDash val="solid"/>
+                      <a:round/>
+                      <a:headEnd type="none" w="med" len="med"/>
+                      <a:tailEnd type="none" w="med" len="med"/>
+                    </a:lnL>
+                    <a:lnR w="12700" cap="flat" cmpd="sng" algn="ctr">
+                      <a:solidFill>
+                        <a:schemeClr val="tx1"/>
+                      </a:solidFill>
+                      <a:prstDash val="solid"/>
+                      <a:round/>
+                      <a:headEnd type="none" w="med" len="med"/>
+                      <a:tailEnd type="none" w="med" len="med"/>
+                    </a:lnR>
+                    <a:lnB w="12700" cap="flat" cmpd="sng" algn="ctr">
+                      <a:noFill/>
+                      <a:prstDash val="solid"/>
+                      <a:round/>
+                      <a:headEnd type="none" w="med" len="med"/>
+                      <a:tailEnd type="none" w="med" len="med"/>
+                    </a:lnB>
+                  </a:tcPr>
                 </a:tc>
                 <a:tc>
                   <a:txBody>
@@ -6821,7 +6945,17 @@
                       </a:r>
                     </a:p>
                   </a:txBody>
-                  <a:tcPr marL="4945" marR="4945" marT="4945" marB="0" anchor="b"/>
+                  <a:tcPr marL="4945" marR="4945" marT="4945" marB="0" anchor="b">
+                    <a:lnL w="12700" cap="flat" cmpd="sng" algn="ctr">
+                      <a:solidFill>
+                        <a:schemeClr val="tx1"/>
+                      </a:solidFill>
+                      <a:prstDash val="solid"/>
+                      <a:round/>
+                      <a:headEnd type="none" w="med" len="med"/>
+                      <a:tailEnd type="none" w="med" len="med"/>
+                    </a:lnL>
+                  </a:tcPr>
                 </a:tc>
                 <a:extLst>
                   <a:ext uri="{0D108BD9-81ED-4DB2-BD59-A6C34878D82A}">
@@ -7009,7 +7143,7 @@
         </p:nvSpPr>
         <p:spPr>
           <a:xfrm>
-            <a:off x="1051084" y="5836376"/>
+            <a:off x="1234050" y="5765361"/>
             <a:ext cx="1798506" cy="369332"/>
           </a:xfrm>
           <a:prstGeom prst="rect">
@@ -7156,8 +7290,8 @@
         </p:nvSpPr>
         <p:spPr>
           <a:xfrm>
-            <a:off x="7871312" y="2574287"/>
-            <a:ext cx="3002605" cy="246221"/>
+            <a:off x="7577172" y="2634518"/>
+            <a:ext cx="3789645" cy="246221"/>
           </a:xfrm>
           <a:prstGeom prst="rect">
             <a:avLst/>
@@ -7175,7 +7309,7 @@
                 <a:latin typeface="Times New Roman" panose="02020603050405020304" pitchFamily="18" charset="0"/>
                 <a:cs typeface="Times New Roman" panose="02020603050405020304" pitchFamily="18" charset="0"/>
               </a:rPr>
-              <a:t>Natural Language Processing  And Skill Generation</a:t>
+              <a:t>Natural Language Processing  And Skill expression Generation</a:t>
             </a:r>
           </a:p>
         </p:txBody>
@@ -7195,7 +7329,7 @@
         <p:spPr>
           <a:xfrm>
             <a:off x="8596244" y="3404875"/>
-            <a:ext cx="1212896" cy="369332"/>
+            <a:ext cx="943592" cy="369332"/>
           </a:xfrm>
           <a:prstGeom prst="rect">
             <a:avLst/>
@@ -7216,8 +7350,60 @@
                 <a:latin typeface="Times New Roman" panose="02020603050405020304" pitchFamily="18" charset="0"/>
                 <a:cs typeface="Times New Roman" panose="02020603050405020304" pitchFamily="18" charset="0"/>
               </a:rPr>
-              <a:t>LLM Way</a:t>
-            </a:r>
+              <a:t>AI Way</a:t>
+            </a:r>
+          </a:p>
+        </p:txBody>
+      </p:sp>
+      <p:sp>
+        <p:nvSpPr>
+          <p:cNvPr id="2" name="Rectangle 1">
+            <a:extLst>
+              <a:ext uri="{FF2B5EF4-FFF2-40B4-BE49-F238E27FC236}">
+                <a16:creationId xmlns:a16="http://schemas.microsoft.com/office/drawing/2014/main" id="{06C84EF7-6772-A207-FDE8-A94C661B69F5}"/>
+              </a:ext>
+            </a:extLst>
+          </p:cNvPr>
+          <p:cNvSpPr/>
+          <p:nvPr/>
+        </p:nvSpPr>
+        <p:spPr>
+          <a:xfrm>
+            <a:off x="4807670" y="1906624"/>
+            <a:ext cx="1637153" cy="2474862"/>
+          </a:xfrm>
+          <a:prstGeom prst="rect">
+            <a:avLst/>
+          </a:prstGeom>
+          <a:noFill/>
+          <a:ln w="38100">
+            <a:solidFill>
+              <a:schemeClr val="accent6"/>
+            </a:solidFill>
+          </a:ln>
+        </p:spPr>
+        <p:style>
+          <a:lnRef idx="2">
+            <a:schemeClr val="accent1">
+              <a:shade val="50000"/>
+            </a:schemeClr>
+          </a:lnRef>
+          <a:fillRef idx="1">
+            <a:schemeClr val="accent1"/>
+          </a:fillRef>
+          <a:effectRef idx="0">
+            <a:schemeClr val="accent1"/>
+          </a:effectRef>
+          <a:fontRef idx="minor">
+            <a:schemeClr val="lt1"/>
+          </a:fontRef>
+        </p:style>
+        <p:txBody>
+          <a:bodyPr rtlCol="0" anchor="ctr"/>
+          <a:lstStyle/>
+          <a:p>
+            <a:pPr algn="ctr"/>
+            <a:endParaRPr lang="en-US"/>
           </a:p>
         </p:txBody>
       </p:sp>
@@ -7334,7 +7520,7 @@
           <p:nvPr>
             <p:extLst>
               <p:ext uri="{D42A27DB-BD31-4B8C-83A1-F6EECF244321}">
-                <p14:modId xmlns:p14="http://schemas.microsoft.com/office/powerpoint/2010/main" val="3369417816"/>
+                <p14:modId xmlns:p14="http://schemas.microsoft.com/office/powerpoint/2010/main" val="2147498445"/>
               </p:ext>
             </p:extLst>
           </p:nvPr>
@@ -7566,7 +7752,7 @@
                           <a:ea typeface="+mn-ea"/>
                           <a:cs typeface="+mn-cs"/>
                         </a:rPr>
-                        <a:t>4</a:t>
+                        <a:t>…</a:t>
                       </a:r>
                     </a:p>
                   </a:txBody>
@@ -7618,7 +7804,7 @@
           <p:nvPr>
             <p:extLst>
               <p:ext uri="{D42A27DB-BD31-4B8C-83A1-F6EECF244321}">
-                <p14:modId xmlns:p14="http://schemas.microsoft.com/office/powerpoint/2010/main" val="1424738020"/>
+                <p14:modId xmlns:p14="http://schemas.microsoft.com/office/powerpoint/2010/main" val="2576568371"/>
               </p:ext>
             </p:extLst>
           </p:nvPr>
@@ -7922,7 +8108,7 @@
                           <a:ea typeface="+mn-ea"/>
                           <a:cs typeface="+mn-cs"/>
                         </a:rPr>
-                        <a:t>4</a:t>
+                        <a:t>…</a:t>
                       </a:r>
                     </a:p>
                   </a:txBody>
@@ -8297,108 +8483,460 @@
           <a:p>
             <a:pPr lvl="1"/>
             <a:r>
+              <a:rPr lang="en-US" altLang="zh-CN" dirty="0"/>
+              <a:t>Task analysis</a:t>
+            </a:r>
+            <a:r>
               <a:rPr lang="en-US" dirty="0"/>
-              <a:t>NLP and </a:t>
+              <a:t> and </a:t>
             </a:r>
             <a:r>
               <a:rPr lang="en-US" altLang="zh-CN" dirty="0"/>
-              <a:t>skill code generation</a:t>
+              <a:t>measurement generation</a:t>
             </a:r>
             <a:endParaRPr lang="en-US" dirty="0"/>
           </a:p>
         </p:txBody>
       </p:sp>
-      <p:pic>
-        <p:nvPicPr>
-          <p:cNvPr id="5" name="Picture 2">
+      <p:graphicFrame>
+        <p:nvGraphicFramePr>
+          <p:cNvPr id="6" name="Table 6">
             <a:extLst>
               <a:ext uri="{FF2B5EF4-FFF2-40B4-BE49-F238E27FC236}">
-                <a16:creationId xmlns:a16="http://schemas.microsoft.com/office/drawing/2014/main" id="{D1CE5286-7072-7B7E-8162-65D1E0749A4A}"/>
+                <a16:creationId xmlns:a16="http://schemas.microsoft.com/office/drawing/2014/main" id="{435EB0BC-2D6D-60E2-8E77-248BEDBEFA4B}"/>
               </a:ext>
             </a:extLst>
           </p:cNvPr>
-          <p:cNvPicPr>
-            <a:picLocks noChangeAspect="1" noChangeArrowheads="1"/>
-          </p:cNvPicPr>
-          <p:nvPr/>
-        </p:nvPicPr>
-        <p:blipFill>
-          <a:blip r:embed="rId2" cstate="print">
-            <a:extLst>
-              <a:ext uri="{28A0092B-C50C-407E-A947-70E740481C1C}">
-                <a14:useLocalDpi xmlns:a14="http://schemas.microsoft.com/office/drawing/2010/main" val="0"/>
-              </a:ext>
-            </a:extLst>
-          </a:blip>
-          <a:srcRect/>
-          <a:stretch>
-            <a:fillRect/>
-          </a:stretch>
-        </p:blipFill>
-        <p:spPr bwMode="auto">
-          <a:xfrm>
-            <a:off x="8571632" y="2523043"/>
-            <a:ext cx="2472503" cy="2472503"/>
-          </a:xfrm>
-          <a:prstGeom prst="rect">
-            <a:avLst/>
-          </a:prstGeom>
-          <a:noFill/>
-          <a:extLst>
-            <a:ext uri="{909E8E84-426E-40DD-AFC4-6F175D3DCCD1}">
-              <a14:hiddenFill xmlns:a14="http://schemas.microsoft.com/office/drawing/2010/main">
-                <a:solidFill>
-                  <a:srgbClr val="FFFFFF"/>
-                </a:solidFill>
-              </a14:hiddenFill>
-            </a:ext>
-          </a:extLst>
-        </p:spPr>
-      </p:pic>
+          <p:cNvGraphicFramePr>
+            <a:graphicFrameLocks noGrp="1"/>
+          </p:cNvGraphicFramePr>
+          <p:nvPr>
+            <p:extLst>
+              <p:ext uri="{D42A27DB-BD31-4B8C-83A1-F6EECF244321}">
+                <p14:modId xmlns:p14="http://schemas.microsoft.com/office/powerpoint/2010/main" val="2226357739"/>
+              </p:ext>
+            </p:extLst>
+          </p:nvPr>
+        </p:nvGraphicFramePr>
+        <p:xfrm>
+          <a:off x="435430" y="2723410"/>
+          <a:ext cx="3151832" cy="2565400"/>
+        </p:xfrm>
+        <a:graphic>
+          <a:graphicData uri="http://schemas.openxmlformats.org/drawingml/2006/table">
+            <a:tbl>
+              <a:tblPr firstRow="1" bandRow="1">
+                <a:tableStyleId>{5C22544A-7EE6-4342-B048-85BDC9FD1C3A}</a:tableStyleId>
+              </a:tblPr>
+              <a:tblGrid>
+                <a:gridCol w="427884">
+                  <a:extLst>
+                    <a:ext uri="{9D8B030D-6E8A-4147-A177-3AD203B41FA5}">
+                      <a16:colId xmlns:a16="http://schemas.microsoft.com/office/drawing/2014/main" val="1900746793"/>
+                    </a:ext>
+                  </a:extLst>
+                </a:gridCol>
+                <a:gridCol w="2723948">
+                  <a:extLst>
+                    <a:ext uri="{9D8B030D-6E8A-4147-A177-3AD203B41FA5}">
+                      <a16:colId xmlns:a16="http://schemas.microsoft.com/office/drawing/2014/main" val="3790268417"/>
+                    </a:ext>
+                  </a:extLst>
+                </a:gridCol>
+              </a:tblGrid>
+              <a:tr h="217881">
+                <a:tc>
+                  <a:txBody>
+                    <a:bodyPr/>
+                    <a:lstStyle/>
+                    <a:p>
+                      <a:pPr algn="ctr"/>
+                      <a:r>
+                        <a:rPr lang="en-US"/>
+                        <a:t>ID</a:t>
+                      </a:r>
+                      <a:endParaRPr lang="en-US" dirty="0"/>
+                    </a:p>
+                  </a:txBody>
+                  <a:tcPr/>
+                </a:tc>
+                <a:tc>
+                  <a:txBody>
+                    <a:bodyPr/>
+                    <a:lstStyle/>
+                    <a:p>
+                      <a:pPr algn="ctr"/>
+                      <a:r>
+                        <a:rPr lang="en-US" dirty="0"/>
+                        <a:t>Requirements</a:t>
+                      </a:r>
+                    </a:p>
+                  </a:txBody>
+                  <a:tcPr/>
+                </a:tc>
+                <a:extLst>
+                  <a:ext uri="{0D108BD9-81ED-4DB2-BD59-A6C34878D82A}">
+                    <a16:rowId xmlns:a16="http://schemas.microsoft.com/office/drawing/2014/main" val="1158463288"/>
+                  </a:ext>
+                </a:extLst>
+              </a:tr>
+              <a:tr h="370840">
+                <a:tc>
+                  <a:txBody>
+                    <a:bodyPr/>
+                    <a:lstStyle/>
+                    <a:p>
+                      <a:pPr algn="ctr"/>
+                      <a:r>
+                        <a:rPr lang="en-US" sz="1400" b="0" i="0" kern="1200" dirty="0">
+                          <a:solidFill>
+                            <a:schemeClr val="dk1"/>
+                          </a:solidFill>
+                          <a:effectLst/>
+                          <a:latin typeface="+mn-lt"/>
+                          <a:ea typeface="+mn-ea"/>
+                          <a:cs typeface="+mn-cs"/>
+                        </a:rPr>
+                        <a:t>1</a:t>
+                      </a:r>
+                      <a:endParaRPr lang="en-US" sz="1400" dirty="0"/>
+                    </a:p>
+                  </a:txBody>
+                  <a:tcPr/>
+                </a:tc>
+                <a:tc>
+                  <a:txBody>
+                    <a:bodyPr/>
+                    <a:lstStyle/>
+                    <a:p>
+                      <a:pPr algn="l"/>
+                      <a:r>
+                        <a:rPr lang="en-US" sz="1800" b="0" i="0" kern="1200" dirty="0">
+                          <a:solidFill>
+                            <a:schemeClr val="dk1"/>
+                          </a:solidFill>
+                          <a:effectLst/>
+                          <a:latin typeface="+mn-lt"/>
+                          <a:ea typeface="+mn-ea"/>
+                          <a:cs typeface="+mn-cs"/>
+                        </a:rPr>
+                        <a:t>High pulse width at vdd/2.0 / period</a:t>
+                      </a:r>
+                      <a:endParaRPr lang="en-US" sz="1400" dirty="0"/>
+                    </a:p>
+                  </a:txBody>
+                  <a:tcPr/>
+                </a:tc>
+                <a:extLst>
+                  <a:ext uri="{0D108BD9-81ED-4DB2-BD59-A6C34878D82A}">
+                    <a16:rowId xmlns:a16="http://schemas.microsoft.com/office/drawing/2014/main" val="2955363936"/>
+                  </a:ext>
+                </a:extLst>
+              </a:tr>
+              <a:tr h="370840">
+                <a:tc>
+                  <a:txBody>
+                    <a:bodyPr/>
+                    <a:lstStyle/>
+                    <a:p>
+                      <a:pPr algn="ctr"/>
+                      <a:r>
+                        <a:rPr lang="en-US" sz="1400" dirty="0"/>
+                        <a:t>2</a:t>
+                      </a:r>
+                    </a:p>
+                  </a:txBody>
+                  <a:tcPr/>
+                </a:tc>
+                <a:tc>
+                  <a:txBody>
+                    <a:bodyPr/>
+                    <a:lstStyle/>
+                    <a:p>
+                      <a:pPr algn="l"/>
+                      <a:r>
+                        <a:rPr lang="en-US" sz="1800" b="0" i="0" kern="1200" dirty="0">
+                          <a:solidFill>
+                            <a:schemeClr val="dk1"/>
+                          </a:solidFill>
+                          <a:effectLst/>
+                          <a:latin typeface="+mn-lt"/>
+                          <a:ea typeface="+mn-ea"/>
+                          <a:cs typeface="+mn-cs"/>
+                        </a:rPr>
+                        <a:t>Measure the peak current on each supply</a:t>
+                      </a:r>
+                      <a:br>
+                        <a:rPr lang="en-US" sz="1400" dirty="0"/>
+                      </a:br>
+                      <a:r>
+                        <a:rPr lang="en-US" sz="1800" b="0" i="0" kern="1200" dirty="0">
+                          <a:solidFill>
+                            <a:schemeClr val="dk1"/>
+                          </a:solidFill>
+                          <a:effectLst/>
+                          <a:latin typeface="+mn-lt"/>
+                          <a:ea typeface="+mn-ea"/>
+                          <a:cs typeface="+mn-cs"/>
+                        </a:rPr>
+                        <a:t>and ensure that it meets project targets</a:t>
+                      </a:r>
+                      <a:endParaRPr lang="en-US" sz="1400" dirty="0"/>
+                    </a:p>
+                  </a:txBody>
+                  <a:tcPr/>
+                </a:tc>
+                <a:extLst>
+                  <a:ext uri="{0D108BD9-81ED-4DB2-BD59-A6C34878D82A}">
+                    <a16:rowId xmlns:a16="http://schemas.microsoft.com/office/drawing/2014/main" val="3569874541"/>
+                  </a:ext>
+                </a:extLst>
+              </a:tr>
+              <a:tr h="370840">
+                <a:tc>
+                  <a:txBody>
+                    <a:bodyPr/>
+                    <a:lstStyle/>
+                    <a:p>
+                      <a:pPr algn="ctr"/>
+                      <a:r>
+                        <a:rPr lang="en-US" sz="1400" dirty="0"/>
+                        <a:t>…</a:t>
+                      </a:r>
+                    </a:p>
+                  </a:txBody>
+                  <a:tcPr/>
+                </a:tc>
+                <a:tc>
+                  <a:txBody>
+                    <a:bodyPr/>
+                    <a:lstStyle/>
+                    <a:p>
+                      <a:pPr algn="ctr"/>
+                      <a:r>
+                        <a:rPr lang="en-US" sz="1400" dirty="0"/>
+                        <a:t>…</a:t>
+                      </a:r>
+                    </a:p>
+                  </a:txBody>
+                  <a:tcPr/>
+                </a:tc>
+                <a:extLst>
+                  <a:ext uri="{0D108BD9-81ED-4DB2-BD59-A6C34878D82A}">
+                    <a16:rowId xmlns:a16="http://schemas.microsoft.com/office/drawing/2014/main" val="173256453"/>
+                  </a:ext>
+                </a:extLst>
+              </a:tr>
+            </a:tbl>
+          </a:graphicData>
+        </a:graphic>
+      </p:graphicFrame>
+      <p:graphicFrame>
+        <p:nvGraphicFramePr>
+          <p:cNvPr id="12" name="Table 6">
+            <a:extLst>
+              <a:ext uri="{FF2B5EF4-FFF2-40B4-BE49-F238E27FC236}">
+                <a16:creationId xmlns:a16="http://schemas.microsoft.com/office/drawing/2014/main" id="{A4364B51-E7E9-5889-FDE0-019886B1F9E8}"/>
+              </a:ext>
+            </a:extLst>
+          </p:cNvPr>
+          <p:cNvGraphicFramePr>
+            <a:graphicFrameLocks noGrp="1"/>
+          </p:cNvGraphicFramePr>
+          <p:nvPr>
+            <p:extLst>
+              <p:ext uri="{D42A27DB-BD31-4B8C-83A1-F6EECF244321}">
+                <p14:modId xmlns:p14="http://schemas.microsoft.com/office/powerpoint/2010/main" val="957261442"/>
+              </p:ext>
+            </p:extLst>
+          </p:nvPr>
+        </p:nvGraphicFramePr>
+        <p:xfrm>
+          <a:off x="8090097" y="2954522"/>
+          <a:ext cx="3666474" cy="1838960"/>
+        </p:xfrm>
+        <a:graphic>
+          <a:graphicData uri="http://schemas.openxmlformats.org/drawingml/2006/table">
+            <a:tbl>
+              <a:tblPr firstRow="1" bandRow="1">
+                <a:tableStyleId>{5C22544A-7EE6-4342-B048-85BDC9FD1C3A}</a:tableStyleId>
+              </a:tblPr>
+              <a:tblGrid>
+                <a:gridCol w="497751">
+                  <a:extLst>
+                    <a:ext uri="{9D8B030D-6E8A-4147-A177-3AD203B41FA5}">
+                      <a16:colId xmlns:a16="http://schemas.microsoft.com/office/drawing/2014/main" val="1900746793"/>
+                    </a:ext>
+                  </a:extLst>
+                </a:gridCol>
+                <a:gridCol w="3168723">
+                  <a:extLst>
+                    <a:ext uri="{9D8B030D-6E8A-4147-A177-3AD203B41FA5}">
+                      <a16:colId xmlns:a16="http://schemas.microsoft.com/office/drawing/2014/main" val="3790268417"/>
+                    </a:ext>
+                  </a:extLst>
+                </a:gridCol>
+              </a:tblGrid>
+              <a:tr h="217881">
+                <a:tc>
+                  <a:txBody>
+                    <a:bodyPr/>
+                    <a:lstStyle/>
+                    <a:p>
+                      <a:pPr algn="ctr"/>
+                      <a:r>
+                        <a:rPr lang="en-US"/>
+                        <a:t>ID</a:t>
+                      </a:r>
+                      <a:endParaRPr lang="en-US" dirty="0"/>
+                    </a:p>
+                  </a:txBody>
+                  <a:tcPr/>
+                </a:tc>
+                <a:tc>
+                  <a:txBody>
+                    <a:bodyPr/>
+                    <a:lstStyle/>
+                    <a:p>
+                      <a:pPr algn="ctr"/>
+                      <a:r>
+                        <a:rPr lang="en-US" dirty="0"/>
+                        <a:t>Requirements</a:t>
+                      </a:r>
+                    </a:p>
+                  </a:txBody>
+                  <a:tcPr/>
+                </a:tc>
+                <a:extLst>
+                  <a:ext uri="{0D108BD9-81ED-4DB2-BD59-A6C34878D82A}">
+                    <a16:rowId xmlns:a16="http://schemas.microsoft.com/office/drawing/2014/main" val="1158463288"/>
+                  </a:ext>
+                </a:extLst>
+              </a:tr>
+              <a:tr h="370840">
+                <a:tc>
+                  <a:txBody>
+                    <a:bodyPr/>
+                    <a:lstStyle/>
+                    <a:p>
+                      <a:pPr algn="ctr"/>
+                      <a:r>
+                        <a:rPr lang="en-US" sz="1400" b="0" i="0" kern="1200" dirty="0">
+                          <a:solidFill>
+                            <a:schemeClr val="dk1"/>
+                          </a:solidFill>
+                          <a:effectLst/>
+                          <a:latin typeface="+mn-lt"/>
+                          <a:ea typeface="+mn-ea"/>
+                          <a:cs typeface="+mn-cs"/>
+                        </a:rPr>
+                        <a:t>1</a:t>
+                      </a:r>
+                      <a:endParaRPr lang="en-US" sz="1400" dirty="0"/>
+                    </a:p>
+                  </a:txBody>
+                  <a:tcPr/>
+                </a:tc>
+                <a:tc>
+                  <a:txBody>
+                    <a:bodyPr/>
+                    <a:lstStyle/>
+                    <a:p>
+                      <a:pPr algn="l"/>
+                      <a:r>
+                        <a:rPr lang="en-US" sz="1400" dirty="0"/>
+                        <a:t>fallTime(VT("/net12") 0 nil 0 nil 10 90 nil "time" )-riseTime(VT("/net12") 0 nil 0 nil 10 90 nil "time" )</a:t>
+                      </a:r>
+                    </a:p>
+                  </a:txBody>
+                  <a:tcPr/>
+                </a:tc>
+                <a:extLst>
+                  <a:ext uri="{0D108BD9-81ED-4DB2-BD59-A6C34878D82A}">
+                    <a16:rowId xmlns:a16="http://schemas.microsoft.com/office/drawing/2014/main" val="2955363936"/>
+                  </a:ext>
+                </a:extLst>
+              </a:tr>
+              <a:tr h="370840">
+                <a:tc>
+                  <a:txBody>
+                    <a:bodyPr/>
+                    <a:lstStyle/>
+                    <a:p>
+                      <a:pPr algn="ctr"/>
+                      <a:r>
+                        <a:rPr lang="en-US" sz="1400" dirty="0"/>
+                        <a:t>2</a:t>
+                      </a:r>
+                    </a:p>
+                  </a:txBody>
+                  <a:tcPr/>
+                </a:tc>
+                <a:tc>
+                  <a:txBody>
+                    <a:bodyPr/>
+                    <a:lstStyle/>
+                    <a:p>
+                      <a:pPr algn="l"/>
+                      <a:r>
+                        <a:rPr lang="en-US" sz="1400" dirty="0"/>
+                        <a:t>ymax(IT("/M1/D"))</a:t>
+                      </a:r>
+                    </a:p>
+                  </a:txBody>
+                  <a:tcPr/>
+                </a:tc>
+                <a:extLst>
+                  <a:ext uri="{0D108BD9-81ED-4DB2-BD59-A6C34878D82A}">
+                    <a16:rowId xmlns:a16="http://schemas.microsoft.com/office/drawing/2014/main" val="3569874541"/>
+                  </a:ext>
+                </a:extLst>
+              </a:tr>
+              <a:tr h="370840">
+                <a:tc>
+                  <a:txBody>
+                    <a:bodyPr/>
+                    <a:lstStyle/>
+                    <a:p>
+                      <a:pPr algn="ctr"/>
+                      <a:r>
+                        <a:rPr lang="en-US" sz="1400" dirty="0"/>
+                        <a:t>…</a:t>
+                      </a:r>
+                    </a:p>
+                  </a:txBody>
+                  <a:tcPr/>
+                </a:tc>
+                <a:tc>
+                  <a:txBody>
+                    <a:bodyPr/>
+                    <a:lstStyle/>
+                    <a:p>
+                      <a:pPr algn="ctr"/>
+                      <a:r>
+                        <a:rPr lang="en-US" sz="1400" dirty="0"/>
+                        <a:t>…</a:t>
+                      </a:r>
+                    </a:p>
+                  </a:txBody>
+                  <a:tcPr/>
+                </a:tc>
+                <a:extLst>
+                  <a:ext uri="{0D108BD9-81ED-4DB2-BD59-A6C34878D82A}">
+                    <a16:rowId xmlns:a16="http://schemas.microsoft.com/office/drawing/2014/main" val="173256453"/>
+                  </a:ext>
+                </a:extLst>
+              </a:tr>
+            </a:tbl>
+          </a:graphicData>
+        </a:graphic>
+      </p:graphicFrame>
       <p:sp>
         <p:nvSpPr>
-          <p:cNvPr id="11" name="TextBox 10">
+          <p:cNvPr id="13" name="Arrow: Right 12">
             <a:extLst>
               <a:ext uri="{FF2B5EF4-FFF2-40B4-BE49-F238E27FC236}">
-                <a16:creationId xmlns:a16="http://schemas.microsoft.com/office/drawing/2014/main" id="{193322DE-9807-93FC-701D-824B59AA398F}"/>
-              </a:ext>
-            </a:extLst>
-          </p:cNvPr>
-          <p:cNvSpPr txBox="1"/>
-          <p:nvPr/>
-        </p:nvSpPr>
-        <p:spPr>
-          <a:xfrm>
-            <a:off x="8623328" y="4810880"/>
-            <a:ext cx="2369110" cy="369332"/>
-          </a:xfrm>
-          <a:prstGeom prst="rect">
-            <a:avLst/>
-          </a:prstGeom>
-          <a:noFill/>
-        </p:spPr>
-        <p:txBody>
-          <a:bodyPr wrap="none" rtlCol="0">
-            <a:spAutoFit/>
-          </a:bodyPr>
-          <a:lstStyle/>
-          <a:p>
-            <a:r>
-              <a:rPr lang="en-US" b="1" dirty="0">
-                <a:latin typeface="Times New Roman" panose="02020603050405020304" pitchFamily="18" charset="0"/>
-                <a:cs typeface="Times New Roman" panose="02020603050405020304" pitchFamily="18" charset="0"/>
-              </a:rPr>
-              <a:t>ADE Copilot Training</a:t>
-            </a:r>
-          </a:p>
-        </p:txBody>
-      </p:sp>
-      <p:sp>
-        <p:nvSpPr>
-          <p:cNvPr id="12" name="Arrow: Right 11">
-            <a:extLst>
-              <a:ext uri="{FF2B5EF4-FFF2-40B4-BE49-F238E27FC236}">
-                <a16:creationId xmlns:a16="http://schemas.microsoft.com/office/drawing/2014/main" id="{1F38D297-D29D-52BD-1AC6-95894B185807}"/>
+                <a16:creationId xmlns:a16="http://schemas.microsoft.com/office/drawing/2014/main" id="{94E9AF12-35D6-8DC6-B74E-9ABEFBD1CB9A}"/>
               </a:ext>
             </a:extLst>
           </p:cNvPr>
@@ -8407,15 +8945,16 @@
         </p:nvSpPr>
         <p:spPr>
           <a:xfrm>
-            <a:off x="7232128" y="3755450"/>
-            <a:ext cx="1084083" cy="377072"/>
+            <a:off x="3748035" y="3429000"/>
+            <a:ext cx="462698" cy="333103"/>
           </a:xfrm>
           <a:prstGeom prst="rightArrow">
             <a:avLst/>
           </a:prstGeom>
           <a:solidFill>
-            <a:schemeClr val="bg1">
-              <a:lumMod val="85000"/>
+            <a:schemeClr val="tx1">
+              <a:lumMod val="25000"/>
+              <a:lumOff val="75000"/>
             </a:schemeClr>
           </a:solidFill>
           <a:ln>
@@ -8447,6 +8986,97 @@
           </a:p>
         </p:txBody>
       </p:sp>
+      <p:sp>
+        <p:nvSpPr>
+          <p:cNvPr id="14" name="Arrow: Right 13">
+            <a:extLst>
+              <a:ext uri="{FF2B5EF4-FFF2-40B4-BE49-F238E27FC236}">
+                <a16:creationId xmlns:a16="http://schemas.microsoft.com/office/drawing/2014/main" id="{5D59B80E-0367-CB67-A960-EC9264938E62}"/>
+              </a:ext>
+            </a:extLst>
+          </p:cNvPr>
+          <p:cNvSpPr/>
+          <p:nvPr/>
+        </p:nvSpPr>
+        <p:spPr>
+          <a:xfrm>
+            <a:off x="7466625" y="3429000"/>
+            <a:ext cx="462698" cy="333103"/>
+          </a:xfrm>
+          <a:prstGeom prst="rightArrow">
+            <a:avLst/>
+          </a:prstGeom>
+          <a:solidFill>
+            <a:schemeClr val="tx1">
+              <a:lumMod val="25000"/>
+              <a:lumOff val="75000"/>
+            </a:schemeClr>
+          </a:solidFill>
+          <a:ln>
+            <a:noFill/>
+          </a:ln>
+        </p:spPr>
+        <p:style>
+          <a:lnRef idx="2">
+            <a:schemeClr val="accent1">
+              <a:shade val="50000"/>
+            </a:schemeClr>
+          </a:lnRef>
+          <a:fillRef idx="1">
+            <a:schemeClr val="accent1"/>
+          </a:fillRef>
+          <a:effectRef idx="0">
+            <a:schemeClr val="accent1"/>
+          </a:effectRef>
+          <a:fontRef idx="minor">
+            <a:schemeClr val="lt1"/>
+          </a:fontRef>
+        </p:style>
+        <p:txBody>
+          <a:bodyPr rtlCol="0" anchor="ctr"/>
+          <a:lstStyle/>
+          <a:p>
+            <a:pPr algn="ctr"/>
+            <a:endParaRPr lang="en-US"/>
+          </a:p>
+        </p:txBody>
+      </p:sp>
+      <p:pic>
+        <p:nvPicPr>
+          <p:cNvPr id="17" name="Picture 16">
+            <a:extLst>
+              <a:ext uri="{FF2B5EF4-FFF2-40B4-BE49-F238E27FC236}">
+                <a16:creationId xmlns:a16="http://schemas.microsoft.com/office/drawing/2014/main" id="{76B9EAE2-1DBD-4A06-1016-C412B6F3F3CD}"/>
+              </a:ext>
+            </a:extLst>
+          </p:cNvPr>
+          <p:cNvPicPr>
+            <a:picLocks noChangeAspect="1"/>
+          </p:cNvPicPr>
+          <p:nvPr/>
+        </p:nvPicPr>
+        <p:blipFill>
+          <a:blip r:embed="rId2" cstate="print">
+            <a:extLst>
+              <a:ext uri="{28A0092B-C50C-407E-A947-70E740481C1C}">
+                <a14:useLocalDpi xmlns:a14="http://schemas.microsoft.com/office/drawing/2010/main" val="0"/>
+              </a:ext>
+            </a:extLst>
+          </a:blip>
+          <a:stretch>
+            <a:fillRect/>
+          </a:stretch>
+        </p:blipFill>
+        <p:spPr>
+          <a:xfrm>
+            <a:off x="4270802" y="2723410"/>
+            <a:ext cx="3115436" cy="2484984"/>
+          </a:xfrm>
+          <a:prstGeom prst="rect">
+            <a:avLst/>
+          </a:prstGeom>
+        </p:spPr>
+      </p:pic>
     </p:spTree>
     <p:extLst>
       <p:ext uri="{BB962C8B-B14F-4D97-AF65-F5344CB8AC3E}">

--- a/ADE_copilot/CIC-2025_PPT_ADECopilot.pptx
+++ b/ADE_copilot/CIC-2025_PPT_ADECopilot.pptx
@@ -5893,15 +5893,21 @@
             <p:ph type="title"/>
           </p:nvPr>
         </p:nvSpPr>
-        <p:spPr/>
+        <p:spPr>
+          <a:xfrm>
+            <a:off x="446313" y="336844"/>
+            <a:ext cx="11612880" cy="565150"/>
+          </a:xfrm>
+        </p:spPr>
         <p:txBody>
           <a:bodyPr/>
           <a:lstStyle/>
           <a:p>
             <a:r>
-              <a:rPr lang="en-US" dirty="0"/>
-              <a:t>Verifier Requirements Automation</a:t>
-            </a:r>
+              <a:rPr lang="en-US" altLang="zh-CN" dirty="0"/>
+              <a:t>Measurement Generation</a:t>
+            </a:r>
+            <a:endParaRPr lang="en-US" dirty="0"/>
           </a:p>
         </p:txBody>
       </p:sp>
@@ -7459,9 +7465,10 @@
           <a:lstStyle/>
           <a:p>
             <a:r>
-              <a:rPr lang="en-US" dirty="0"/>
-              <a:t>Verifier Requirements Automation</a:t>
-            </a:r>
+              <a:rPr lang="en-US" altLang="zh-CN" dirty="0"/>
+              <a:t>Measurement Generation</a:t>
+            </a:r>
+            <a:endParaRPr lang="en-US" dirty="0"/>
           </a:p>
         </p:txBody>
       </p:sp>
@@ -7488,7 +7495,7 @@
           <a:p>
             <a:r>
               <a:rPr lang="en-US" dirty="0"/>
-              <a:t>How ADE Copilot solve this problem</a:t>
+              <a:t>How ADE Copilot solves this problem</a:t>
             </a:r>
           </a:p>
           <a:p>
@@ -8448,9 +8455,10 @@
           <a:lstStyle/>
           <a:p>
             <a:r>
-              <a:rPr lang="en-US" dirty="0"/>
-              <a:t>Verifier Requirements Automation</a:t>
-            </a:r>
+              <a:rPr lang="en-US" altLang="zh-CN" dirty="0"/>
+              <a:t>Measurement Generation</a:t>
+            </a:r>
+            <a:endParaRPr lang="en-US" dirty="0"/>
           </a:p>
         </p:txBody>
       </p:sp>
@@ -8477,7 +8485,7 @@
           <a:p>
             <a:r>
               <a:rPr lang="en-US" dirty="0"/>
-              <a:t>How ADE Copilot solve this problem</a:t>
+              <a:t>How ADE Copilot solves this problem</a:t>
             </a:r>
           </a:p>
           <a:p>
@@ -11297,28 +11305,6 @@
 </file>
 
 <file path=customXml/item1.xml><?xml version="1.0" encoding="utf-8"?>
-<?mso-contentType ?>
-<FormTemplates xmlns="http://schemas.microsoft.com/sharepoint/v3/contenttype/forms">
-  <Display>DocumentLibraryForm</Display>
-  <Edit>DocumentLibraryForm</Edit>
-  <New>DocumentLibraryForm</New>
-</FormTemplates>
-</file>
-
-<file path=customXml/item2.xml><?xml version="1.0" encoding="utf-8"?>
-<p:properties xmlns:p="http://schemas.microsoft.com/office/2006/metadata/properties" xmlns:xsi="http://www.w3.org/2001/XMLSchema-instance" xmlns:pc="http://schemas.microsoft.com/office/infopath/2007/PartnerControls">
-  <documentManagement>
-    <TaxCatchAll xmlns="7b8458dc-598e-4883-bee3-b65cd33e2373" xsi:nil="true"/>
-    <lcf76f155ced4ddcb4097134ff3c332f xmlns="4d616b5b-752e-49e1-bc84-983707c3b45d">
-      <Terms xmlns="http://schemas.microsoft.com/office/infopath/2007/PartnerControls"/>
-    </lcf76f155ced4ddcb4097134ff3c332f>
-    <_ip_UnifiedCompliancePolicyUIAction xmlns="http://schemas.microsoft.com/sharepoint/v3" xsi:nil="true"/>
-    <_ip_UnifiedCompliancePolicyProperties xmlns="http://schemas.microsoft.com/sharepoint/v3" xsi:nil="true"/>
-  </documentManagement>
-</p:properties>
-</file>
-
-<file path=customXml/item3.xml><?xml version="1.0" encoding="utf-8"?>
 <ct:contentTypeSchema xmlns:ct="http://schemas.microsoft.com/office/2006/metadata/contentType" xmlns:ma="http://schemas.microsoft.com/office/2006/metadata/properties/metaAttributes" ct:_="" ma:_="" ma:contentTypeName="Document" ma:contentTypeID="0x010100EA1802221C47224DAD2E1CD157C76B66" ma:contentTypeVersion="15" ma:contentTypeDescription="Create a new document." ma:contentTypeScope="" ma:versionID="363dbe0862a1b9cf731691ddd7ebcb66">
   <xsd:schema xmlns:xsd="http://www.w3.org/2001/XMLSchema" xmlns:xs="http://www.w3.org/2001/XMLSchema" xmlns:p="http://schemas.microsoft.com/office/2006/metadata/properties" xmlns:ns1="http://schemas.microsoft.com/sharepoint/v3" xmlns:ns2="4d616b5b-752e-49e1-bc84-983707c3b45d" xmlns:ns3="7b8458dc-598e-4883-bee3-b65cd33e2373" targetNamespace="http://schemas.microsoft.com/office/2006/metadata/properties" ma:root="true" ma:fieldsID="2291c4afe0501b639051f6a2b720ae43" ns1:_="" ns2:_="" ns3:_="">
     <xsd:import namespace="http://schemas.microsoft.com/sharepoint/v3"/>
@@ -11556,10 +11542,44 @@
 </ct:contentTypeSchema>
 </file>
 
+<file path=customXml/item2.xml><?xml version="1.0" encoding="utf-8"?>
+<p:properties xmlns:p="http://schemas.microsoft.com/office/2006/metadata/properties" xmlns:xsi="http://www.w3.org/2001/XMLSchema-instance" xmlns:pc="http://schemas.microsoft.com/office/infopath/2007/PartnerControls">
+  <documentManagement>
+    <TaxCatchAll xmlns="7b8458dc-598e-4883-bee3-b65cd33e2373" xsi:nil="true"/>
+    <lcf76f155ced4ddcb4097134ff3c332f xmlns="4d616b5b-752e-49e1-bc84-983707c3b45d">
+      <Terms xmlns="http://schemas.microsoft.com/office/infopath/2007/PartnerControls"/>
+    </lcf76f155ced4ddcb4097134ff3c332f>
+    <_ip_UnifiedCompliancePolicyUIAction xmlns="http://schemas.microsoft.com/sharepoint/v3" xsi:nil="true"/>
+    <_ip_UnifiedCompliancePolicyProperties xmlns="http://schemas.microsoft.com/sharepoint/v3" xsi:nil="true"/>
+  </documentManagement>
+</p:properties>
+</file>
+
+<file path=customXml/item3.xml><?xml version="1.0" encoding="utf-8"?>
+<?mso-contentType ?>
+<FormTemplates xmlns="http://schemas.microsoft.com/sharepoint/v3/contenttype/forms">
+  <Display>DocumentLibraryForm</Display>
+  <Edit>DocumentLibraryForm</Edit>
+  <New>DocumentLibraryForm</New>
+</FormTemplates>
+</file>
+
 <file path=customXml/itemProps1.xml><?xml version="1.0" encoding="utf-8"?>
-<ds:datastoreItem xmlns:ds="http://schemas.openxmlformats.org/officeDocument/2006/customXml" ds:itemID="{26A66B61-4F06-44C8-9162-4B6D2BCADA53}">
+<ds:datastoreItem xmlns:ds="http://schemas.openxmlformats.org/officeDocument/2006/customXml" ds:itemID="{5F414E3A-68DA-42A0-8EE0-8D409A8A8051}">
   <ds:schemaRefs>
-    <ds:schemaRef ds:uri="http://schemas.microsoft.com/sharepoint/v3/contenttype/forms"/>
+    <ds:schemaRef ds:uri="http://schemas.microsoft.com/office/2006/metadata/contentType"/>
+    <ds:schemaRef ds:uri="http://schemas.microsoft.com/office/2006/metadata/properties/metaAttributes"/>
+    <ds:schemaRef ds:uri="http://www.w3.org/2001/XMLSchema"/>
+    <ds:schemaRef ds:uri="http://schemas.microsoft.com/office/2006/metadata/properties"/>
+    <ds:schemaRef ds:uri="http://schemas.microsoft.com/sharepoint/v3"/>
+    <ds:schemaRef ds:uri="4d616b5b-752e-49e1-bc84-983707c3b45d"/>
+    <ds:schemaRef ds:uri="7b8458dc-598e-4883-bee3-b65cd33e2373"/>
+    <ds:schemaRef ds:uri="http://schemas.microsoft.com/office/2006/documentManagement/types"/>
+    <ds:schemaRef ds:uri="http://schemas.microsoft.com/office/infopath/2007/PartnerControls"/>
+    <ds:schemaRef ds:uri="http://schemas.openxmlformats.org/package/2006/metadata/core-properties"/>
+    <ds:schemaRef ds:uri="http://purl.org/dc/elements/1.1/"/>
+    <ds:schemaRef ds:uri="http://purl.org/dc/terms/"/>
+    <ds:schemaRef ds:uri="http://schemas.microsoft.com/internal/obd"/>
   </ds:schemaRefs>
 </ds:datastoreItem>
 </file>
@@ -11583,21 +11603,9 @@
 </file>
 
 <file path=customXml/itemProps3.xml><?xml version="1.0" encoding="utf-8"?>
-<ds:datastoreItem xmlns:ds="http://schemas.openxmlformats.org/officeDocument/2006/customXml" ds:itemID="{5F414E3A-68DA-42A0-8EE0-8D409A8A8051}">
+<ds:datastoreItem xmlns:ds="http://schemas.openxmlformats.org/officeDocument/2006/customXml" ds:itemID="{26A66B61-4F06-44C8-9162-4B6D2BCADA53}">
   <ds:schemaRefs>
-    <ds:schemaRef ds:uri="http://schemas.microsoft.com/office/2006/metadata/contentType"/>
-    <ds:schemaRef ds:uri="http://schemas.microsoft.com/office/2006/metadata/properties/metaAttributes"/>
-    <ds:schemaRef ds:uri="http://www.w3.org/2001/XMLSchema"/>
-    <ds:schemaRef ds:uri="http://schemas.microsoft.com/office/2006/metadata/properties"/>
-    <ds:schemaRef ds:uri="http://schemas.microsoft.com/sharepoint/v3"/>
-    <ds:schemaRef ds:uri="4d616b5b-752e-49e1-bc84-983707c3b45d"/>
-    <ds:schemaRef ds:uri="7b8458dc-598e-4883-bee3-b65cd33e2373"/>
-    <ds:schemaRef ds:uri="http://schemas.microsoft.com/office/2006/documentManagement/types"/>
-    <ds:schemaRef ds:uri="http://schemas.microsoft.com/office/infopath/2007/PartnerControls"/>
-    <ds:schemaRef ds:uri="http://schemas.openxmlformats.org/package/2006/metadata/core-properties"/>
-    <ds:schemaRef ds:uri="http://purl.org/dc/elements/1.1/"/>
-    <ds:schemaRef ds:uri="http://purl.org/dc/terms/"/>
-    <ds:schemaRef ds:uri="http://schemas.microsoft.com/internal/obd"/>
+    <ds:schemaRef ds:uri="http://schemas.microsoft.com/sharepoint/v3/contenttype/forms"/>
   </ds:schemaRefs>
 </ds:datastoreItem>
 </file>
--- a/ADE_copilot/CIC-2025_PPT_ADECopilot.pptx
+++ b/ADE_copilot/CIC-2025_PPT_ADECopilot.pptx
@@ -8754,7 +8754,7 @@
           <p:nvPr>
             <p:extLst>
               <p:ext uri="{D42A27DB-BD31-4B8C-83A1-F6EECF244321}">
-                <p14:modId xmlns:p14="http://schemas.microsoft.com/office/powerpoint/2010/main" val="957261442"/>
+                <p14:modId xmlns:p14="http://schemas.microsoft.com/office/powerpoint/2010/main" val="3517806160"/>
               </p:ext>
             </p:extLst>
           </p:nvPr>
@@ -8793,10 +8793,9 @@
                     <a:p>
                       <a:pPr algn="ctr"/>
                       <a:r>
-                        <a:rPr lang="en-US"/>
+                        <a:rPr lang="en-US" dirty="0"/>
                         <a:t>ID</a:t>
                       </a:r>
-                      <a:endParaRPr lang="en-US" dirty="0"/>
                     </a:p>
                   </a:txBody>
                   <a:tcPr/>
@@ -8808,9 +8807,10 @@
                     <a:p>
                       <a:pPr algn="ctr"/>
                       <a:r>
-                        <a:rPr lang="en-US" dirty="0"/>
-                        <a:t>Requirements</a:t>
+                        <a:rPr lang="en-US" altLang="zh-CN" dirty="0"/>
+                        <a:t>Measurement</a:t>
                       </a:r>
+                      <a:endParaRPr lang="en-US" dirty="0"/>
                     </a:p>
                   </a:txBody>
                   <a:tcPr/>
@@ -8829,7 +8829,7 @@
                     <a:p>
                       <a:pPr algn="ctr"/>
                       <a:r>
-                        <a:rPr lang="en-US" sz="1400" b="0" i="0" kern="1200" dirty="0">
+                        <a:rPr lang="en-US" sz="1400" b="0" i="0" kern="1200">
                           <a:solidFill>
                             <a:schemeClr val="dk1"/>
                           </a:solidFill>
@@ -8852,9 +8852,10 @@
                     <a:p>
                       <a:pPr algn="l"/>
                       <a:r>
-                        <a:rPr lang="en-US" sz="1400" dirty="0"/>
+                        <a:rPr lang="en-US" sz="1400"/>
                         <a:t>fallTime(VT("/net12") 0 nil 0 nil 10 90 nil "time" )-riseTime(VT("/net12") 0 nil 0 nil 10 90 nil "time" )</a:t>
                       </a:r>
+                      <a:endParaRPr lang="en-US" sz="1400" dirty="0"/>
                     </a:p>
                   </a:txBody>
                   <a:tcPr/>
@@ -8873,9 +8874,10 @@
                     <a:p>
                       <a:pPr algn="ctr"/>
                       <a:r>
-                        <a:rPr lang="en-US" sz="1400" dirty="0"/>
+                        <a:rPr lang="en-US" sz="1400"/>
                         <a:t>2</a:t>
                       </a:r>
+                      <a:endParaRPr lang="en-US" sz="1400" dirty="0"/>
                     </a:p>
                   </a:txBody>
                   <a:tcPr/>
@@ -8887,9 +8889,10 @@
                     <a:p>
                       <a:pPr algn="l"/>
                       <a:r>
-                        <a:rPr lang="en-US" sz="1400" dirty="0"/>
+                        <a:rPr lang="en-US" sz="1400"/>
                         <a:t>ymax(IT("/M1/D"))</a:t>
                       </a:r>
+                      <a:endParaRPr lang="en-US" sz="1400" dirty="0"/>
                     </a:p>
                   </a:txBody>
                   <a:tcPr/>
@@ -8908,9 +8911,10 @@
                     <a:p>
                       <a:pPr algn="ctr"/>
                       <a:r>
-                        <a:rPr lang="en-US" sz="1400" dirty="0"/>
+                        <a:rPr lang="en-US" sz="1400"/>
                         <a:t>…</a:t>
                       </a:r>
+                      <a:endParaRPr lang="en-US" sz="1400" dirty="0"/>
                     </a:p>
                   </a:txBody>
                   <a:tcPr/>
@@ -11305,6 +11309,28 @@
 </file>
 
 <file path=customXml/item1.xml><?xml version="1.0" encoding="utf-8"?>
+<?mso-contentType ?>
+<FormTemplates xmlns="http://schemas.microsoft.com/sharepoint/v3/contenttype/forms">
+  <Display>DocumentLibraryForm</Display>
+  <Edit>DocumentLibraryForm</Edit>
+  <New>DocumentLibraryForm</New>
+</FormTemplates>
+</file>
+
+<file path=customXml/item2.xml><?xml version="1.0" encoding="utf-8"?>
+<p:properties xmlns:p="http://schemas.microsoft.com/office/2006/metadata/properties" xmlns:xsi="http://www.w3.org/2001/XMLSchema-instance" xmlns:pc="http://schemas.microsoft.com/office/infopath/2007/PartnerControls">
+  <documentManagement>
+    <TaxCatchAll xmlns="7b8458dc-598e-4883-bee3-b65cd33e2373" xsi:nil="true"/>
+    <lcf76f155ced4ddcb4097134ff3c332f xmlns="4d616b5b-752e-49e1-bc84-983707c3b45d">
+      <Terms xmlns="http://schemas.microsoft.com/office/infopath/2007/PartnerControls"/>
+    </lcf76f155ced4ddcb4097134ff3c332f>
+    <_ip_UnifiedCompliancePolicyUIAction xmlns="http://schemas.microsoft.com/sharepoint/v3" xsi:nil="true"/>
+    <_ip_UnifiedCompliancePolicyProperties xmlns="http://schemas.microsoft.com/sharepoint/v3" xsi:nil="true"/>
+  </documentManagement>
+</p:properties>
+</file>
+
+<file path=customXml/item3.xml><?xml version="1.0" encoding="utf-8"?>
 <ct:contentTypeSchema xmlns:ct="http://schemas.microsoft.com/office/2006/metadata/contentType" xmlns:ma="http://schemas.microsoft.com/office/2006/metadata/properties/metaAttributes" ct:_="" ma:_="" ma:contentTypeName="Document" ma:contentTypeID="0x010100EA1802221C47224DAD2E1CD157C76B66" ma:contentTypeVersion="15" ma:contentTypeDescription="Create a new document." ma:contentTypeScope="" ma:versionID="363dbe0862a1b9cf731691ddd7ebcb66">
   <xsd:schema xmlns:xsd="http://www.w3.org/2001/XMLSchema" xmlns:xs="http://www.w3.org/2001/XMLSchema" xmlns:p="http://schemas.microsoft.com/office/2006/metadata/properties" xmlns:ns1="http://schemas.microsoft.com/sharepoint/v3" xmlns:ns2="4d616b5b-752e-49e1-bc84-983707c3b45d" xmlns:ns3="7b8458dc-598e-4883-bee3-b65cd33e2373" targetNamespace="http://schemas.microsoft.com/office/2006/metadata/properties" ma:root="true" ma:fieldsID="2291c4afe0501b639051f6a2b720ae43" ns1:_="" ns2:_="" ns3:_="">
     <xsd:import namespace="http://schemas.microsoft.com/sharepoint/v3"/>
@@ -11542,44 +11568,10 @@
 </ct:contentTypeSchema>
 </file>
 
-<file path=customXml/item2.xml><?xml version="1.0" encoding="utf-8"?>
-<p:properties xmlns:p="http://schemas.microsoft.com/office/2006/metadata/properties" xmlns:xsi="http://www.w3.org/2001/XMLSchema-instance" xmlns:pc="http://schemas.microsoft.com/office/infopath/2007/PartnerControls">
-  <documentManagement>
-    <TaxCatchAll xmlns="7b8458dc-598e-4883-bee3-b65cd33e2373" xsi:nil="true"/>
-    <lcf76f155ced4ddcb4097134ff3c332f xmlns="4d616b5b-752e-49e1-bc84-983707c3b45d">
-      <Terms xmlns="http://schemas.microsoft.com/office/infopath/2007/PartnerControls"/>
-    </lcf76f155ced4ddcb4097134ff3c332f>
-    <_ip_UnifiedCompliancePolicyUIAction xmlns="http://schemas.microsoft.com/sharepoint/v3" xsi:nil="true"/>
-    <_ip_UnifiedCompliancePolicyProperties xmlns="http://schemas.microsoft.com/sharepoint/v3" xsi:nil="true"/>
-  </documentManagement>
-</p:properties>
-</file>
-
-<file path=customXml/item3.xml><?xml version="1.0" encoding="utf-8"?>
-<?mso-contentType ?>
-<FormTemplates xmlns="http://schemas.microsoft.com/sharepoint/v3/contenttype/forms">
-  <Display>DocumentLibraryForm</Display>
-  <Edit>DocumentLibraryForm</Edit>
-  <New>DocumentLibraryForm</New>
-</FormTemplates>
-</file>
-
 <file path=customXml/itemProps1.xml><?xml version="1.0" encoding="utf-8"?>
-<ds:datastoreItem xmlns:ds="http://schemas.openxmlformats.org/officeDocument/2006/customXml" ds:itemID="{5F414E3A-68DA-42A0-8EE0-8D409A8A8051}">
+<ds:datastoreItem xmlns:ds="http://schemas.openxmlformats.org/officeDocument/2006/customXml" ds:itemID="{26A66B61-4F06-44C8-9162-4B6D2BCADA53}">
   <ds:schemaRefs>
-    <ds:schemaRef ds:uri="http://schemas.microsoft.com/office/2006/metadata/contentType"/>
-    <ds:schemaRef ds:uri="http://schemas.microsoft.com/office/2006/metadata/properties/metaAttributes"/>
-    <ds:schemaRef ds:uri="http://www.w3.org/2001/XMLSchema"/>
-    <ds:schemaRef ds:uri="http://schemas.microsoft.com/office/2006/metadata/properties"/>
-    <ds:schemaRef ds:uri="http://schemas.microsoft.com/sharepoint/v3"/>
-    <ds:schemaRef ds:uri="4d616b5b-752e-49e1-bc84-983707c3b45d"/>
-    <ds:schemaRef ds:uri="7b8458dc-598e-4883-bee3-b65cd33e2373"/>
-    <ds:schemaRef ds:uri="http://schemas.microsoft.com/office/2006/documentManagement/types"/>
-    <ds:schemaRef ds:uri="http://schemas.microsoft.com/office/infopath/2007/PartnerControls"/>
-    <ds:schemaRef ds:uri="http://schemas.openxmlformats.org/package/2006/metadata/core-properties"/>
-    <ds:schemaRef ds:uri="http://purl.org/dc/elements/1.1/"/>
-    <ds:schemaRef ds:uri="http://purl.org/dc/terms/"/>
-    <ds:schemaRef ds:uri="http://schemas.microsoft.com/internal/obd"/>
+    <ds:schemaRef ds:uri="http://schemas.microsoft.com/sharepoint/v3/contenttype/forms"/>
   </ds:schemaRefs>
 </ds:datastoreItem>
 </file>
@@ -11603,9 +11595,21 @@
 </file>
 
 <file path=customXml/itemProps3.xml><?xml version="1.0" encoding="utf-8"?>
-<ds:datastoreItem xmlns:ds="http://schemas.openxmlformats.org/officeDocument/2006/customXml" ds:itemID="{26A66B61-4F06-44C8-9162-4B6D2BCADA53}">
+<ds:datastoreItem xmlns:ds="http://schemas.openxmlformats.org/officeDocument/2006/customXml" ds:itemID="{5F414E3A-68DA-42A0-8EE0-8D409A8A8051}">
   <ds:schemaRefs>
-    <ds:schemaRef ds:uri="http://schemas.microsoft.com/sharepoint/v3/contenttype/forms"/>
+    <ds:schemaRef ds:uri="http://schemas.microsoft.com/office/2006/metadata/contentType"/>
+    <ds:schemaRef ds:uri="http://schemas.microsoft.com/office/2006/metadata/properties/metaAttributes"/>
+    <ds:schemaRef ds:uri="http://www.w3.org/2001/XMLSchema"/>
+    <ds:schemaRef ds:uri="http://schemas.microsoft.com/office/2006/metadata/properties"/>
+    <ds:schemaRef ds:uri="http://schemas.microsoft.com/sharepoint/v3"/>
+    <ds:schemaRef ds:uri="4d616b5b-752e-49e1-bc84-983707c3b45d"/>
+    <ds:schemaRef ds:uri="7b8458dc-598e-4883-bee3-b65cd33e2373"/>
+    <ds:schemaRef ds:uri="http://schemas.microsoft.com/office/2006/documentManagement/types"/>
+    <ds:schemaRef ds:uri="http://schemas.microsoft.com/office/infopath/2007/PartnerControls"/>
+    <ds:schemaRef ds:uri="http://schemas.openxmlformats.org/package/2006/metadata/core-properties"/>
+    <ds:schemaRef ds:uri="http://purl.org/dc/elements/1.1/"/>
+    <ds:schemaRef ds:uri="http://purl.org/dc/terms/"/>
+    <ds:schemaRef ds:uri="http://schemas.microsoft.com/internal/obd"/>
   </ds:schemaRefs>
 </ds:datastoreItem>
 </file>
--- a/ADE_copilot/CIC-2025_PPT_ADECopilot.pptx
+++ b/ADE_copilot/CIC-2025_PPT_ADECopilot.pptx
@@ -5562,7 +5562,7 @@
         </p:blipFill>
         <p:spPr>
           <a:xfrm>
-            <a:off x="1316371" y="2848049"/>
+            <a:off x="845031" y="2848049"/>
             <a:ext cx="2728066" cy="2785798"/>
           </a:xfrm>
           <a:prstGeom prst="rect">
@@ -5584,7 +5584,7 @@
         </p:nvSpPr>
         <p:spPr>
           <a:xfrm>
-            <a:off x="1334885" y="5815390"/>
+            <a:off x="757870" y="5815390"/>
             <a:ext cx="2851230" cy="338554"/>
           </a:xfrm>
           <a:prstGeom prst="rect">
@@ -5639,7 +5639,7 @@
         </p:blipFill>
         <p:spPr>
           <a:xfrm>
-            <a:off x="4671770" y="2871360"/>
+            <a:off x="4907441" y="2923680"/>
             <a:ext cx="7217741" cy="2762487"/>
           </a:xfrm>
           <a:prstGeom prst="rect">
@@ -5661,7 +5661,7 @@
         </p:nvSpPr>
         <p:spPr>
           <a:xfrm>
-            <a:off x="6615467" y="5815390"/>
+            <a:off x="7360184" y="5841549"/>
             <a:ext cx="3108415" cy="338554"/>
           </a:xfrm>
           <a:prstGeom prst="rect">
@@ -5705,6 +5705,60 @@
               </a:rPr>
               <a:t>ssistant</a:t>
             </a:r>
+          </a:p>
+        </p:txBody>
+      </p:sp>
+      <p:sp>
+        <p:nvSpPr>
+          <p:cNvPr id="2" name="Arrow: Right 1">
+            <a:extLst>
+              <a:ext uri="{FF2B5EF4-FFF2-40B4-BE49-F238E27FC236}">
+                <a16:creationId xmlns:a16="http://schemas.microsoft.com/office/drawing/2014/main" id="{117C50BC-3DBD-D8B4-12FE-282A0B0F49C2}"/>
+              </a:ext>
+            </a:extLst>
+          </p:cNvPr>
+          <p:cNvSpPr/>
+          <p:nvPr/>
+        </p:nvSpPr>
+        <p:spPr>
+          <a:xfrm>
+            <a:off x="4211218" y="3725174"/>
+            <a:ext cx="820132" cy="1159497"/>
+          </a:xfrm>
+          <a:prstGeom prst="rightArrow">
+            <a:avLst/>
+          </a:prstGeom>
+          <a:solidFill>
+            <a:schemeClr val="bg1">
+              <a:lumMod val="85000"/>
+            </a:schemeClr>
+          </a:solidFill>
+          <a:ln>
+            <a:noFill/>
+          </a:ln>
+        </p:spPr>
+        <p:style>
+          <a:lnRef idx="2">
+            <a:schemeClr val="accent1">
+              <a:shade val="50000"/>
+            </a:schemeClr>
+          </a:lnRef>
+          <a:fillRef idx="1">
+            <a:schemeClr val="accent1"/>
+          </a:fillRef>
+          <a:effectRef idx="0">
+            <a:schemeClr val="accent1"/>
+          </a:effectRef>
+          <a:fontRef idx="minor">
+            <a:schemeClr val="lt1"/>
+          </a:fontRef>
+        </p:style>
+        <p:txBody>
+          <a:bodyPr rtlCol="0" anchor="ctr"/>
+          <a:lstStyle/>
+          <a:p>
+            <a:pPr algn="ctr"/>
+            <a:endParaRPr lang="en-US"/>
           </a:p>
         </p:txBody>
       </p:sp>
@@ -7017,7 +7071,7 @@
         </p:nvSpPr>
         <p:spPr>
           <a:xfrm flipV="1">
-            <a:off x="1459150" y="4753582"/>
+            <a:off x="1356475" y="4981428"/>
             <a:ext cx="1770826" cy="824349"/>
           </a:xfrm>
           <a:prstGeom prst="bentArrow">
@@ -7089,7 +7143,7 @@
         </p:blipFill>
         <p:spPr>
           <a:xfrm>
-            <a:off x="2133303" y="4522981"/>
+            <a:off x="2007706" y="4759334"/>
             <a:ext cx="565191" cy="461202"/>
           </a:xfrm>
           <a:prstGeom prst="rect">
@@ -7111,7 +7165,7 @@
         </p:nvSpPr>
         <p:spPr>
           <a:xfrm>
-            <a:off x="1735263" y="4996407"/>
+            <a:off x="1766031" y="5196409"/>
             <a:ext cx="1361270" cy="246221"/>
           </a:xfrm>
           <a:prstGeom prst="rect">
@@ -7149,7 +7203,7 @@
         </p:nvSpPr>
         <p:spPr>
           <a:xfrm>
-            <a:off x="1234050" y="5765361"/>
+            <a:off x="899988" y="5949140"/>
             <a:ext cx="1798506" cy="369332"/>
           </a:xfrm>
           <a:prstGeom prst="rect">
@@ -11309,28 +11363,6 @@
 </file>
 
 <file path=customXml/item1.xml><?xml version="1.0" encoding="utf-8"?>
-<?mso-contentType ?>
-<FormTemplates xmlns="http://schemas.microsoft.com/sharepoint/v3/contenttype/forms">
-  <Display>DocumentLibraryForm</Display>
-  <Edit>DocumentLibraryForm</Edit>
-  <New>DocumentLibraryForm</New>
-</FormTemplates>
-</file>
-
-<file path=customXml/item2.xml><?xml version="1.0" encoding="utf-8"?>
-<p:properties xmlns:p="http://schemas.microsoft.com/office/2006/metadata/properties" xmlns:xsi="http://www.w3.org/2001/XMLSchema-instance" xmlns:pc="http://schemas.microsoft.com/office/infopath/2007/PartnerControls">
-  <documentManagement>
-    <TaxCatchAll xmlns="7b8458dc-598e-4883-bee3-b65cd33e2373" xsi:nil="true"/>
-    <lcf76f155ced4ddcb4097134ff3c332f xmlns="4d616b5b-752e-49e1-bc84-983707c3b45d">
-      <Terms xmlns="http://schemas.microsoft.com/office/infopath/2007/PartnerControls"/>
-    </lcf76f155ced4ddcb4097134ff3c332f>
-    <_ip_UnifiedCompliancePolicyUIAction xmlns="http://schemas.microsoft.com/sharepoint/v3" xsi:nil="true"/>
-    <_ip_UnifiedCompliancePolicyProperties xmlns="http://schemas.microsoft.com/sharepoint/v3" xsi:nil="true"/>
-  </documentManagement>
-</p:properties>
-</file>
-
-<file path=customXml/item3.xml><?xml version="1.0" encoding="utf-8"?>
 <ct:contentTypeSchema xmlns:ct="http://schemas.microsoft.com/office/2006/metadata/contentType" xmlns:ma="http://schemas.microsoft.com/office/2006/metadata/properties/metaAttributes" ct:_="" ma:_="" ma:contentTypeName="Document" ma:contentTypeID="0x010100EA1802221C47224DAD2E1CD157C76B66" ma:contentTypeVersion="15" ma:contentTypeDescription="Create a new document." ma:contentTypeScope="" ma:versionID="363dbe0862a1b9cf731691ddd7ebcb66">
   <xsd:schema xmlns:xsd="http://www.w3.org/2001/XMLSchema" xmlns:xs="http://www.w3.org/2001/XMLSchema" xmlns:p="http://schemas.microsoft.com/office/2006/metadata/properties" xmlns:ns1="http://schemas.microsoft.com/sharepoint/v3" xmlns:ns2="4d616b5b-752e-49e1-bc84-983707c3b45d" xmlns:ns3="7b8458dc-598e-4883-bee3-b65cd33e2373" targetNamespace="http://schemas.microsoft.com/office/2006/metadata/properties" ma:root="true" ma:fieldsID="2291c4afe0501b639051f6a2b720ae43" ns1:_="" ns2:_="" ns3:_="">
     <xsd:import namespace="http://schemas.microsoft.com/sharepoint/v3"/>
@@ -11568,10 +11600,44 @@
 </ct:contentTypeSchema>
 </file>
 
+<file path=customXml/item2.xml><?xml version="1.0" encoding="utf-8"?>
+<p:properties xmlns:p="http://schemas.microsoft.com/office/2006/metadata/properties" xmlns:xsi="http://www.w3.org/2001/XMLSchema-instance" xmlns:pc="http://schemas.microsoft.com/office/infopath/2007/PartnerControls">
+  <documentManagement>
+    <TaxCatchAll xmlns="7b8458dc-598e-4883-bee3-b65cd33e2373" xsi:nil="true"/>
+    <lcf76f155ced4ddcb4097134ff3c332f xmlns="4d616b5b-752e-49e1-bc84-983707c3b45d">
+      <Terms xmlns="http://schemas.microsoft.com/office/infopath/2007/PartnerControls"/>
+    </lcf76f155ced4ddcb4097134ff3c332f>
+    <_ip_UnifiedCompliancePolicyUIAction xmlns="http://schemas.microsoft.com/sharepoint/v3" xsi:nil="true"/>
+    <_ip_UnifiedCompliancePolicyProperties xmlns="http://schemas.microsoft.com/sharepoint/v3" xsi:nil="true"/>
+  </documentManagement>
+</p:properties>
+</file>
+
+<file path=customXml/item3.xml><?xml version="1.0" encoding="utf-8"?>
+<?mso-contentType ?>
+<FormTemplates xmlns="http://schemas.microsoft.com/sharepoint/v3/contenttype/forms">
+  <Display>DocumentLibraryForm</Display>
+  <Edit>DocumentLibraryForm</Edit>
+  <New>DocumentLibraryForm</New>
+</FormTemplates>
+</file>
+
 <file path=customXml/itemProps1.xml><?xml version="1.0" encoding="utf-8"?>
-<ds:datastoreItem xmlns:ds="http://schemas.openxmlformats.org/officeDocument/2006/customXml" ds:itemID="{26A66B61-4F06-44C8-9162-4B6D2BCADA53}">
+<ds:datastoreItem xmlns:ds="http://schemas.openxmlformats.org/officeDocument/2006/customXml" ds:itemID="{5F414E3A-68DA-42A0-8EE0-8D409A8A8051}">
   <ds:schemaRefs>
-    <ds:schemaRef ds:uri="http://schemas.microsoft.com/sharepoint/v3/contenttype/forms"/>
+    <ds:schemaRef ds:uri="http://schemas.microsoft.com/office/2006/metadata/contentType"/>
+    <ds:schemaRef ds:uri="http://schemas.microsoft.com/office/2006/metadata/properties/metaAttributes"/>
+    <ds:schemaRef ds:uri="http://www.w3.org/2001/XMLSchema"/>
+    <ds:schemaRef ds:uri="http://schemas.microsoft.com/office/2006/metadata/properties"/>
+    <ds:schemaRef ds:uri="http://schemas.microsoft.com/sharepoint/v3"/>
+    <ds:schemaRef ds:uri="4d616b5b-752e-49e1-bc84-983707c3b45d"/>
+    <ds:schemaRef ds:uri="7b8458dc-598e-4883-bee3-b65cd33e2373"/>
+    <ds:schemaRef ds:uri="http://schemas.microsoft.com/office/2006/documentManagement/types"/>
+    <ds:schemaRef ds:uri="http://schemas.microsoft.com/office/infopath/2007/PartnerControls"/>
+    <ds:schemaRef ds:uri="http://schemas.openxmlformats.org/package/2006/metadata/core-properties"/>
+    <ds:schemaRef ds:uri="http://purl.org/dc/elements/1.1/"/>
+    <ds:schemaRef ds:uri="http://purl.org/dc/terms/"/>
+    <ds:schemaRef ds:uri="http://schemas.microsoft.com/internal/obd"/>
   </ds:schemaRefs>
 </ds:datastoreItem>
 </file>
@@ -11595,21 +11661,9 @@
 </file>
 
 <file path=customXml/itemProps3.xml><?xml version="1.0" encoding="utf-8"?>
-<ds:datastoreItem xmlns:ds="http://schemas.openxmlformats.org/officeDocument/2006/customXml" ds:itemID="{5F414E3A-68DA-42A0-8EE0-8D409A8A8051}">
+<ds:datastoreItem xmlns:ds="http://schemas.openxmlformats.org/officeDocument/2006/customXml" ds:itemID="{26A66B61-4F06-44C8-9162-4B6D2BCADA53}">
   <ds:schemaRefs>
-    <ds:schemaRef ds:uri="http://schemas.microsoft.com/office/2006/metadata/contentType"/>
-    <ds:schemaRef ds:uri="http://schemas.microsoft.com/office/2006/metadata/properties/metaAttributes"/>
-    <ds:schemaRef ds:uri="http://www.w3.org/2001/XMLSchema"/>
-    <ds:schemaRef ds:uri="http://schemas.microsoft.com/office/2006/metadata/properties"/>
-    <ds:schemaRef ds:uri="http://schemas.microsoft.com/sharepoint/v3"/>
-    <ds:schemaRef ds:uri="4d616b5b-752e-49e1-bc84-983707c3b45d"/>
-    <ds:schemaRef ds:uri="7b8458dc-598e-4883-bee3-b65cd33e2373"/>
-    <ds:schemaRef ds:uri="http://schemas.microsoft.com/office/2006/documentManagement/types"/>
-    <ds:schemaRef ds:uri="http://schemas.microsoft.com/office/infopath/2007/PartnerControls"/>
-    <ds:schemaRef ds:uri="http://schemas.openxmlformats.org/package/2006/metadata/core-properties"/>
-    <ds:schemaRef ds:uri="http://purl.org/dc/elements/1.1/"/>
-    <ds:schemaRef ds:uri="http://purl.org/dc/terms/"/>
-    <ds:schemaRef ds:uri="http://schemas.microsoft.com/internal/obd"/>
+    <ds:schemaRef ds:uri="http://schemas.microsoft.com/sharepoint/v3/contenttype/forms"/>
   </ds:schemaRefs>
 </ds:datastoreItem>
 </file>